--- a/data/DiagramsFull.pptx
+++ b/data/DiagramsFull.pptx
@@ -8464,7 +8464,7 @@
         </p:nvSpPr>
         <p:spPr>
           <a:xfrm>
-            <a:off x="6881769" y="4123755"/>
+            <a:off x="6729369" y="4278122"/>
             <a:ext cx="914771" cy="308735"/>
           </a:xfrm>
           <a:prstGeom prst="rect">
@@ -8500,18 +8500,82 @@
           <a:p>
             <a:pPr algn="ctr"/>
             <a:r>
-              <a:rPr lang="en-GB" sz="1000" smtClean="0">
+              <a:rPr lang="en-GB" sz="1000" dirty="0" err="1">
                 <a:solidFill>
                   <a:schemeClr val="tx1"/>
                 </a:solidFill>
               </a:rPr>
-              <a:t>libstdc</a:t>
+              <a:t>L</a:t>
+            </a:r>
+            <a:r>
+              <a:rPr lang="en-GB" sz="1000" dirty="0" err="1" smtClean="0">
+                <a:solidFill>
+                  <a:schemeClr val="tx1"/>
+                </a:solidFill>
+              </a:rPr>
+              <a:t>ibstdc</a:t>
             </a:r>
             <a:endParaRPr lang="en-GB" sz="1000" dirty="0" smtClean="0">
               <a:solidFill>
                 <a:schemeClr val="tx1"/>
               </a:solidFill>
             </a:endParaRPr>
+          </a:p>
+        </p:txBody>
+      </p:sp>
+      <p:sp>
+        <p:nvSpPr>
+          <p:cNvPr id="214" name="CuadroTexto 213"/>
+          <p:cNvSpPr txBox="1"/>
+          <p:nvPr/>
+        </p:nvSpPr>
+        <p:spPr>
+          <a:xfrm>
+            <a:off x="649905" y="3780855"/>
+            <a:ext cx="3566059" cy="461665"/>
+          </a:xfrm>
+          <a:prstGeom prst="rect">
+            <a:avLst/>
+          </a:prstGeom>
+          <a:solidFill>
+            <a:schemeClr val="bg1">
+              <a:lumMod val="65000"/>
+            </a:schemeClr>
+          </a:solidFill>
+        </p:spPr>
+        <p:txBody>
+          <a:bodyPr wrap="square" rtlCol="0">
+            <a:spAutoFit/>
+          </a:bodyPr>
+          <a:lstStyle/>
+          <a:p>
+            <a:r>
+              <a:rPr lang="en-GB" sz="1200" dirty="0" smtClean="0"/>
+              <a:t>NOTES:</a:t>
+            </a:r>
+          </a:p>
+          <a:p>
+            <a:pPr marL="171450" indent="-171450">
+              <a:buFont typeface="Arial"/>
+              <a:buChar char="•"/>
+            </a:pPr>
+            <a:r>
+              <a:rPr lang="en-GB" sz="1200" smtClean="0"/>
+              <a:t>Should </a:t>
+            </a:r>
+            <a:r>
+              <a:rPr lang="en-GB" sz="1200" dirty="0" smtClean="0"/>
+              <a:t>we add </a:t>
+            </a:r>
+            <a:r>
+              <a:rPr lang="en-GB" sz="1200" dirty="0" err="1" smtClean="0"/>
+              <a:t>colors</a:t>
+            </a:r>
+            <a:r>
+              <a:rPr lang="en-GB" sz="1200" dirty="0" smtClean="0"/>
+              <a:t> for the different WFs?</a:t>
+            </a:r>
+            <a:endParaRPr lang="en-GB" sz="1200" dirty="0"/>
           </a:p>
         </p:txBody>
       </p:sp>

--- a/data/DiagramsFull.pptx
+++ b/data/DiagramsFull.pptx
@@ -6,6 +6,7 @@
   </p:sldMasterIdLst>
   <p:sldIdLst>
     <p:sldId id="256" r:id="rId2"/>
+    <p:sldId id="257" r:id="rId3"/>
   </p:sldIdLst>
   <p:sldSz cx="9601200" cy="12801600" type="A3"/>
   <p:notesSz cx="6858000" cy="9144000"/>
@@ -3450,7 +3451,9 @@
           <a:prstGeom prst="rect">
             <a:avLst/>
           </a:prstGeom>
-          <a:noFill/>
+          <a:solidFill>
+            <a:schemeClr val="bg1"/>
+          </a:solidFill>
           <a:ln>
             <a:solidFill>
               <a:schemeClr val="tx1"/>
@@ -3507,7 +3510,9 @@
           <a:prstGeom prst="rect">
             <a:avLst/>
           </a:prstGeom>
-          <a:noFill/>
+          <a:solidFill>
+            <a:schemeClr val="bg1"/>
+          </a:solidFill>
           <a:ln>
             <a:solidFill>
               <a:schemeClr val="tx1"/>
@@ -3559,7 +3564,9 @@
           <a:prstGeom prst="rect">
             <a:avLst/>
           </a:prstGeom>
-          <a:noFill/>
+          <a:solidFill>
+            <a:schemeClr val="bg1"/>
+          </a:solidFill>
           <a:ln>
             <a:solidFill>
               <a:schemeClr val="tx1"/>
@@ -3616,7 +3623,9 @@
           <a:prstGeom prst="rect">
             <a:avLst/>
           </a:prstGeom>
-          <a:noFill/>
+          <a:solidFill>
+            <a:schemeClr val="bg1"/>
+          </a:solidFill>
           <a:ln>
             <a:solidFill>
               <a:schemeClr val="tx1"/>
@@ -3677,7 +3686,7 @@
             <a:avLst/>
           </a:prstGeom>
           <a:solidFill>
-            <a:srgbClr val="F2F2F2"/>
+            <a:schemeClr val="bg1"/>
           </a:solidFill>
           <a:ln>
             <a:solidFill>
@@ -3735,7 +3744,9 @@
           <a:prstGeom prst="rect">
             <a:avLst/>
           </a:prstGeom>
-          <a:noFill/>
+          <a:solidFill>
+            <a:schemeClr val="bg1"/>
+          </a:solidFill>
           <a:ln>
             <a:solidFill>
               <a:schemeClr val="tx1"/>
@@ -3986,7 +3997,7 @@
         </p:nvSpPr>
         <p:spPr>
           <a:xfrm>
-            <a:off x="1292979" y="6111445"/>
+            <a:off x="1401365" y="5431515"/>
             <a:ext cx="914771" cy="463103"/>
           </a:xfrm>
           <a:prstGeom prst="rect">
@@ -4070,7 +4081,7 @@
         </p:nvSpPr>
         <p:spPr>
           <a:xfrm>
-            <a:off x="1292979" y="6892996"/>
+            <a:off x="1401365" y="6213066"/>
             <a:ext cx="914771" cy="463103"/>
           </a:xfrm>
           <a:prstGeom prst="rect">
@@ -4247,7 +4258,7 @@
         <p:spPr>
           <a:xfrm>
             <a:off x="6557737" y="4940322"/>
-            <a:ext cx="2328377" cy="2778350"/>
+            <a:ext cx="2328377" cy="2098420"/>
           </a:xfrm>
           <a:prstGeom prst="rect">
             <a:avLst/>
@@ -4296,7 +4307,7 @@
         </p:nvSpPr>
         <p:spPr>
           <a:xfrm>
-            <a:off x="378208" y="5908480"/>
+            <a:off x="486594" y="5228550"/>
             <a:ext cx="3837756" cy="1810192"/>
           </a:xfrm>
           <a:prstGeom prst="rect">
@@ -4346,7 +4357,7 @@
         </p:nvSpPr>
         <p:spPr>
           <a:xfrm>
-            <a:off x="558621" y="6034460"/>
+            <a:off x="667007" y="5354530"/>
             <a:ext cx="457385" cy="154368"/>
           </a:xfrm>
           <a:prstGeom prst="rect">
@@ -4398,7 +4409,7 @@
         </p:nvSpPr>
         <p:spPr>
           <a:xfrm>
-            <a:off x="558621" y="6266010"/>
+            <a:off x="667007" y="5586080"/>
             <a:ext cx="457385" cy="154368"/>
           </a:xfrm>
           <a:prstGeom prst="rect">
@@ -4450,7 +4461,7 @@
         </p:nvSpPr>
         <p:spPr>
           <a:xfrm>
-            <a:off x="558621" y="6500221"/>
+            <a:off x="667007" y="5820291"/>
             <a:ext cx="457385" cy="154368"/>
           </a:xfrm>
           <a:prstGeom prst="rect">
@@ -4502,7 +4513,7 @@
         </p:nvSpPr>
         <p:spPr>
           <a:xfrm>
-            <a:off x="549729" y="6813152"/>
+            <a:off x="658115" y="6133222"/>
             <a:ext cx="457385" cy="154368"/>
           </a:xfrm>
           <a:prstGeom prst="rect">
@@ -4554,7 +4565,7 @@
         </p:nvSpPr>
         <p:spPr>
           <a:xfrm>
-            <a:off x="549729" y="7044703"/>
+            <a:off x="658115" y="6364773"/>
             <a:ext cx="457385" cy="154368"/>
           </a:xfrm>
           <a:prstGeom prst="rect">
@@ -4606,7 +4617,7 @@
         </p:nvSpPr>
         <p:spPr>
           <a:xfrm>
-            <a:off x="549729" y="7278914"/>
+            <a:off x="658115" y="6598984"/>
             <a:ext cx="457385" cy="154368"/>
           </a:xfrm>
           <a:prstGeom prst="rect">
@@ -4661,7 +4672,7 @@
         </p:nvCxnSpPr>
         <p:spPr>
           <a:xfrm>
-            <a:off x="1007112" y="7121887"/>
+            <a:off x="1115498" y="6441957"/>
             <a:ext cx="285867" cy="2660"/>
           </a:xfrm>
           <a:prstGeom prst="line">
@@ -4788,7 +4799,7 @@
         </p:nvSpPr>
         <p:spPr>
           <a:xfrm>
-            <a:off x="397837" y="5615237"/>
+            <a:off x="506223" y="4935307"/>
             <a:ext cx="699693" cy="246221"/>
           </a:xfrm>
           <a:prstGeom prst="rect">
@@ -4872,15 +4883,15 @@
         <p:nvCxnSpPr>
           <p:cNvPr id="44" name="Conector recto 45"/>
           <p:cNvCxnSpPr>
-            <a:stCxn id="14" idx="3"/>
-            <a:endCxn id="15" idx="1"/>
+            <a:stCxn id="211" idx="3"/>
+            <a:endCxn id="216" idx="1"/>
           </p:cNvCxnSpPr>
           <p:nvPr/>
         </p:nvCxnSpPr>
         <p:spPr>
           <a:xfrm>
-            <a:off x="7627224" y="1832232"/>
-            <a:ext cx="344119" cy="7047"/>
+            <a:off x="6367297" y="3439923"/>
+            <a:ext cx="347626" cy="6350"/>
           </a:xfrm>
           <a:prstGeom prst="line">
             <a:avLst/>
@@ -5045,7 +5056,7 @@
         </p:nvCxnSpPr>
         <p:spPr>
           <a:xfrm>
-            <a:off x="1016006" y="6111644"/>
+            <a:off x="1124392" y="5431714"/>
             <a:ext cx="276973" cy="231352"/>
           </a:xfrm>
           <a:prstGeom prst="bentConnector3">
@@ -5088,7 +5099,7 @@
         </p:nvCxnSpPr>
         <p:spPr>
           <a:xfrm flipV="1">
-            <a:off x="1016006" y="6342997"/>
+            <a:off x="1124392" y="5663067"/>
             <a:ext cx="276973" cy="234409"/>
           </a:xfrm>
           <a:prstGeom prst="bentConnector3">
@@ -5131,7 +5142,7 @@
         </p:nvCxnSpPr>
         <p:spPr>
           <a:xfrm flipV="1">
-            <a:off x="1016006" y="6342996"/>
+            <a:off x="1124392" y="5663066"/>
             <a:ext cx="276973" cy="198"/>
           </a:xfrm>
           <a:prstGeom prst="line">
@@ -5172,7 +5183,7 @@
         </p:nvCxnSpPr>
         <p:spPr>
           <a:xfrm flipV="1">
-            <a:off x="1007112" y="7124547"/>
+            <a:off x="1115498" y="6444617"/>
             <a:ext cx="285867" cy="231551"/>
           </a:xfrm>
           <a:prstGeom prst="bentConnector3">
@@ -5215,7 +5226,7 @@
         </p:nvCxnSpPr>
         <p:spPr>
           <a:xfrm>
-            <a:off x="1007112" y="6890337"/>
+            <a:off x="1115498" y="6210407"/>
             <a:ext cx="285867" cy="234210"/>
           </a:xfrm>
           <a:prstGeom prst="bentConnector3">
@@ -5902,7 +5913,7 @@
         </p:nvSpPr>
         <p:spPr>
           <a:xfrm>
-            <a:off x="3105510" y="6106620"/>
+            <a:off x="3213896" y="5426690"/>
             <a:ext cx="914771" cy="463103"/>
           </a:xfrm>
           <a:prstGeom prst="rect">
@@ -5986,7 +5997,7 @@
         </p:nvSpPr>
         <p:spPr>
           <a:xfrm>
-            <a:off x="3105510" y="6964218"/>
+            <a:off x="3213896" y="6284288"/>
             <a:ext cx="914771" cy="463103"/>
           </a:xfrm>
           <a:prstGeom prst="rect">
@@ -6062,7 +6073,7 @@
         </p:nvSpPr>
         <p:spPr>
           <a:xfrm>
-            <a:off x="2371152" y="6029635"/>
+            <a:off x="2479538" y="5349705"/>
             <a:ext cx="457385" cy="154368"/>
           </a:xfrm>
           <a:prstGeom prst="rect">
@@ -6114,7 +6125,7 @@
         </p:nvSpPr>
         <p:spPr>
           <a:xfrm>
-            <a:off x="2371152" y="6261185"/>
+            <a:off x="2479538" y="5581255"/>
             <a:ext cx="457385" cy="154368"/>
           </a:xfrm>
           <a:prstGeom prst="rect">
@@ -6166,7 +6177,7 @@
         </p:nvSpPr>
         <p:spPr>
           <a:xfrm>
-            <a:off x="2371152" y="6495396"/>
+            <a:off x="2479538" y="5815466"/>
             <a:ext cx="457385" cy="154368"/>
           </a:xfrm>
           <a:prstGeom prst="rect">
@@ -6218,7 +6229,7 @@
         </p:nvSpPr>
         <p:spPr>
           <a:xfrm>
-            <a:off x="2362260" y="6884374"/>
+            <a:off x="2470646" y="6204444"/>
             <a:ext cx="457385" cy="154368"/>
           </a:xfrm>
           <a:prstGeom prst="rect">
@@ -6270,7 +6281,7 @@
         </p:nvSpPr>
         <p:spPr>
           <a:xfrm>
-            <a:off x="2362260" y="7115925"/>
+            <a:off x="2470646" y="6435995"/>
             <a:ext cx="457385" cy="154368"/>
           </a:xfrm>
           <a:prstGeom prst="rect">
@@ -6322,7 +6333,7 @@
         </p:nvSpPr>
         <p:spPr>
           <a:xfrm>
-            <a:off x="2362260" y="7350136"/>
+            <a:off x="2470646" y="6670206"/>
             <a:ext cx="457385" cy="154368"/>
           </a:xfrm>
           <a:prstGeom prst="rect">
@@ -6377,7 +6388,7 @@
         </p:nvCxnSpPr>
         <p:spPr>
           <a:xfrm>
-            <a:off x="2819643" y="7193109"/>
+            <a:off x="2928029" y="6513179"/>
             <a:ext cx="285867" cy="2660"/>
           </a:xfrm>
           <a:prstGeom prst="line">
@@ -6418,7 +6429,7 @@
         </p:nvCxnSpPr>
         <p:spPr>
           <a:xfrm>
-            <a:off x="2828537" y="6106819"/>
+            <a:off x="2936923" y="5426889"/>
             <a:ext cx="276973" cy="231352"/>
           </a:xfrm>
           <a:prstGeom prst="bentConnector3">
@@ -6461,7 +6472,7 @@
         </p:nvCxnSpPr>
         <p:spPr>
           <a:xfrm flipV="1">
-            <a:off x="2828537" y="6338172"/>
+            <a:off x="2936923" y="5658242"/>
             <a:ext cx="276973" cy="234409"/>
           </a:xfrm>
           <a:prstGeom prst="bentConnector3">
@@ -6504,7 +6515,7 @@
         </p:nvCxnSpPr>
         <p:spPr>
           <a:xfrm flipV="1">
-            <a:off x="2828537" y="6338171"/>
+            <a:off x="2936923" y="5658241"/>
             <a:ext cx="276973" cy="198"/>
           </a:xfrm>
           <a:prstGeom prst="line">
@@ -6545,7 +6556,7 @@
         </p:nvCxnSpPr>
         <p:spPr>
           <a:xfrm flipV="1">
-            <a:off x="2819643" y="7195769"/>
+            <a:off x="2928029" y="6515839"/>
             <a:ext cx="285867" cy="231551"/>
           </a:xfrm>
           <a:prstGeom prst="bentConnector3">
@@ -6588,7 +6599,7 @@
         </p:nvCxnSpPr>
         <p:spPr>
           <a:xfrm>
-            <a:off x="2819643" y="6961558"/>
+            <a:off x="2928029" y="6281628"/>
             <a:ext cx="285867" cy="234210"/>
           </a:xfrm>
           <a:prstGeom prst="bentConnector3">
@@ -6818,7 +6829,9 @@
           <a:prstGeom prst="rect">
             <a:avLst/>
           </a:prstGeom>
-          <a:noFill/>
+          <a:solidFill>
+            <a:schemeClr val="bg1"/>
+          </a:solidFill>
           <a:ln>
             <a:solidFill>
               <a:schemeClr val="tx1"/>
@@ -6924,7 +6937,9 @@
           <a:prstGeom prst="rect">
             <a:avLst/>
           </a:prstGeom>
-          <a:noFill/>
+          <a:solidFill>
+            <a:schemeClr val="bg1"/>
+          </a:solidFill>
           <a:ln>
             <a:solidFill>
               <a:schemeClr val="tx1"/>
@@ -6997,7 +7012,9 @@
           <a:prstGeom prst="rect">
             <a:avLst/>
           </a:prstGeom>
-          <a:noFill/>
+          <a:solidFill>
+            <a:schemeClr val="bg1"/>
+          </a:solidFill>
           <a:ln>
             <a:solidFill>
               <a:schemeClr val="tx1"/>
@@ -7155,9 +7172,7 @@
             <a:avLst/>
           </a:prstGeom>
           <a:solidFill>
-            <a:schemeClr val="bg1">
-              <a:lumMod val="95000"/>
-            </a:schemeClr>
+            <a:schemeClr val="bg1"/>
           </a:solidFill>
           <a:ln>
             <a:solidFill>
@@ -7211,9 +7226,7 @@
             <a:avLst/>
           </a:prstGeom>
           <a:solidFill>
-            <a:schemeClr val="bg1">
-              <a:lumMod val="95000"/>
-            </a:schemeClr>
+            <a:schemeClr val="bg1"/>
           </a:solidFill>
           <a:ln>
             <a:solidFill>
@@ -7999,7 +8012,7 @@
             <a:avLst/>
           </a:prstGeom>
           <a:solidFill>
-            <a:srgbClr val="F2F2F2"/>
+            <a:schemeClr val="bg1"/>
           </a:solidFill>
           <a:ln>
             <a:solidFill>
@@ -8186,7 +8199,7 @@
             <a:avLst/>
           </a:prstGeom>
           <a:solidFill>
-            <a:srgbClr val="F2F2F2"/>
+            <a:schemeClr val="bg1"/>
           </a:solidFill>
           <a:ln>
             <a:solidFill>
@@ -8230,47 +8243,6 @@
           </a:p>
         </p:txBody>
       </p:sp>
-      <p:cxnSp>
-        <p:nvCxnSpPr>
-          <p:cNvPr id="206" name="Elbow Connector 78"/>
-          <p:cNvCxnSpPr>
-            <a:stCxn id="205" idx="3"/>
-            <a:endCxn id="14" idx="2"/>
-          </p:cNvCxnSpPr>
-          <p:nvPr/>
-        </p:nvCxnSpPr>
-        <p:spPr>
-          <a:xfrm flipV="1">
-            <a:off x="6367297" y="1986599"/>
-            <a:ext cx="802542" cy="792924"/>
-          </a:xfrm>
-          <a:prstGeom prst="bentConnector2">
-            <a:avLst/>
-          </a:prstGeom>
-          <a:ln w="12700" cmpd="sng">
-            <a:solidFill>
-              <a:schemeClr val="tx1"/>
-            </a:solidFill>
-            <a:headEnd type="none"/>
-            <a:tailEnd type="triangle"/>
-          </a:ln>
-          <a:effectLst/>
-        </p:spPr>
-        <p:style>
-          <a:lnRef idx="2">
-            <a:schemeClr val="accent1"/>
-          </a:lnRef>
-          <a:fillRef idx="0">
-            <a:schemeClr val="accent1"/>
-          </a:fillRef>
-          <a:effectRef idx="1">
-            <a:schemeClr val="accent1"/>
-          </a:effectRef>
-          <a:fontRef idx="minor">
-            <a:schemeClr val="tx1"/>
-          </a:fontRef>
-        </p:style>
-      </p:cxnSp>
       <p:sp>
         <p:nvSpPr>
           <p:cNvPr id="196" name="Rectángulo 195"/>
@@ -8286,7 +8258,7 @@
             <a:avLst/>
           </a:prstGeom>
           <a:solidFill>
-            <a:srgbClr val="FFFFFF"/>
+            <a:schemeClr val="bg1"/>
           </a:solidFill>
           <a:ln>
             <a:solidFill>
@@ -8338,14 +8310,14 @@
         </p:nvSpPr>
         <p:spPr>
           <a:xfrm>
-            <a:off x="6729322" y="3285555"/>
+            <a:off x="5452526" y="3285555"/>
             <a:ext cx="914771" cy="308735"/>
           </a:xfrm>
           <a:prstGeom prst="rect">
             <a:avLst/>
           </a:prstGeom>
           <a:solidFill>
-            <a:srgbClr val="F2F2F2"/>
+            <a:srgbClr val="FFFFFF"/>
           </a:solidFill>
           <a:ln>
             <a:solidFill>
@@ -8391,20 +8363,72 @@
       </p:sp>
       <p:sp>
         <p:nvSpPr>
-          <p:cNvPr id="212" name="Rectángulo 211"/>
+          <p:cNvPr id="214" name="CuadroTexto 213"/>
+          <p:cNvSpPr txBox="1"/>
+          <p:nvPr/>
+        </p:nvSpPr>
+        <p:spPr>
+          <a:xfrm>
+            <a:off x="1370346" y="7336855"/>
+            <a:ext cx="3566059" cy="461665"/>
+          </a:xfrm>
+          <a:prstGeom prst="rect">
+            <a:avLst/>
+          </a:prstGeom>
+          <a:solidFill>
+            <a:schemeClr val="bg1">
+              <a:lumMod val="65000"/>
+            </a:schemeClr>
+          </a:solidFill>
+        </p:spPr>
+        <p:txBody>
+          <a:bodyPr wrap="square" rtlCol="0">
+            <a:spAutoFit/>
+          </a:bodyPr>
+          <a:lstStyle/>
+          <a:p>
+            <a:r>
+              <a:rPr lang="en-GB" sz="1200" dirty="0" smtClean="0"/>
+              <a:t>NOTES:</a:t>
+            </a:r>
+          </a:p>
+          <a:p>
+            <a:pPr marL="171450" indent="-171450">
+              <a:buFont typeface="Arial"/>
+              <a:buChar char="•"/>
+            </a:pPr>
+            <a:r>
+              <a:rPr lang="en-GB" sz="1200" dirty="0" smtClean="0"/>
+              <a:t>Should we add </a:t>
+            </a:r>
+            <a:r>
+              <a:rPr lang="en-GB" sz="1200" dirty="0" err="1" smtClean="0"/>
+              <a:t>colors</a:t>
+            </a:r>
+            <a:r>
+              <a:rPr lang="en-GB" sz="1200" dirty="0" smtClean="0"/>
+              <a:t> for the different WFs?</a:t>
+            </a:r>
+            <a:endParaRPr lang="en-GB" sz="1200" dirty="0"/>
+          </a:p>
+        </p:txBody>
+      </p:sp>
+      <p:sp>
+        <p:nvSpPr>
+          <p:cNvPr id="215" name="Rectángulo 214"/>
           <p:cNvSpPr/>
           <p:nvPr/>
         </p:nvSpPr>
         <p:spPr>
           <a:xfrm>
-            <a:off x="6729369" y="3780855"/>
+            <a:off x="5452526" y="4242520"/>
             <a:ext cx="914771" cy="308735"/>
           </a:xfrm>
           <a:prstGeom prst="rect">
             <a:avLst/>
           </a:prstGeom>
           <a:solidFill>
-            <a:srgbClr val="F2F2F2"/>
+            <a:srgbClr val="FFFFFF"/>
           </a:solidFill>
           <a:ln>
             <a:solidFill>
@@ -8433,20 +8457,12 @@
           <a:p>
             <a:pPr algn="ctr"/>
             <a:r>
-              <a:rPr lang="en-GB" sz="1000" dirty="0">
-                <a:solidFill>
-                  <a:schemeClr val="tx1"/>
-                </a:solidFill>
-              </a:rPr>
-              <a:t>G</a:t>
-            </a:r>
-            <a:r>
               <a:rPr lang="en-GB" sz="1000" dirty="0" smtClean="0">
                 <a:solidFill>
                   <a:schemeClr val="tx1"/>
                 </a:solidFill>
               </a:rPr>
-              <a:t>libc.i686</a:t>
+              <a:t>MAQ Index</a:t>
             </a:r>
             <a:endParaRPr lang="en-GB" sz="1000" dirty="0" smtClean="0">
               <a:solidFill>
@@ -8458,20 +8474,20 @@
       </p:sp>
       <p:sp>
         <p:nvSpPr>
-          <p:cNvPr id="213" name="Rectángulo 212"/>
+          <p:cNvPr id="217" name="Rectángulo 216"/>
           <p:cNvSpPr/>
           <p:nvPr/>
         </p:nvSpPr>
         <p:spPr>
           <a:xfrm>
-            <a:off x="6729369" y="4278122"/>
+            <a:off x="6714923" y="3783460"/>
             <a:ext cx="914771" cy="308735"/>
           </a:xfrm>
           <a:prstGeom prst="rect">
             <a:avLst/>
           </a:prstGeom>
           <a:solidFill>
-            <a:srgbClr val="F2F2F2"/>
+            <a:srgbClr val="FFFFFF"/>
           </a:solidFill>
           <a:ln>
             <a:solidFill>
@@ -8500,20 +8516,12 @@
           <a:p>
             <a:pPr algn="ctr"/>
             <a:r>
-              <a:rPr lang="en-GB" sz="1000" dirty="0" err="1">
-                <a:solidFill>
-                  <a:schemeClr val="tx1"/>
-                </a:solidFill>
-              </a:rPr>
-              <a:t>L</a:t>
-            </a:r>
-            <a:r>
-              <a:rPr lang="en-GB" sz="1000" dirty="0" err="1" smtClean="0">
-                <a:solidFill>
-                  <a:schemeClr val="tx1"/>
-                </a:solidFill>
-              </a:rPr>
-              <a:t>ibstdc</a:t>
+              <a:rPr lang="en-GB" sz="1000" dirty="0" smtClean="0">
+                <a:solidFill>
+                  <a:schemeClr val="tx1"/>
+                </a:solidFill>
+              </a:rPr>
+              <a:t>SOL2SANGER</a:t>
             </a:r>
             <a:endParaRPr lang="en-GB" sz="1000" dirty="0" smtClean="0">
               <a:solidFill>
@@ -8523,6 +8531,5940 @@
           </a:p>
         </p:txBody>
       </p:sp>
+      <p:cxnSp>
+        <p:nvCxnSpPr>
+          <p:cNvPr id="218" name="Elbow Connector 78"/>
+          <p:cNvCxnSpPr>
+            <a:stCxn id="211" idx="0"/>
+            <a:endCxn id="14" idx="2"/>
+          </p:cNvCxnSpPr>
+          <p:nvPr/>
+        </p:nvCxnSpPr>
+        <p:spPr>
+          <a:xfrm rot="5400000" flipH="1" flipV="1">
+            <a:off x="5890397" y="2006114"/>
+            <a:ext cx="1298956" cy="1259927"/>
+          </a:xfrm>
+          <a:prstGeom prst="bentConnector3">
+            <a:avLst>
+              <a:gd name="adj1" fmla="val 15291"/>
+            </a:avLst>
+          </a:prstGeom>
+          <a:ln w="12700" cmpd="sng">
+            <a:solidFill>
+              <a:schemeClr val="tx1"/>
+            </a:solidFill>
+            <a:headEnd type="none"/>
+            <a:tailEnd type="triangle"/>
+          </a:ln>
+          <a:effectLst/>
+        </p:spPr>
+        <p:style>
+          <a:lnRef idx="2">
+            <a:schemeClr val="accent1"/>
+          </a:lnRef>
+          <a:fillRef idx="0">
+            <a:schemeClr val="accent1"/>
+          </a:fillRef>
+          <a:effectRef idx="1">
+            <a:schemeClr val="accent1"/>
+          </a:effectRef>
+          <a:fontRef idx="minor">
+            <a:schemeClr val="tx1"/>
+          </a:fontRef>
+        </p:style>
+      </p:cxnSp>
+      <p:cxnSp>
+        <p:nvCxnSpPr>
+          <p:cNvPr id="227" name="Conector recto 45"/>
+          <p:cNvCxnSpPr>
+            <a:stCxn id="211" idx="2"/>
+            <a:endCxn id="215" idx="0"/>
+          </p:cNvCxnSpPr>
+          <p:nvPr/>
+        </p:nvCxnSpPr>
+        <p:spPr>
+          <a:xfrm>
+            <a:off x="5909912" y="3594290"/>
+            <a:ext cx="0" cy="648230"/>
+          </a:xfrm>
+          <a:prstGeom prst="line">
+            <a:avLst/>
+          </a:prstGeom>
+          <a:ln w="12700" cmpd="sng">
+            <a:solidFill>
+              <a:srgbClr val="000000"/>
+            </a:solidFill>
+            <a:headEnd type="none"/>
+            <a:tailEnd type="none"/>
+          </a:ln>
+          <a:effectLst/>
+        </p:spPr>
+        <p:style>
+          <a:lnRef idx="2">
+            <a:schemeClr val="accent1"/>
+          </a:lnRef>
+          <a:fillRef idx="0">
+            <a:schemeClr val="accent1"/>
+          </a:fillRef>
+          <a:effectRef idx="1">
+            <a:schemeClr val="accent1"/>
+          </a:effectRef>
+          <a:fontRef idx="minor">
+            <a:schemeClr val="tx1"/>
+          </a:fontRef>
+        </p:style>
+      </p:cxnSp>
+      <p:sp>
+        <p:nvSpPr>
+          <p:cNvPr id="212" name="Rectángulo 211"/>
+          <p:cNvSpPr/>
+          <p:nvPr/>
+        </p:nvSpPr>
+        <p:spPr>
+          <a:xfrm>
+            <a:off x="5452526" y="3780855"/>
+            <a:ext cx="914771" cy="308735"/>
+          </a:xfrm>
+          <a:prstGeom prst="rect">
+            <a:avLst/>
+          </a:prstGeom>
+          <a:solidFill>
+            <a:srgbClr val="FFFFFF"/>
+          </a:solidFill>
+          <a:ln>
+            <a:solidFill>
+              <a:schemeClr val="tx1"/>
+            </a:solidFill>
+          </a:ln>
+          <a:effectLst/>
+        </p:spPr>
+        <p:style>
+          <a:lnRef idx="1">
+            <a:schemeClr val="accent1"/>
+          </a:lnRef>
+          <a:fillRef idx="3">
+            <a:schemeClr val="accent1"/>
+          </a:fillRef>
+          <a:effectRef idx="2">
+            <a:schemeClr val="accent1"/>
+          </a:effectRef>
+          <a:fontRef idx="minor">
+            <a:schemeClr val="lt1"/>
+          </a:fontRef>
+        </p:style>
+        <p:txBody>
+          <a:bodyPr rtlCol="0" anchor="ctr"/>
+          <a:lstStyle/>
+          <a:p>
+            <a:pPr algn="ctr"/>
+            <a:r>
+              <a:rPr lang="en-GB" sz="1000" dirty="0" smtClean="0">
+                <a:solidFill>
+                  <a:schemeClr val="tx1"/>
+                </a:solidFill>
+              </a:rPr>
+              <a:t>MAQ</a:t>
+            </a:r>
+            <a:endParaRPr lang="en-GB" sz="1000" dirty="0" smtClean="0">
+              <a:solidFill>
+                <a:schemeClr val="tx1"/>
+              </a:solidFill>
+            </a:endParaRPr>
+          </a:p>
+        </p:txBody>
+      </p:sp>
+      <p:cxnSp>
+        <p:nvCxnSpPr>
+          <p:cNvPr id="233" name="Conector recto 45"/>
+          <p:cNvCxnSpPr>
+            <a:stCxn id="14" idx="2"/>
+            <a:endCxn id="217" idx="0"/>
+          </p:cNvCxnSpPr>
+          <p:nvPr/>
+        </p:nvCxnSpPr>
+        <p:spPr>
+          <a:xfrm>
+            <a:off x="7169839" y="1986599"/>
+            <a:ext cx="2470" cy="1796861"/>
+          </a:xfrm>
+          <a:prstGeom prst="line">
+            <a:avLst/>
+          </a:prstGeom>
+          <a:ln w="12700" cmpd="sng">
+            <a:solidFill>
+              <a:srgbClr val="000000"/>
+            </a:solidFill>
+            <a:headEnd type="none"/>
+            <a:tailEnd type="none"/>
+          </a:ln>
+          <a:effectLst/>
+        </p:spPr>
+        <p:style>
+          <a:lnRef idx="2">
+            <a:schemeClr val="accent1"/>
+          </a:lnRef>
+          <a:fillRef idx="0">
+            <a:schemeClr val="accent1"/>
+          </a:fillRef>
+          <a:effectRef idx="1">
+            <a:schemeClr val="accent1"/>
+          </a:effectRef>
+          <a:fontRef idx="minor">
+            <a:schemeClr val="tx1"/>
+          </a:fontRef>
+        </p:style>
+      </p:cxnSp>
+      <p:sp>
+        <p:nvSpPr>
+          <p:cNvPr id="216" name="Rectángulo 215"/>
+          <p:cNvSpPr/>
+          <p:nvPr/>
+        </p:nvSpPr>
+        <p:spPr>
+          <a:xfrm>
+            <a:off x="6714923" y="3291905"/>
+            <a:ext cx="914771" cy="308735"/>
+          </a:xfrm>
+          <a:prstGeom prst="rect">
+            <a:avLst/>
+          </a:prstGeom>
+          <a:solidFill>
+            <a:srgbClr val="FFFFFF"/>
+          </a:solidFill>
+          <a:ln>
+            <a:solidFill>
+              <a:schemeClr val="tx1"/>
+            </a:solidFill>
+          </a:ln>
+          <a:effectLst/>
+        </p:spPr>
+        <p:style>
+          <a:lnRef idx="1">
+            <a:schemeClr val="accent1"/>
+          </a:lnRef>
+          <a:fillRef idx="3">
+            <a:schemeClr val="accent1"/>
+          </a:fillRef>
+          <a:effectRef idx="2">
+            <a:schemeClr val="accent1"/>
+          </a:effectRef>
+          <a:fontRef idx="minor">
+            <a:schemeClr val="lt1"/>
+          </a:fontRef>
+        </p:style>
+        <p:txBody>
+          <a:bodyPr rtlCol="0" anchor="ctr"/>
+          <a:lstStyle/>
+          <a:p>
+            <a:pPr algn="ctr"/>
+            <a:r>
+              <a:rPr lang="en-GB" sz="1000" dirty="0" smtClean="0">
+                <a:solidFill>
+                  <a:schemeClr val="tx1"/>
+                </a:solidFill>
+              </a:rPr>
+              <a:t>MAP</a:t>
+            </a:r>
+            <a:endParaRPr lang="en-GB" sz="1000" dirty="0" smtClean="0">
+              <a:solidFill>
+                <a:schemeClr val="tx1"/>
+              </a:solidFill>
+            </a:endParaRPr>
+          </a:p>
+        </p:txBody>
+      </p:sp>
+      <p:cxnSp>
+        <p:nvCxnSpPr>
+          <p:cNvPr id="239" name="Elbow Connector 88"/>
+          <p:cNvCxnSpPr>
+            <a:stCxn id="216" idx="1"/>
+            <a:endCxn id="215" idx="3"/>
+          </p:cNvCxnSpPr>
+          <p:nvPr/>
+        </p:nvCxnSpPr>
+        <p:spPr>
+          <a:xfrm rot="10800000" flipV="1">
+            <a:off x="6367297" y="3446272"/>
+            <a:ext cx="347626" cy="950615"/>
+          </a:xfrm>
+          <a:prstGeom prst="bentConnector3">
+            <a:avLst>
+              <a:gd name="adj1" fmla="val 50000"/>
+            </a:avLst>
+          </a:prstGeom>
+          <a:ln w="12700" cmpd="sng">
+            <a:solidFill>
+              <a:schemeClr val="tx1"/>
+            </a:solidFill>
+            <a:headEnd type="none"/>
+            <a:tailEnd type="triangle"/>
+          </a:ln>
+          <a:effectLst/>
+        </p:spPr>
+        <p:style>
+          <a:lnRef idx="2">
+            <a:schemeClr val="accent1"/>
+          </a:lnRef>
+          <a:fillRef idx="0">
+            <a:schemeClr val="accent1"/>
+          </a:fillRef>
+          <a:effectRef idx="1">
+            <a:schemeClr val="accent1"/>
+          </a:effectRef>
+          <a:fontRef idx="minor">
+            <a:schemeClr val="tx1"/>
+          </a:fontRef>
+        </p:style>
+      </p:cxnSp>
+      <p:cxnSp>
+        <p:nvCxnSpPr>
+          <p:cNvPr id="244" name="Conector recto 45"/>
+          <p:cNvCxnSpPr>
+            <a:stCxn id="212" idx="3"/>
+            <a:endCxn id="217" idx="1"/>
+          </p:cNvCxnSpPr>
+          <p:nvPr/>
+        </p:nvCxnSpPr>
+        <p:spPr>
+          <a:xfrm>
+            <a:off x="6367297" y="3935223"/>
+            <a:ext cx="347626" cy="2605"/>
+          </a:xfrm>
+          <a:prstGeom prst="line">
+            <a:avLst/>
+          </a:prstGeom>
+          <a:ln w="12700" cmpd="sng">
+            <a:solidFill>
+              <a:srgbClr val="000000"/>
+            </a:solidFill>
+            <a:headEnd type="triangle"/>
+          </a:ln>
+          <a:effectLst/>
+        </p:spPr>
+        <p:style>
+          <a:lnRef idx="2">
+            <a:schemeClr val="accent1"/>
+          </a:lnRef>
+          <a:fillRef idx="0">
+            <a:schemeClr val="accent1"/>
+          </a:fillRef>
+          <a:effectRef idx="1">
+            <a:schemeClr val="accent1"/>
+          </a:effectRef>
+          <a:fontRef idx="minor">
+            <a:schemeClr val="tx1"/>
+          </a:fontRef>
+        </p:style>
+      </p:cxnSp>
+      <p:sp>
+        <p:nvSpPr>
+          <p:cNvPr id="250" name="Rectángulo 249"/>
+          <p:cNvSpPr/>
+          <p:nvPr/>
+        </p:nvSpPr>
+        <p:spPr>
+          <a:xfrm>
+            <a:off x="7979197" y="3291905"/>
+            <a:ext cx="914771" cy="308735"/>
+          </a:xfrm>
+          <a:prstGeom prst="rect">
+            <a:avLst/>
+          </a:prstGeom>
+          <a:solidFill>
+            <a:srgbClr val="FFFFFF"/>
+          </a:solidFill>
+          <a:ln>
+            <a:solidFill>
+              <a:schemeClr val="tx1"/>
+            </a:solidFill>
+          </a:ln>
+          <a:effectLst/>
+        </p:spPr>
+        <p:style>
+          <a:lnRef idx="1">
+            <a:schemeClr val="accent1"/>
+          </a:lnRef>
+          <a:fillRef idx="3">
+            <a:schemeClr val="accent1"/>
+          </a:fillRef>
+          <a:effectRef idx="2">
+            <a:schemeClr val="accent1"/>
+          </a:effectRef>
+          <a:fontRef idx="minor">
+            <a:schemeClr val="lt1"/>
+          </a:fontRef>
+        </p:style>
+        <p:txBody>
+          <a:bodyPr rtlCol="0" anchor="ctr"/>
+          <a:lstStyle/>
+          <a:p>
+            <a:pPr algn="ctr"/>
+            <a:r>
+              <a:rPr lang="en-GB" sz="1000" dirty="0" err="1" smtClean="0">
+                <a:solidFill>
+                  <a:schemeClr val="tx1"/>
+                </a:solidFill>
+              </a:rPr>
+              <a:t>GLibC</a:t>
+            </a:r>
+            <a:endParaRPr lang="en-GB" sz="1000" dirty="0" smtClean="0">
+              <a:solidFill>
+                <a:schemeClr val="tx1"/>
+              </a:solidFill>
+            </a:endParaRPr>
+          </a:p>
+        </p:txBody>
+      </p:sp>
+      <p:sp>
+        <p:nvSpPr>
+          <p:cNvPr id="252" name="Rectángulo 251"/>
+          <p:cNvSpPr/>
+          <p:nvPr/>
+        </p:nvSpPr>
+        <p:spPr>
+          <a:xfrm>
+            <a:off x="7979197" y="3780855"/>
+            <a:ext cx="914771" cy="308735"/>
+          </a:xfrm>
+          <a:prstGeom prst="rect">
+            <a:avLst/>
+          </a:prstGeom>
+          <a:solidFill>
+            <a:srgbClr val="FFFFFF"/>
+          </a:solidFill>
+          <a:ln>
+            <a:solidFill>
+              <a:schemeClr val="tx1"/>
+            </a:solidFill>
+          </a:ln>
+          <a:effectLst/>
+        </p:spPr>
+        <p:style>
+          <a:lnRef idx="1">
+            <a:schemeClr val="accent1"/>
+          </a:lnRef>
+          <a:fillRef idx="3">
+            <a:schemeClr val="accent1"/>
+          </a:fillRef>
+          <a:effectRef idx="2">
+            <a:schemeClr val="accent1"/>
+          </a:effectRef>
+          <a:fontRef idx="minor">
+            <a:schemeClr val="lt1"/>
+          </a:fontRef>
+        </p:style>
+        <p:txBody>
+          <a:bodyPr rtlCol="0" anchor="ctr"/>
+          <a:lstStyle/>
+          <a:p>
+            <a:pPr algn="ctr"/>
+            <a:r>
+              <a:rPr lang="en-GB" sz="1000" dirty="0" err="1" smtClean="0">
+                <a:solidFill>
+                  <a:schemeClr val="tx1"/>
+                </a:solidFill>
+              </a:rPr>
+              <a:t>LibStd</a:t>
+            </a:r>
+            <a:endParaRPr lang="en-GB" sz="1000" dirty="0" smtClean="0">
+              <a:solidFill>
+                <a:schemeClr val="tx1"/>
+              </a:solidFill>
+            </a:endParaRPr>
+          </a:p>
+        </p:txBody>
+      </p:sp>
+      <p:cxnSp>
+        <p:nvCxnSpPr>
+          <p:cNvPr id="255" name="Conector recto 45"/>
+          <p:cNvCxnSpPr>
+            <a:stCxn id="250" idx="1"/>
+            <a:endCxn id="216" idx="3"/>
+          </p:cNvCxnSpPr>
+          <p:nvPr/>
+        </p:nvCxnSpPr>
+        <p:spPr>
+          <a:xfrm flipH="1">
+            <a:off x="7629694" y="3446273"/>
+            <a:ext cx="349503" cy="0"/>
+          </a:xfrm>
+          <a:prstGeom prst="line">
+            <a:avLst/>
+          </a:prstGeom>
+          <a:ln w="12700" cmpd="sng">
+            <a:solidFill>
+              <a:srgbClr val="000000"/>
+            </a:solidFill>
+            <a:headEnd type="triangle"/>
+          </a:ln>
+          <a:effectLst/>
+        </p:spPr>
+        <p:style>
+          <a:lnRef idx="2">
+            <a:schemeClr val="accent1"/>
+          </a:lnRef>
+          <a:fillRef idx="0">
+            <a:schemeClr val="accent1"/>
+          </a:fillRef>
+          <a:effectRef idx="1">
+            <a:schemeClr val="accent1"/>
+          </a:effectRef>
+          <a:fontRef idx="minor">
+            <a:schemeClr val="tx1"/>
+          </a:fontRef>
+        </p:style>
+      </p:cxnSp>
+      <p:cxnSp>
+        <p:nvCxnSpPr>
+          <p:cNvPr id="258" name="Conector recto 45"/>
+          <p:cNvCxnSpPr>
+            <a:stCxn id="252" idx="1"/>
+            <a:endCxn id="217" idx="3"/>
+          </p:cNvCxnSpPr>
+          <p:nvPr/>
+        </p:nvCxnSpPr>
+        <p:spPr>
+          <a:xfrm flipH="1">
+            <a:off x="7629694" y="3935223"/>
+            <a:ext cx="349503" cy="2605"/>
+          </a:xfrm>
+          <a:prstGeom prst="line">
+            <a:avLst/>
+          </a:prstGeom>
+          <a:ln w="12700" cmpd="sng">
+            <a:solidFill>
+              <a:srgbClr val="000000"/>
+            </a:solidFill>
+            <a:headEnd type="triangle"/>
+          </a:ln>
+          <a:effectLst/>
+        </p:spPr>
+        <p:style>
+          <a:lnRef idx="2">
+            <a:schemeClr val="accent1"/>
+          </a:lnRef>
+          <a:fillRef idx="0">
+            <a:schemeClr val="accent1"/>
+          </a:fillRef>
+          <a:effectRef idx="1">
+            <a:schemeClr val="accent1"/>
+          </a:effectRef>
+          <a:fontRef idx="minor">
+            <a:schemeClr val="tx1"/>
+          </a:fontRef>
+        </p:style>
+      </p:cxnSp>
+      <p:cxnSp>
+        <p:nvCxnSpPr>
+          <p:cNvPr id="261" name="Elbow Connector 78"/>
+          <p:cNvCxnSpPr>
+            <a:stCxn id="250" idx="0"/>
+            <a:endCxn id="14" idx="2"/>
+          </p:cNvCxnSpPr>
+          <p:nvPr/>
+        </p:nvCxnSpPr>
+        <p:spPr>
+          <a:xfrm rot="16200000" flipV="1">
+            <a:off x="7150558" y="2005880"/>
+            <a:ext cx="1305306" cy="1266744"/>
+          </a:xfrm>
+          <a:prstGeom prst="bentConnector3">
+            <a:avLst>
+              <a:gd name="adj1" fmla="val 15461"/>
+            </a:avLst>
+          </a:prstGeom>
+          <a:ln w="12700" cmpd="sng">
+            <a:solidFill>
+              <a:schemeClr val="tx1"/>
+            </a:solidFill>
+            <a:headEnd type="none"/>
+            <a:tailEnd type="triangle"/>
+          </a:ln>
+          <a:effectLst/>
+        </p:spPr>
+        <p:style>
+          <a:lnRef idx="2">
+            <a:schemeClr val="accent1"/>
+          </a:lnRef>
+          <a:fillRef idx="0">
+            <a:schemeClr val="accent1"/>
+          </a:fillRef>
+          <a:effectRef idx="1">
+            <a:schemeClr val="accent1"/>
+          </a:effectRef>
+          <a:fontRef idx="minor">
+            <a:schemeClr val="tx1"/>
+          </a:fontRef>
+        </p:style>
+      </p:cxnSp>
+    </p:spTree>
+    <p:extLst>
+      <p:ext uri="{BB962C8B-B14F-4D97-AF65-F5344CB8AC3E}">
+        <p14:creationId xmlns:p14="http://schemas.microsoft.com/office/powerpoint/2010/main" val="2122940281"/>
+      </p:ext>
+    </p:extLst>
+  </p:cSld>
+  <p:clrMapOvr>
+    <a:masterClrMapping/>
+  </p:clrMapOvr>
+</p:sld>
+</file>
+
+<file path=ppt/slides/slide2.xml><?xml version="1.0" encoding="utf-8"?>
+<p:sld xmlns:a="http://schemas.openxmlformats.org/drawingml/2006/main" xmlns:r="http://schemas.openxmlformats.org/officeDocument/2006/relationships" xmlns:p="http://schemas.openxmlformats.org/presentationml/2006/main">
+  <p:cSld>
+    <p:spTree>
+      <p:nvGrpSpPr>
+        <p:cNvPr id="1" name=""/>
+        <p:cNvGrpSpPr/>
+        <p:nvPr/>
+      </p:nvGrpSpPr>
+      <p:grpSpPr>
+        <a:xfrm>
+          <a:off x="0" y="0"/>
+          <a:ext cx="0" cy="0"/>
+          <a:chOff x="0" y="0"/>
+          <a:chExt cx="0" cy="0"/>
+        </a:xfrm>
+      </p:grpSpPr>
+      <p:cxnSp>
+        <p:nvCxnSpPr>
+          <p:cNvPr id="4" name="Elbow Connector 104"/>
+          <p:cNvCxnSpPr>
+            <a:stCxn id="83" idx="0"/>
+            <a:endCxn id="18" idx="2"/>
+          </p:cNvCxnSpPr>
+          <p:nvPr/>
+        </p:nvCxnSpPr>
+        <p:spPr>
+          <a:xfrm rot="16200000" flipV="1">
+            <a:off x="7331682" y="5707437"/>
+            <a:ext cx="1170466" cy="608887"/>
+          </a:xfrm>
+          <a:prstGeom prst="bentConnector3">
+            <a:avLst>
+              <a:gd name="adj1" fmla="val 80192"/>
+            </a:avLst>
+          </a:prstGeom>
+          <a:ln w="12700" cmpd="sng">
+            <a:solidFill>
+              <a:schemeClr val="tx1"/>
+            </a:solidFill>
+            <a:headEnd type="none"/>
+            <a:tailEnd type="triangle"/>
+          </a:ln>
+          <a:effectLst/>
+        </p:spPr>
+        <p:style>
+          <a:lnRef idx="2">
+            <a:schemeClr val="accent1"/>
+          </a:lnRef>
+          <a:fillRef idx="0">
+            <a:schemeClr val="accent1"/>
+          </a:fillRef>
+          <a:effectRef idx="1">
+            <a:schemeClr val="accent1"/>
+          </a:effectRef>
+          <a:fontRef idx="minor">
+            <a:schemeClr val="tx1"/>
+          </a:fontRef>
+        </p:style>
+      </p:cxnSp>
+      <p:cxnSp>
+        <p:nvCxnSpPr>
+          <p:cNvPr id="5" name="Elbow Connector 99"/>
+          <p:cNvCxnSpPr>
+            <a:stCxn id="82" idx="0"/>
+            <a:endCxn id="18" idx="2"/>
+          </p:cNvCxnSpPr>
+          <p:nvPr/>
+        </p:nvCxnSpPr>
+        <p:spPr>
+          <a:xfrm rot="5400000" flipH="1" flipV="1">
+            <a:off x="6799622" y="5784265"/>
+            <a:ext cx="1170466" cy="455233"/>
+          </a:xfrm>
+          <a:prstGeom prst="bentConnector3">
+            <a:avLst>
+              <a:gd name="adj1" fmla="val 80304"/>
+            </a:avLst>
+          </a:prstGeom>
+          <a:ln w="12700" cmpd="sng">
+            <a:solidFill>
+              <a:schemeClr val="tx1"/>
+            </a:solidFill>
+            <a:headEnd type="none"/>
+            <a:tailEnd type="triangle"/>
+          </a:ln>
+          <a:effectLst/>
+        </p:spPr>
+        <p:style>
+          <a:lnRef idx="2">
+            <a:schemeClr val="accent1"/>
+          </a:lnRef>
+          <a:fillRef idx="0">
+            <a:schemeClr val="accent1"/>
+          </a:fillRef>
+          <a:effectRef idx="1">
+            <a:schemeClr val="accent1"/>
+          </a:effectRef>
+          <a:fontRef idx="minor">
+            <a:schemeClr val="tx1"/>
+          </a:fontRef>
+        </p:style>
+      </p:cxnSp>
+      <p:cxnSp>
+        <p:nvCxnSpPr>
+          <p:cNvPr id="6" name="Elbow Connector 78"/>
+          <p:cNvCxnSpPr>
+            <a:stCxn id="38" idx="1"/>
+            <a:endCxn id="14" idx="2"/>
+          </p:cNvCxnSpPr>
+          <p:nvPr/>
+        </p:nvCxnSpPr>
+        <p:spPr>
+          <a:xfrm rot="10800000">
+            <a:off x="7169839" y="1986600"/>
+            <a:ext cx="809358" cy="259293"/>
+          </a:xfrm>
+          <a:prstGeom prst="bentConnector2">
+            <a:avLst/>
+          </a:prstGeom>
+          <a:ln w="12700" cmpd="sng">
+            <a:solidFill>
+              <a:schemeClr val="tx1"/>
+            </a:solidFill>
+            <a:headEnd type="none"/>
+            <a:tailEnd type="triangle"/>
+          </a:ln>
+          <a:effectLst/>
+        </p:spPr>
+        <p:style>
+          <a:lnRef idx="2">
+            <a:schemeClr val="accent1"/>
+          </a:lnRef>
+          <a:fillRef idx="0">
+            <a:schemeClr val="accent1"/>
+          </a:fillRef>
+          <a:effectRef idx="1">
+            <a:schemeClr val="accent1"/>
+          </a:effectRef>
+          <a:fontRef idx="minor">
+            <a:schemeClr val="tx1"/>
+          </a:fontRef>
+        </p:style>
+      </p:cxnSp>
+      <p:sp>
+        <p:nvSpPr>
+          <p:cNvPr id="7" name="Rectángulo 6"/>
+          <p:cNvSpPr/>
+          <p:nvPr/>
+        </p:nvSpPr>
+        <p:spPr>
+          <a:xfrm>
+            <a:off x="634368" y="1865948"/>
+            <a:ext cx="823295" cy="308735"/>
+          </a:xfrm>
+          <a:prstGeom prst="rect">
+            <a:avLst/>
+          </a:prstGeom>
+          <a:solidFill>
+            <a:schemeClr val="accent2">
+              <a:lumMod val="20000"/>
+              <a:lumOff val="80000"/>
+            </a:schemeClr>
+          </a:solidFill>
+          <a:ln>
+            <a:solidFill>
+              <a:schemeClr val="tx1"/>
+            </a:solidFill>
+          </a:ln>
+          <a:effectLst/>
+        </p:spPr>
+        <p:style>
+          <a:lnRef idx="1">
+            <a:schemeClr val="accent1"/>
+          </a:lnRef>
+          <a:fillRef idx="3">
+            <a:schemeClr val="accent1"/>
+          </a:fillRef>
+          <a:effectRef idx="2">
+            <a:schemeClr val="accent1"/>
+          </a:effectRef>
+          <a:fontRef idx="minor">
+            <a:schemeClr val="lt1"/>
+          </a:fontRef>
+        </p:style>
+        <p:txBody>
+          <a:bodyPr rtlCol="0" anchor="ctr"/>
+          <a:lstStyle/>
+          <a:p>
+            <a:pPr algn="ctr"/>
+            <a:r>
+              <a:rPr lang="en-GB" sz="1000" b="1" dirty="0" smtClean="0">
+                <a:solidFill>
+                  <a:schemeClr val="tx1"/>
+                </a:solidFill>
+              </a:rPr>
+              <a:t>Montage WF</a:t>
+            </a:r>
+            <a:endParaRPr lang="en-GB" sz="1000" b="1" dirty="0">
+              <a:solidFill>
+                <a:schemeClr val="tx1"/>
+              </a:solidFill>
+            </a:endParaRPr>
+          </a:p>
+        </p:txBody>
+      </p:sp>
+      <p:sp>
+        <p:nvSpPr>
+          <p:cNvPr id="8" name="Rectángulo 7"/>
+          <p:cNvSpPr/>
+          <p:nvPr/>
+        </p:nvSpPr>
+        <p:spPr>
+          <a:xfrm>
+            <a:off x="634368" y="2572389"/>
+            <a:ext cx="823295" cy="308735"/>
+          </a:xfrm>
+          <a:prstGeom prst="rect">
+            <a:avLst/>
+          </a:prstGeom>
+          <a:solidFill>
+            <a:schemeClr val="accent2">
+              <a:lumMod val="20000"/>
+              <a:lumOff val="80000"/>
+            </a:schemeClr>
+          </a:solidFill>
+          <a:ln>
+            <a:solidFill>
+              <a:schemeClr val="tx1"/>
+            </a:solidFill>
+          </a:ln>
+          <a:effectLst/>
+        </p:spPr>
+        <p:style>
+          <a:lnRef idx="1">
+            <a:schemeClr val="accent1"/>
+          </a:lnRef>
+          <a:fillRef idx="3">
+            <a:schemeClr val="accent1"/>
+          </a:fillRef>
+          <a:effectRef idx="2">
+            <a:schemeClr val="accent1"/>
+          </a:effectRef>
+          <a:fontRef idx="minor">
+            <a:schemeClr val="lt1"/>
+          </a:fontRef>
+        </p:style>
+        <p:txBody>
+          <a:bodyPr rtlCol="0" anchor="ctr"/>
+          <a:lstStyle/>
+          <a:p>
+            <a:pPr algn="ctr"/>
+            <a:r>
+              <a:rPr lang="en-GB" sz="1000" dirty="0" err="1" smtClean="0">
+                <a:solidFill>
+                  <a:schemeClr val="tx1"/>
+                </a:solidFill>
+              </a:rPr>
+              <a:t>mProject</a:t>
+            </a:r>
+            <a:r>
+              <a:rPr lang="en-GB" sz="1000" dirty="0" smtClean="0">
+                <a:solidFill>
+                  <a:schemeClr val="tx1"/>
+                </a:solidFill>
+              </a:rPr>
+              <a:t> WF</a:t>
+            </a:r>
+            <a:endParaRPr lang="en-GB" sz="1000" dirty="0">
+              <a:solidFill>
+                <a:schemeClr val="tx1"/>
+              </a:solidFill>
+            </a:endParaRPr>
+          </a:p>
+        </p:txBody>
+      </p:sp>
+      <p:sp>
+        <p:nvSpPr>
+          <p:cNvPr id="9" name="CuadroTexto 8"/>
+          <p:cNvSpPr txBox="1"/>
+          <p:nvPr/>
+        </p:nvSpPr>
+        <p:spPr>
+          <a:xfrm>
+            <a:off x="3194863" y="1158143"/>
+            <a:ext cx="365908" cy="246221"/>
+          </a:xfrm>
+          <a:prstGeom prst="rect">
+            <a:avLst/>
+          </a:prstGeom>
+          <a:noFill/>
+        </p:spPr>
+        <p:txBody>
+          <a:bodyPr wrap="square" rtlCol="0">
+            <a:spAutoFit/>
+          </a:bodyPr>
+          <a:lstStyle/>
+          <a:p>
+            <a:r>
+              <a:rPr lang="en-GB" sz="1000" dirty="0" smtClean="0"/>
+              <a:t>…</a:t>
+            </a:r>
+            <a:endParaRPr lang="en-GB" sz="1000" dirty="0"/>
+          </a:p>
+        </p:txBody>
+      </p:sp>
+      <p:sp>
+        <p:nvSpPr>
+          <p:cNvPr id="10" name="Rectángulo 9"/>
+          <p:cNvSpPr/>
+          <p:nvPr/>
+        </p:nvSpPr>
+        <p:spPr>
+          <a:xfrm>
+            <a:off x="6712453" y="455107"/>
+            <a:ext cx="914771" cy="308735"/>
+          </a:xfrm>
+          <a:prstGeom prst="rect">
+            <a:avLst/>
+          </a:prstGeom>
+          <a:solidFill>
+            <a:srgbClr val="FDEADA"/>
+          </a:solidFill>
+          <a:ln>
+            <a:solidFill>
+              <a:schemeClr val="tx1"/>
+            </a:solidFill>
+          </a:ln>
+          <a:effectLst/>
+        </p:spPr>
+        <p:style>
+          <a:lnRef idx="1">
+            <a:schemeClr val="accent1"/>
+          </a:lnRef>
+          <a:fillRef idx="3">
+            <a:schemeClr val="accent1"/>
+          </a:fillRef>
+          <a:effectRef idx="2">
+            <a:schemeClr val="accent1"/>
+          </a:effectRef>
+          <a:fontRef idx="minor">
+            <a:schemeClr val="lt1"/>
+          </a:fontRef>
+        </p:style>
+        <p:txBody>
+          <a:bodyPr rtlCol="0" anchor="ctr"/>
+          <a:lstStyle/>
+          <a:p>
+            <a:pPr algn="ctr"/>
+            <a:r>
+              <a:rPr lang="en-GB" sz="1000" dirty="0" smtClean="0">
+                <a:solidFill>
+                  <a:schemeClr val="tx1"/>
+                </a:solidFill>
+              </a:rPr>
+              <a:t>Pegasus WMS</a:t>
+            </a:r>
+            <a:endParaRPr lang="en-GB" sz="1000" dirty="0">
+              <a:solidFill>
+                <a:schemeClr val="tx1"/>
+              </a:solidFill>
+            </a:endParaRPr>
+          </a:p>
+        </p:txBody>
+      </p:sp>
+      <p:sp>
+        <p:nvSpPr>
+          <p:cNvPr id="11" name="Rectángulo 10"/>
+          <p:cNvSpPr/>
+          <p:nvPr/>
+        </p:nvSpPr>
+        <p:spPr>
+          <a:xfrm>
+            <a:off x="7862661" y="1066328"/>
+            <a:ext cx="914771" cy="308735"/>
+          </a:xfrm>
+          <a:prstGeom prst="rect">
+            <a:avLst/>
+          </a:prstGeom>
+          <a:solidFill>
+            <a:srgbClr val="FDEADA"/>
+          </a:solidFill>
+          <a:ln>
+            <a:solidFill>
+              <a:schemeClr val="tx1"/>
+            </a:solidFill>
+          </a:ln>
+          <a:effectLst/>
+        </p:spPr>
+        <p:style>
+          <a:lnRef idx="1">
+            <a:schemeClr val="accent1"/>
+          </a:lnRef>
+          <a:fillRef idx="3">
+            <a:schemeClr val="accent1"/>
+          </a:fillRef>
+          <a:effectRef idx="2">
+            <a:schemeClr val="accent1"/>
+          </a:effectRef>
+          <a:fontRef idx="minor">
+            <a:schemeClr val="lt1"/>
+          </a:fontRef>
+        </p:style>
+        <p:txBody>
+          <a:bodyPr rtlCol="0" anchor="ctr"/>
+          <a:lstStyle/>
+          <a:p>
+            <a:pPr algn="ctr"/>
+            <a:r>
+              <a:rPr lang="en-GB" sz="1000" dirty="0" err="1" smtClean="0">
+                <a:solidFill>
+                  <a:schemeClr val="tx1"/>
+                </a:solidFill>
+              </a:rPr>
+              <a:t>HTCondor</a:t>
+            </a:r>
+            <a:endParaRPr lang="en-GB" sz="1000" dirty="0" smtClean="0">
+              <a:solidFill>
+                <a:schemeClr val="tx1"/>
+              </a:solidFill>
+            </a:endParaRPr>
+          </a:p>
+        </p:txBody>
+      </p:sp>
+      <p:sp>
+        <p:nvSpPr>
+          <p:cNvPr id="12" name="Rectángulo 11"/>
+          <p:cNvSpPr/>
+          <p:nvPr/>
+        </p:nvSpPr>
+        <p:spPr>
+          <a:xfrm>
+            <a:off x="5681711" y="1066328"/>
+            <a:ext cx="914771" cy="308735"/>
+          </a:xfrm>
+          <a:prstGeom prst="rect">
+            <a:avLst/>
+          </a:prstGeom>
+          <a:solidFill>
+            <a:srgbClr val="FDEADA"/>
+          </a:solidFill>
+          <a:ln>
+            <a:solidFill>
+              <a:schemeClr val="tx1"/>
+            </a:solidFill>
+          </a:ln>
+          <a:effectLst/>
+        </p:spPr>
+        <p:style>
+          <a:lnRef idx="1">
+            <a:schemeClr val="accent1"/>
+          </a:lnRef>
+          <a:fillRef idx="3">
+            <a:schemeClr val="accent1"/>
+          </a:fillRef>
+          <a:effectRef idx="2">
+            <a:schemeClr val="accent1"/>
+          </a:effectRef>
+          <a:fontRef idx="minor">
+            <a:schemeClr val="lt1"/>
+          </a:fontRef>
+        </p:style>
+        <p:txBody>
+          <a:bodyPr rtlCol="0" anchor="ctr"/>
+          <a:lstStyle/>
+          <a:p>
+            <a:pPr algn="ctr"/>
+            <a:r>
+              <a:rPr lang="en-GB" sz="1000" dirty="0" smtClean="0">
+                <a:solidFill>
+                  <a:schemeClr val="tx1"/>
+                </a:solidFill>
+              </a:rPr>
+              <a:t>Java</a:t>
+            </a:r>
+          </a:p>
+        </p:txBody>
+      </p:sp>
+      <p:sp>
+        <p:nvSpPr>
+          <p:cNvPr id="13" name="Rectángulo 12"/>
+          <p:cNvSpPr/>
+          <p:nvPr/>
+        </p:nvSpPr>
+        <p:spPr>
+          <a:xfrm>
+            <a:off x="6712453" y="1066328"/>
+            <a:ext cx="914771" cy="308735"/>
+          </a:xfrm>
+          <a:prstGeom prst="rect">
+            <a:avLst/>
+          </a:prstGeom>
+          <a:solidFill>
+            <a:srgbClr val="FDEADA"/>
+          </a:solidFill>
+          <a:ln>
+            <a:solidFill>
+              <a:schemeClr val="tx1"/>
+            </a:solidFill>
+          </a:ln>
+          <a:effectLst/>
+        </p:spPr>
+        <p:style>
+          <a:lnRef idx="1">
+            <a:schemeClr val="accent1"/>
+          </a:lnRef>
+          <a:fillRef idx="3">
+            <a:schemeClr val="accent1"/>
+          </a:fillRef>
+          <a:effectRef idx="2">
+            <a:schemeClr val="accent1"/>
+          </a:effectRef>
+          <a:fontRef idx="minor">
+            <a:schemeClr val="lt1"/>
+          </a:fontRef>
+        </p:style>
+        <p:txBody>
+          <a:bodyPr rtlCol="0" anchor="ctr"/>
+          <a:lstStyle/>
+          <a:p>
+            <a:pPr algn="ctr"/>
+            <a:r>
+              <a:rPr lang="en-GB" sz="1000" dirty="0" err="1" smtClean="0">
+                <a:solidFill>
+                  <a:schemeClr val="tx1"/>
+                </a:solidFill>
+              </a:rPr>
+              <a:t>Wget</a:t>
+            </a:r>
+            <a:endParaRPr lang="en-GB" sz="1000" dirty="0" smtClean="0">
+              <a:solidFill>
+                <a:schemeClr val="tx1"/>
+              </a:solidFill>
+            </a:endParaRPr>
+          </a:p>
+        </p:txBody>
+      </p:sp>
+      <p:sp>
+        <p:nvSpPr>
+          <p:cNvPr id="14" name="Rectángulo 13"/>
+          <p:cNvSpPr/>
+          <p:nvPr/>
+        </p:nvSpPr>
+        <p:spPr>
+          <a:xfrm>
+            <a:off x="6712453" y="1677864"/>
+            <a:ext cx="914771" cy="308735"/>
+          </a:xfrm>
+          <a:prstGeom prst="rect">
+            <a:avLst/>
+          </a:prstGeom>
+          <a:solidFill>
+            <a:schemeClr val="bg1"/>
+          </a:solidFill>
+          <a:ln>
+            <a:solidFill>
+              <a:schemeClr val="tx1"/>
+            </a:solidFill>
+          </a:ln>
+          <a:effectLst/>
+        </p:spPr>
+        <p:style>
+          <a:lnRef idx="1">
+            <a:schemeClr val="accent1"/>
+          </a:lnRef>
+          <a:fillRef idx="3">
+            <a:schemeClr val="accent1"/>
+          </a:fillRef>
+          <a:effectRef idx="2">
+            <a:schemeClr val="accent1"/>
+          </a:effectRef>
+          <a:fontRef idx="minor">
+            <a:schemeClr val="lt1"/>
+          </a:fontRef>
+        </p:style>
+        <p:txBody>
+          <a:bodyPr rtlCol="0" anchor="ctr"/>
+          <a:lstStyle/>
+          <a:p>
+            <a:pPr algn="ctr"/>
+            <a:r>
+              <a:rPr lang="en-GB" sz="1000" dirty="0" err="1" smtClean="0">
+                <a:solidFill>
+                  <a:schemeClr val="tx1"/>
+                </a:solidFill>
+              </a:rPr>
+              <a:t>CentOS</a:t>
+            </a:r>
+            <a:r>
+              <a:rPr lang="en-GB" sz="1000" dirty="0" smtClean="0">
+                <a:solidFill>
+                  <a:schemeClr val="tx1"/>
+                </a:solidFill>
+              </a:rPr>
+              <a:t> 6</a:t>
+            </a:r>
+          </a:p>
+        </p:txBody>
+      </p:sp>
+      <p:sp>
+        <p:nvSpPr>
+          <p:cNvPr id="15" name="Rectángulo 14"/>
+          <p:cNvSpPr/>
+          <p:nvPr/>
+        </p:nvSpPr>
+        <p:spPr>
+          <a:xfrm>
+            <a:off x="7971343" y="1684911"/>
+            <a:ext cx="914771" cy="308735"/>
+          </a:xfrm>
+          <a:prstGeom prst="rect">
+            <a:avLst/>
+          </a:prstGeom>
+          <a:solidFill>
+            <a:schemeClr val="accent2">
+              <a:lumMod val="20000"/>
+              <a:lumOff val="80000"/>
+            </a:schemeClr>
+          </a:solidFill>
+          <a:ln>
+            <a:solidFill>
+              <a:schemeClr val="tx1"/>
+            </a:solidFill>
+          </a:ln>
+          <a:effectLst/>
+        </p:spPr>
+        <p:style>
+          <a:lnRef idx="1">
+            <a:schemeClr val="accent1"/>
+          </a:lnRef>
+          <a:fillRef idx="3">
+            <a:schemeClr val="accent1"/>
+          </a:fillRef>
+          <a:effectRef idx="2">
+            <a:schemeClr val="accent1"/>
+          </a:effectRef>
+          <a:fontRef idx="minor">
+            <a:schemeClr val="lt1"/>
+          </a:fontRef>
+        </p:style>
+        <p:txBody>
+          <a:bodyPr rtlCol="0" anchor="ctr"/>
+          <a:lstStyle/>
+          <a:p>
+            <a:pPr algn="ctr"/>
+            <a:r>
+              <a:rPr lang="en-GB" sz="1000" dirty="0" err="1" smtClean="0">
+                <a:solidFill>
+                  <a:schemeClr val="tx1"/>
+                </a:solidFill>
+              </a:rPr>
+              <a:t>mDiffFit</a:t>
+            </a:r>
+            <a:endParaRPr lang="en-GB" sz="1000" dirty="0" smtClean="0">
+              <a:solidFill>
+                <a:schemeClr val="tx1"/>
+              </a:solidFill>
+            </a:endParaRPr>
+          </a:p>
+        </p:txBody>
+      </p:sp>
+      <p:sp>
+        <p:nvSpPr>
+          <p:cNvPr id="17" name="Rectángulo 16"/>
+          <p:cNvSpPr/>
+          <p:nvPr/>
+        </p:nvSpPr>
+        <p:spPr>
+          <a:xfrm>
+            <a:off x="7979197" y="2497454"/>
+            <a:ext cx="914771" cy="308735"/>
+          </a:xfrm>
+          <a:prstGeom prst="rect">
+            <a:avLst/>
+          </a:prstGeom>
+          <a:solidFill>
+            <a:schemeClr val="accent2">
+              <a:lumMod val="20000"/>
+              <a:lumOff val="80000"/>
+            </a:schemeClr>
+          </a:solidFill>
+          <a:ln>
+            <a:solidFill>
+              <a:schemeClr val="tx1"/>
+            </a:solidFill>
+          </a:ln>
+          <a:effectLst/>
+        </p:spPr>
+        <p:style>
+          <a:lnRef idx="1">
+            <a:schemeClr val="accent1"/>
+          </a:lnRef>
+          <a:fillRef idx="3">
+            <a:schemeClr val="accent1"/>
+          </a:fillRef>
+          <a:effectRef idx="2">
+            <a:schemeClr val="accent1"/>
+          </a:effectRef>
+          <a:fontRef idx="minor">
+            <a:schemeClr val="lt1"/>
+          </a:fontRef>
+        </p:style>
+        <p:txBody>
+          <a:bodyPr rtlCol="0" anchor="ctr"/>
+          <a:lstStyle/>
+          <a:p>
+            <a:pPr algn="ctr"/>
+            <a:r>
+              <a:rPr lang="en-GB" sz="1000" dirty="0" err="1" smtClean="0">
+                <a:solidFill>
+                  <a:schemeClr val="tx1"/>
+                </a:solidFill>
+              </a:rPr>
+              <a:t>mFitPlane</a:t>
+            </a:r>
+            <a:endParaRPr lang="en-GB" sz="1000" dirty="0" smtClean="0">
+              <a:solidFill>
+                <a:schemeClr val="tx1"/>
+              </a:solidFill>
+            </a:endParaRPr>
+          </a:p>
+        </p:txBody>
+      </p:sp>
+      <p:sp>
+        <p:nvSpPr>
+          <p:cNvPr id="18" name="Rectángulo 17"/>
+          <p:cNvSpPr/>
+          <p:nvPr/>
+        </p:nvSpPr>
+        <p:spPr>
+          <a:xfrm>
+            <a:off x="7155086" y="5117913"/>
+            <a:ext cx="914771" cy="308735"/>
+          </a:xfrm>
+          <a:prstGeom prst="rect">
+            <a:avLst/>
+          </a:prstGeom>
+          <a:noFill/>
+          <a:ln>
+            <a:solidFill>
+              <a:schemeClr val="tx1"/>
+            </a:solidFill>
+          </a:ln>
+          <a:effectLst/>
+        </p:spPr>
+        <p:style>
+          <a:lnRef idx="1">
+            <a:schemeClr val="accent1"/>
+          </a:lnRef>
+          <a:fillRef idx="3">
+            <a:schemeClr val="accent1"/>
+          </a:fillRef>
+          <a:effectRef idx="2">
+            <a:schemeClr val="accent1"/>
+          </a:effectRef>
+          <a:fontRef idx="minor">
+            <a:schemeClr val="lt1"/>
+          </a:fontRef>
+        </p:style>
+        <p:txBody>
+          <a:bodyPr rtlCol="0" anchor="ctr"/>
+          <a:lstStyle/>
+          <a:p>
+            <a:pPr algn="ctr"/>
+            <a:r>
+              <a:rPr lang="en-GB" sz="1000" dirty="0" err="1" smtClean="0">
+                <a:solidFill>
+                  <a:schemeClr val="tx1"/>
+                </a:solidFill>
+              </a:rPr>
+              <a:t>CentOS</a:t>
+            </a:r>
+            <a:r>
+              <a:rPr lang="en-GB" sz="1000" dirty="0" smtClean="0">
+                <a:solidFill>
+                  <a:schemeClr val="tx1"/>
+                </a:solidFill>
+              </a:rPr>
+              <a:t> 6 SVA</a:t>
+            </a:r>
+          </a:p>
+        </p:txBody>
+      </p:sp>
+      <p:sp>
+        <p:nvSpPr>
+          <p:cNvPr id="19" name="Rectángulo 18"/>
+          <p:cNvSpPr/>
+          <p:nvPr/>
+        </p:nvSpPr>
+        <p:spPr>
+          <a:xfrm>
+            <a:off x="6672082" y="5877034"/>
+            <a:ext cx="970312" cy="308735"/>
+          </a:xfrm>
+          <a:prstGeom prst="rect">
+            <a:avLst/>
+          </a:prstGeom>
+          <a:solidFill>
+            <a:schemeClr val="bg1"/>
+          </a:solidFill>
+          <a:ln>
+            <a:solidFill>
+              <a:schemeClr val="tx1"/>
+            </a:solidFill>
+          </a:ln>
+          <a:effectLst/>
+        </p:spPr>
+        <p:style>
+          <a:lnRef idx="1">
+            <a:schemeClr val="accent1"/>
+          </a:lnRef>
+          <a:fillRef idx="3">
+            <a:schemeClr val="accent1"/>
+          </a:fillRef>
+          <a:effectRef idx="2">
+            <a:schemeClr val="accent1"/>
+          </a:effectRef>
+          <a:fontRef idx="minor">
+            <a:schemeClr val="lt1"/>
+          </a:fontRef>
+        </p:style>
+        <p:txBody>
+          <a:bodyPr rtlCol="0" anchor="ctr"/>
+          <a:lstStyle/>
+          <a:p>
+            <a:pPr algn="ctr"/>
+            <a:r>
+              <a:rPr lang="en-GB" sz="1000" dirty="0" smtClean="0">
+                <a:solidFill>
+                  <a:schemeClr val="tx1"/>
+                </a:solidFill>
+              </a:rPr>
+              <a:t>AWS </a:t>
+            </a:r>
+            <a:r>
+              <a:rPr lang="en-GB" sz="1000" dirty="0" err="1" smtClean="0">
+                <a:solidFill>
+                  <a:schemeClr val="tx1"/>
+                </a:solidFill>
+              </a:rPr>
+              <a:t>CentOS</a:t>
+            </a:r>
+            <a:r>
+              <a:rPr lang="en-GB" sz="1000" dirty="0" smtClean="0">
+                <a:solidFill>
+                  <a:schemeClr val="tx1"/>
+                </a:solidFill>
+              </a:rPr>
+              <a:t> 6</a:t>
+            </a:r>
+          </a:p>
+        </p:txBody>
+      </p:sp>
+      <p:sp>
+        <p:nvSpPr>
+          <p:cNvPr id="20" name="Rectángulo 19"/>
+          <p:cNvSpPr/>
+          <p:nvPr/>
+        </p:nvSpPr>
+        <p:spPr>
+          <a:xfrm>
+            <a:off x="7701200" y="5877034"/>
+            <a:ext cx="1040316" cy="308735"/>
+          </a:xfrm>
+          <a:prstGeom prst="rect">
+            <a:avLst/>
+          </a:prstGeom>
+          <a:solidFill>
+            <a:srgbClr val="FFFFFF"/>
+          </a:solidFill>
+          <a:ln>
+            <a:solidFill>
+              <a:schemeClr val="tx1"/>
+            </a:solidFill>
+          </a:ln>
+          <a:effectLst/>
+        </p:spPr>
+        <p:style>
+          <a:lnRef idx="1">
+            <a:schemeClr val="accent1"/>
+          </a:lnRef>
+          <a:fillRef idx="3">
+            <a:schemeClr val="accent1"/>
+          </a:fillRef>
+          <a:effectRef idx="2">
+            <a:schemeClr val="accent1"/>
+          </a:effectRef>
+          <a:fontRef idx="minor">
+            <a:schemeClr val="lt1"/>
+          </a:fontRef>
+        </p:style>
+        <p:txBody>
+          <a:bodyPr rtlCol="0" anchor="ctr"/>
+          <a:lstStyle/>
+          <a:p>
+            <a:pPr algn="ctr"/>
+            <a:r>
+              <a:rPr lang="en-GB" sz="1000" dirty="0" smtClean="0">
+                <a:solidFill>
+                  <a:schemeClr val="tx1"/>
+                </a:solidFill>
+              </a:rPr>
+              <a:t>FG </a:t>
+            </a:r>
+            <a:r>
+              <a:rPr lang="en-GB" sz="1000" dirty="0" err="1" smtClean="0">
+                <a:solidFill>
+                  <a:schemeClr val="tx1"/>
+                </a:solidFill>
+              </a:rPr>
+              <a:t>CentOS</a:t>
+            </a:r>
+            <a:r>
+              <a:rPr lang="en-GB" sz="1000" dirty="0" smtClean="0">
+                <a:solidFill>
+                  <a:schemeClr val="tx1"/>
+                </a:solidFill>
+              </a:rPr>
+              <a:t> 6</a:t>
+            </a:r>
+          </a:p>
+        </p:txBody>
+      </p:sp>
+      <p:sp>
+        <p:nvSpPr>
+          <p:cNvPr id="21" name="Rectángulo 20"/>
+          <p:cNvSpPr/>
+          <p:nvPr/>
+        </p:nvSpPr>
+        <p:spPr>
+          <a:xfrm>
+            <a:off x="1401365" y="5431515"/>
+            <a:ext cx="914771" cy="463103"/>
+          </a:xfrm>
+          <a:prstGeom prst="rect">
+            <a:avLst/>
+          </a:prstGeom>
+          <a:noFill/>
+          <a:ln>
+            <a:solidFill>
+              <a:schemeClr val="tx1"/>
+            </a:solidFill>
+          </a:ln>
+          <a:effectLst/>
+        </p:spPr>
+        <p:style>
+          <a:lnRef idx="1">
+            <a:schemeClr val="accent1"/>
+          </a:lnRef>
+          <a:fillRef idx="3">
+            <a:schemeClr val="accent1"/>
+          </a:fillRef>
+          <a:effectRef idx="2">
+            <a:schemeClr val="accent1"/>
+          </a:effectRef>
+          <a:fontRef idx="minor">
+            <a:schemeClr val="lt1"/>
+          </a:fontRef>
+        </p:style>
+        <p:txBody>
+          <a:bodyPr rtlCol="0" anchor="ctr"/>
+          <a:lstStyle/>
+          <a:p>
+            <a:pPr algn="ctr"/>
+            <a:r>
+              <a:rPr lang="en-GB" sz="1000" dirty="0" smtClean="0">
+                <a:solidFill>
+                  <a:schemeClr val="tx1"/>
+                </a:solidFill>
+              </a:rPr>
+              <a:t>AWS </a:t>
+            </a:r>
+            <a:r>
+              <a:rPr lang="en-GB" sz="1000" dirty="0" smtClean="0">
+                <a:solidFill>
+                  <a:schemeClr val="tx1"/>
+                </a:solidFill>
+              </a:rPr>
+              <a:t>CentOS</a:t>
+            </a:r>
+            <a:r>
+              <a:rPr lang="en-GB" sz="1000" dirty="0" smtClean="0">
+                <a:solidFill>
+                  <a:schemeClr val="tx1"/>
+                </a:solidFill>
+              </a:rPr>
+              <a:t>6</a:t>
+            </a:r>
+          </a:p>
+          <a:p>
+            <a:pPr algn="ctr"/>
+            <a:r>
+              <a:rPr lang="en-GB" sz="1000" dirty="0" smtClean="0">
+                <a:solidFill>
+                  <a:schemeClr val="tx1"/>
+                </a:solidFill>
+              </a:rPr>
+              <a:t>HW</a:t>
+            </a:r>
+            <a:endParaRPr lang="en-GB" sz="1000" dirty="0" smtClean="0">
+              <a:solidFill>
+                <a:schemeClr val="tx1"/>
+              </a:solidFill>
+            </a:endParaRPr>
+          </a:p>
+        </p:txBody>
+      </p:sp>
+      <p:sp>
+        <p:nvSpPr>
+          <p:cNvPr id="22" name="Rectángulo 21"/>
+          <p:cNvSpPr/>
+          <p:nvPr/>
+        </p:nvSpPr>
+        <p:spPr>
+          <a:xfrm>
+            <a:off x="1401365" y="6213066"/>
+            <a:ext cx="914771" cy="463103"/>
+          </a:xfrm>
+          <a:prstGeom prst="rect">
+            <a:avLst/>
+          </a:prstGeom>
+          <a:noFill/>
+          <a:ln>
+            <a:solidFill>
+              <a:schemeClr val="tx1"/>
+            </a:solidFill>
+          </a:ln>
+          <a:effectLst/>
+        </p:spPr>
+        <p:style>
+          <a:lnRef idx="1">
+            <a:schemeClr val="accent1"/>
+          </a:lnRef>
+          <a:fillRef idx="3">
+            <a:schemeClr val="accent1"/>
+          </a:fillRef>
+          <a:effectRef idx="2">
+            <a:schemeClr val="accent1"/>
+          </a:effectRef>
+          <a:fontRef idx="minor">
+            <a:schemeClr val="lt1"/>
+          </a:fontRef>
+        </p:style>
+        <p:txBody>
+          <a:bodyPr rtlCol="0" anchor="ctr"/>
+          <a:lstStyle/>
+          <a:p>
+            <a:pPr algn="ctr"/>
+            <a:r>
+              <a:rPr lang="en-GB" sz="1000" dirty="0" smtClean="0">
+                <a:solidFill>
+                  <a:schemeClr val="tx1"/>
+                </a:solidFill>
+              </a:rPr>
+              <a:t>FG </a:t>
+            </a:r>
+            <a:r>
+              <a:rPr lang="en-GB" sz="1000" dirty="0" smtClean="0">
+                <a:solidFill>
+                  <a:schemeClr val="tx1"/>
+                </a:solidFill>
+              </a:rPr>
+              <a:t>CentOS6</a:t>
+            </a:r>
+          </a:p>
+          <a:p>
+            <a:pPr algn="ctr"/>
+            <a:r>
+              <a:rPr lang="en-GB" sz="1000" dirty="0" smtClean="0">
+                <a:solidFill>
+                  <a:schemeClr val="tx1"/>
+                </a:solidFill>
+              </a:rPr>
+              <a:t>HW</a:t>
+            </a:r>
+            <a:endParaRPr lang="en-GB" sz="1000" dirty="0" smtClean="0">
+              <a:solidFill>
+                <a:schemeClr val="tx1"/>
+              </a:solidFill>
+            </a:endParaRPr>
+          </a:p>
+        </p:txBody>
+      </p:sp>
+      <p:sp>
+        <p:nvSpPr>
+          <p:cNvPr id="23" name="Rectángulo 22"/>
+          <p:cNvSpPr/>
+          <p:nvPr/>
+        </p:nvSpPr>
+        <p:spPr>
+          <a:xfrm>
+            <a:off x="467545" y="305354"/>
+            <a:ext cx="3856805" cy="2939054"/>
+          </a:xfrm>
+          <a:prstGeom prst="rect">
+            <a:avLst/>
+          </a:prstGeom>
+          <a:noFill/>
+          <a:ln w="12700" cmpd="sng">
+            <a:solidFill>
+              <a:schemeClr val="tx1"/>
+            </a:solidFill>
+            <a:prstDash val="dash"/>
+          </a:ln>
+          <a:effectLst/>
+        </p:spPr>
+        <p:style>
+          <a:lnRef idx="1">
+            <a:schemeClr val="accent1"/>
+          </a:lnRef>
+          <a:fillRef idx="3">
+            <a:schemeClr val="accent1"/>
+          </a:fillRef>
+          <a:effectRef idx="2">
+            <a:schemeClr val="accent1"/>
+          </a:effectRef>
+          <a:fontRef idx="minor">
+            <a:schemeClr val="lt1"/>
+          </a:fontRef>
+        </p:style>
+        <p:txBody>
+          <a:bodyPr rtlCol="0" anchor="ctr"/>
+          <a:lstStyle/>
+          <a:p>
+            <a:pPr algn="ctr"/>
+            <a:endParaRPr lang="en-GB" sz="1000" dirty="0" smtClean="0">
+              <a:solidFill>
+                <a:schemeClr val="tx1"/>
+              </a:solidFill>
+            </a:endParaRPr>
+          </a:p>
+        </p:txBody>
+      </p:sp>
+      <p:sp>
+        <p:nvSpPr>
+          <p:cNvPr id="24" name="Rectángulo 23"/>
+          <p:cNvSpPr/>
+          <p:nvPr/>
+        </p:nvSpPr>
+        <p:spPr>
+          <a:xfrm>
+            <a:off x="5349229" y="303603"/>
+            <a:ext cx="3947171" cy="4343476"/>
+          </a:xfrm>
+          <a:prstGeom prst="rect">
+            <a:avLst/>
+          </a:prstGeom>
+          <a:noFill/>
+          <a:ln w="12700" cmpd="sng">
+            <a:solidFill>
+              <a:schemeClr val="tx1"/>
+            </a:solidFill>
+            <a:prstDash val="dash"/>
+          </a:ln>
+          <a:effectLst/>
+        </p:spPr>
+        <p:style>
+          <a:lnRef idx="1">
+            <a:schemeClr val="accent1"/>
+          </a:lnRef>
+          <a:fillRef idx="3">
+            <a:schemeClr val="accent1"/>
+          </a:fillRef>
+          <a:effectRef idx="2">
+            <a:schemeClr val="accent1"/>
+          </a:effectRef>
+          <a:fontRef idx="minor">
+            <a:schemeClr val="lt1"/>
+          </a:fontRef>
+        </p:style>
+        <p:txBody>
+          <a:bodyPr rtlCol="0" anchor="ctr"/>
+          <a:lstStyle/>
+          <a:p>
+            <a:pPr algn="ctr"/>
+            <a:endParaRPr lang="en-GB" sz="1000" dirty="0" smtClean="0">
+              <a:solidFill>
+                <a:schemeClr val="tx1"/>
+              </a:solidFill>
+            </a:endParaRPr>
+          </a:p>
+        </p:txBody>
+      </p:sp>
+      <p:sp>
+        <p:nvSpPr>
+          <p:cNvPr id="25" name="Rectángulo 24"/>
+          <p:cNvSpPr/>
+          <p:nvPr/>
+        </p:nvSpPr>
+        <p:spPr>
+          <a:xfrm>
+            <a:off x="6557737" y="4940322"/>
+            <a:ext cx="2328377" cy="2098420"/>
+          </a:xfrm>
+          <a:prstGeom prst="rect">
+            <a:avLst/>
+          </a:prstGeom>
+          <a:noFill/>
+          <a:ln w="12700" cmpd="sng">
+            <a:solidFill>
+              <a:schemeClr val="tx1"/>
+            </a:solidFill>
+            <a:prstDash val="dash"/>
+          </a:ln>
+          <a:effectLst/>
+        </p:spPr>
+        <p:style>
+          <a:lnRef idx="1">
+            <a:schemeClr val="accent1"/>
+          </a:lnRef>
+          <a:fillRef idx="3">
+            <a:schemeClr val="accent1"/>
+          </a:fillRef>
+          <a:effectRef idx="2">
+            <a:schemeClr val="accent1"/>
+          </a:effectRef>
+          <a:fontRef idx="minor">
+            <a:schemeClr val="lt1"/>
+          </a:fontRef>
+        </p:style>
+        <p:txBody>
+          <a:bodyPr rtlCol="0" anchor="ctr"/>
+          <a:lstStyle/>
+          <a:p>
+            <a:pPr algn="ctr"/>
+            <a:endParaRPr lang="en-GB" sz="1000" dirty="0" smtClean="0">
+              <a:solidFill>
+                <a:schemeClr val="tx1"/>
+              </a:solidFill>
+            </a:endParaRPr>
+          </a:p>
+        </p:txBody>
+      </p:sp>
+      <p:sp>
+        <p:nvSpPr>
+          <p:cNvPr id="26" name="Rectángulo 25"/>
+          <p:cNvSpPr/>
+          <p:nvPr/>
+        </p:nvSpPr>
+        <p:spPr>
+          <a:xfrm>
+            <a:off x="486594" y="5228550"/>
+            <a:ext cx="3837756" cy="1810192"/>
+          </a:xfrm>
+          <a:prstGeom prst="rect">
+            <a:avLst/>
+          </a:prstGeom>
+          <a:noFill/>
+          <a:ln w="12700" cmpd="sng">
+            <a:solidFill>
+              <a:schemeClr val="tx1"/>
+            </a:solidFill>
+            <a:prstDash val="dash"/>
+          </a:ln>
+          <a:effectLst/>
+        </p:spPr>
+        <p:style>
+          <a:lnRef idx="1">
+            <a:schemeClr val="accent1"/>
+          </a:lnRef>
+          <a:fillRef idx="3">
+            <a:schemeClr val="accent1"/>
+          </a:fillRef>
+          <a:effectRef idx="2">
+            <a:schemeClr val="accent1"/>
+          </a:effectRef>
+          <a:fontRef idx="minor">
+            <a:schemeClr val="lt1"/>
+          </a:fontRef>
+        </p:style>
+        <p:txBody>
+          <a:bodyPr rtlCol="0" anchor="ctr"/>
+          <a:lstStyle/>
+          <a:p>
+            <a:pPr algn="ctr"/>
+            <a:endParaRPr lang="en-GB" sz="1000" dirty="0" smtClean="0">
+              <a:solidFill>
+                <a:schemeClr val="tx1"/>
+              </a:solidFill>
+            </a:endParaRPr>
+          </a:p>
+        </p:txBody>
+      </p:sp>
+      <p:sp>
+        <p:nvSpPr>
+          <p:cNvPr id="27" name="Rectángulo 26"/>
+          <p:cNvSpPr/>
+          <p:nvPr/>
+        </p:nvSpPr>
+        <p:spPr>
+          <a:xfrm>
+            <a:off x="667007" y="5354530"/>
+            <a:ext cx="457385" cy="154368"/>
+          </a:xfrm>
+          <a:prstGeom prst="rect">
+            <a:avLst/>
+          </a:prstGeom>
+          <a:noFill/>
+          <a:ln>
+            <a:solidFill>
+              <a:schemeClr val="tx1"/>
+            </a:solidFill>
+          </a:ln>
+          <a:effectLst/>
+        </p:spPr>
+        <p:style>
+          <a:lnRef idx="1">
+            <a:schemeClr val="accent1"/>
+          </a:lnRef>
+          <a:fillRef idx="3">
+            <a:schemeClr val="accent1"/>
+          </a:fillRef>
+          <a:effectRef idx="2">
+            <a:schemeClr val="accent1"/>
+          </a:effectRef>
+          <a:fontRef idx="minor">
+            <a:schemeClr val="lt1"/>
+          </a:fontRef>
+        </p:style>
+        <p:txBody>
+          <a:bodyPr rtlCol="0" anchor="ctr"/>
+          <a:lstStyle/>
+          <a:p>
+            <a:pPr algn="ctr"/>
+            <a:r>
+              <a:rPr lang="en-GB" sz="1000" dirty="0" smtClean="0">
+                <a:solidFill>
+                  <a:schemeClr val="tx1"/>
+                </a:solidFill>
+              </a:rPr>
+              <a:t>CPU</a:t>
+            </a:r>
+          </a:p>
+        </p:txBody>
+      </p:sp>
+      <p:sp>
+        <p:nvSpPr>
+          <p:cNvPr id="28" name="Rectángulo 27"/>
+          <p:cNvSpPr/>
+          <p:nvPr/>
+        </p:nvSpPr>
+        <p:spPr>
+          <a:xfrm>
+            <a:off x="667007" y="5586080"/>
+            <a:ext cx="457385" cy="154368"/>
+          </a:xfrm>
+          <a:prstGeom prst="rect">
+            <a:avLst/>
+          </a:prstGeom>
+          <a:noFill/>
+          <a:ln>
+            <a:solidFill>
+              <a:schemeClr val="tx1"/>
+            </a:solidFill>
+          </a:ln>
+          <a:effectLst/>
+        </p:spPr>
+        <p:style>
+          <a:lnRef idx="1">
+            <a:schemeClr val="accent1"/>
+          </a:lnRef>
+          <a:fillRef idx="3">
+            <a:schemeClr val="accent1"/>
+          </a:fillRef>
+          <a:effectRef idx="2">
+            <a:schemeClr val="accent1"/>
+          </a:effectRef>
+          <a:fontRef idx="minor">
+            <a:schemeClr val="lt1"/>
+          </a:fontRef>
+        </p:style>
+        <p:txBody>
+          <a:bodyPr rtlCol="0" anchor="ctr"/>
+          <a:lstStyle/>
+          <a:p>
+            <a:pPr algn="ctr"/>
+            <a:r>
+              <a:rPr lang="en-GB" sz="1000" dirty="0" smtClean="0">
+                <a:solidFill>
+                  <a:schemeClr val="tx1"/>
+                </a:solidFill>
+              </a:rPr>
+              <a:t>RAM</a:t>
+            </a:r>
+          </a:p>
+        </p:txBody>
+      </p:sp>
+      <p:sp>
+        <p:nvSpPr>
+          <p:cNvPr id="29" name="Rectángulo 28"/>
+          <p:cNvSpPr/>
+          <p:nvPr/>
+        </p:nvSpPr>
+        <p:spPr>
+          <a:xfrm>
+            <a:off x="667007" y="5820291"/>
+            <a:ext cx="457385" cy="154368"/>
+          </a:xfrm>
+          <a:prstGeom prst="rect">
+            <a:avLst/>
+          </a:prstGeom>
+          <a:noFill/>
+          <a:ln>
+            <a:solidFill>
+              <a:schemeClr val="tx1"/>
+            </a:solidFill>
+          </a:ln>
+          <a:effectLst/>
+        </p:spPr>
+        <p:style>
+          <a:lnRef idx="1">
+            <a:schemeClr val="accent1"/>
+          </a:lnRef>
+          <a:fillRef idx="3">
+            <a:schemeClr val="accent1"/>
+          </a:fillRef>
+          <a:effectRef idx="2">
+            <a:schemeClr val="accent1"/>
+          </a:effectRef>
+          <a:fontRef idx="minor">
+            <a:schemeClr val="lt1"/>
+          </a:fontRef>
+        </p:style>
+        <p:txBody>
+          <a:bodyPr rtlCol="0" anchor="ctr"/>
+          <a:lstStyle/>
+          <a:p>
+            <a:pPr algn="ctr"/>
+            <a:r>
+              <a:rPr lang="en-GB" sz="1000" dirty="0" smtClean="0">
+                <a:solidFill>
+                  <a:schemeClr val="tx1"/>
+                </a:solidFill>
+              </a:rPr>
+              <a:t>DISK</a:t>
+            </a:r>
+          </a:p>
+        </p:txBody>
+      </p:sp>
+      <p:sp>
+        <p:nvSpPr>
+          <p:cNvPr id="30" name="Rectángulo 29"/>
+          <p:cNvSpPr/>
+          <p:nvPr/>
+        </p:nvSpPr>
+        <p:spPr>
+          <a:xfrm>
+            <a:off x="658115" y="6133222"/>
+            <a:ext cx="457385" cy="154368"/>
+          </a:xfrm>
+          <a:prstGeom prst="rect">
+            <a:avLst/>
+          </a:prstGeom>
+          <a:noFill/>
+          <a:ln>
+            <a:solidFill>
+              <a:schemeClr val="tx1"/>
+            </a:solidFill>
+          </a:ln>
+          <a:effectLst/>
+        </p:spPr>
+        <p:style>
+          <a:lnRef idx="1">
+            <a:schemeClr val="accent1"/>
+          </a:lnRef>
+          <a:fillRef idx="3">
+            <a:schemeClr val="accent1"/>
+          </a:fillRef>
+          <a:effectRef idx="2">
+            <a:schemeClr val="accent1"/>
+          </a:effectRef>
+          <a:fontRef idx="minor">
+            <a:schemeClr val="lt1"/>
+          </a:fontRef>
+        </p:style>
+        <p:txBody>
+          <a:bodyPr rtlCol="0" anchor="ctr"/>
+          <a:lstStyle/>
+          <a:p>
+            <a:pPr algn="ctr"/>
+            <a:r>
+              <a:rPr lang="en-GB" sz="1000" dirty="0" smtClean="0">
+                <a:solidFill>
+                  <a:schemeClr val="tx1"/>
+                </a:solidFill>
+              </a:rPr>
+              <a:t>CPU</a:t>
+            </a:r>
+          </a:p>
+        </p:txBody>
+      </p:sp>
+      <p:sp>
+        <p:nvSpPr>
+          <p:cNvPr id="31" name="Rectángulo 30"/>
+          <p:cNvSpPr/>
+          <p:nvPr/>
+        </p:nvSpPr>
+        <p:spPr>
+          <a:xfrm>
+            <a:off x="658115" y="6364773"/>
+            <a:ext cx="457385" cy="154368"/>
+          </a:xfrm>
+          <a:prstGeom prst="rect">
+            <a:avLst/>
+          </a:prstGeom>
+          <a:noFill/>
+          <a:ln>
+            <a:solidFill>
+              <a:schemeClr val="tx1"/>
+            </a:solidFill>
+          </a:ln>
+          <a:effectLst/>
+        </p:spPr>
+        <p:style>
+          <a:lnRef idx="1">
+            <a:schemeClr val="accent1"/>
+          </a:lnRef>
+          <a:fillRef idx="3">
+            <a:schemeClr val="accent1"/>
+          </a:fillRef>
+          <a:effectRef idx="2">
+            <a:schemeClr val="accent1"/>
+          </a:effectRef>
+          <a:fontRef idx="minor">
+            <a:schemeClr val="lt1"/>
+          </a:fontRef>
+        </p:style>
+        <p:txBody>
+          <a:bodyPr rtlCol="0" anchor="ctr"/>
+          <a:lstStyle/>
+          <a:p>
+            <a:pPr algn="ctr"/>
+            <a:r>
+              <a:rPr lang="en-GB" sz="1000" dirty="0" smtClean="0">
+                <a:solidFill>
+                  <a:schemeClr val="tx1"/>
+                </a:solidFill>
+              </a:rPr>
+              <a:t>RAM</a:t>
+            </a:r>
+          </a:p>
+        </p:txBody>
+      </p:sp>
+      <p:sp>
+        <p:nvSpPr>
+          <p:cNvPr id="32" name="Rectángulo 31"/>
+          <p:cNvSpPr/>
+          <p:nvPr/>
+        </p:nvSpPr>
+        <p:spPr>
+          <a:xfrm>
+            <a:off x="658115" y="6598984"/>
+            <a:ext cx="457385" cy="154368"/>
+          </a:xfrm>
+          <a:prstGeom prst="rect">
+            <a:avLst/>
+          </a:prstGeom>
+          <a:noFill/>
+          <a:ln>
+            <a:solidFill>
+              <a:schemeClr val="tx1"/>
+            </a:solidFill>
+          </a:ln>
+          <a:effectLst/>
+        </p:spPr>
+        <p:style>
+          <a:lnRef idx="1">
+            <a:schemeClr val="accent1"/>
+          </a:lnRef>
+          <a:fillRef idx="3">
+            <a:schemeClr val="accent1"/>
+          </a:fillRef>
+          <a:effectRef idx="2">
+            <a:schemeClr val="accent1"/>
+          </a:effectRef>
+          <a:fontRef idx="minor">
+            <a:schemeClr val="lt1"/>
+          </a:fontRef>
+        </p:style>
+        <p:txBody>
+          <a:bodyPr rtlCol="0" anchor="ctr"/>
+          <a:lstStyle/>
+          <a:p>
+            <a:pPr algn="ctr"/>
+            <a:r>
+              <a:rPr lang="en-GB" sz="1000" dirty="0" smtClean="0">
+                <a:solidFill>
+                  <a:schemeClr val="tx1"/>
+                </a:solidFill>
+              </a:rPr>
+              <a:t>DISK</a:t>
+            </a:r>
+          </a:p>
+        </p:txBody>
+      </p:sp>
+      <p:cxnSp>
+        <p:nvCxnSpPr>
+          <p:cNvPr id="33" name="Conector recto 32"/>
+          <p:cNvCxnSpPr>
+            <a:stCxn id="31" idx="3"/>
+            <a:endCxn id="22" idx="1"/>
+          </p:cNvCxnSpPr>
+          <p:nvPr/>
+        </p:nvCxnSpPr>
+        <p:spPr>
+          <a:xfrm>
+            <a:off x="1115498" y="6441957"/>
+            <a:ext cx="285867" cy="2660"/>
+          </a:xfrm>
+          <a:prstGeom prst="line">
+            <a:avLst/>
+          </a:prstGeom>
+          <a:ln w="12700" cmpd="sng">
+            <a:solidFill>
+              <a:srgbClr val="000000"/>
+            </a:solidFill>
+            <a:headEnd type="none"/>
+            <a:tailEnd type="triangle"/>
+          </a:ln>
+          <a:effectLst/>
+        </p:spPr>
+        <p:style>
+          <a:lnRef idx="2">
+            <a:schemeClr val="accent1"/>
+          </a:lnRef>
+          <a:fillRef idx="0">
+            <a:schemeClr val="accent1"/>
+          </a:fillRef>
+          <a:effectRef idx="1">
+            <a:schemeClr val="accent1"/>
+          </a:effectRef>
+          <a:fontRef idx="minor">
+            <a:schemeClr val="tx1"/>
+          </a:fontRef>
+        </p:style>
+      </p:cxnSp>
+      <p:sp>
+        <p:nvSpPr>
+          <p:cNvPr id="38" name="Rectángulo 37"/>
+          <p:cNvSpPr/>
+          <p:nvPr/>
+        </p:nvSpPr>
+        <p:spPr>
+          <a:xfrm>
+            <a:off x="7979197" y="2091524"/>
+            <a:ext cx="914771" cy="308735"/>
+          </a:xfrm>
+          <a:prstGeom prst="rect">
+            <a:avLst/>
+          </a:prstGeom>
+          <a:solidFill>
+            <a:schemeClr val="accent2">
+              <a:lumMod val="20000"/>
+              <a:lumOff val="80000"/>
+            </a:schemeClr>
+          </a:solidFill>
+          <a:ln>
+            <a:solidFill>
+              <a:schemeClr val="tx1"/>
+            </a:solidFill>
+          </a:ln>
+          <a:effectLst/>
+        </p:spPr>
+        <p:style>
+          <a:lnRef idx="1">
+            <a:schemeClr val="accent1"/>
+          </a:lnRef>
+          <a:fillRef idx="3">
+            <a:schemeClr val="accent1"/>
+          </a:fillRef>
+          <a:effectRef idx="2">
+            <a:schemeClr val="accent1"/>
+          </a:effectRef>
+          <a:fontRef idx="minor">
+            <a:schemeClr val="lt1"/>
+          </a:fontRef>
+        </p:style>
+        <p:txBody>
+          <a:bodyPr rtlCol="0" anchor="ctr"/>
+          <a:lstStyle/>
+          <a:p>
+            <a:pPr algn="ctr"/>
+            <a:r>
+              <a:rPr lang="en-GB" sz="1000" dirty="0" err="1" smtClean="0">
+                <a:solidFill>
+                  <a:schemeClr val="tx1"/>
+                </a:solidFill>
+              </a:rPr>
+              <a:t>mDiff</a:t>
+            </a:r>
+            <a:endParaRPr lang="en-GB" sz="1000" dirty="0" smtClean="0">
+              <a:solidFill>
+                <a:schemeClr val="tx1"/>
+              </a:solidFill>
+            </a:endParaRPr>
+          </a:p>
+        </p:txBody>
+      </p:sp>
+      <p:sp>
+        <p:nvSpPr>
+          <p:cNvPr id="39" name="CuadroTexto 38"/>
+          <p:cNvSpPr txBox="1"/>
+          <p:nvPr/>
+        </p:nvSpPr>
+        <p:spPr>
+          <a:xfrm>
+            <a:off x="568003" y="35333"/>
+            <a:ext cx="710451" cy="246221"/>
+          </a:xfrm>
+          <a:prstGeom prst="rect">
+            <a:avLst/>
+          </a:prstGeom>
+          <a:noFill/>
+        </p:spPr>
+        <p:txBody>
+          <a:bodyPr wrap="none" rtlCol="0">
+            <a:spAutoFit/>
+          </a:bodyPr>
+          <a:lstStyle/>
+          <a:p>
+            <a:r>
+              <a:rPr lang="en-GB" sz="1000" dirty="0" smtClean="0"/>
+              <a:t>Workflow</a:t>
+            </a:r>
+            <a:endParaRPr lang="en-GB" sz="1000" dirty="0"/>
+          </a:p>
+        </p:txBody>
+      </p:sp>
+      <p:sp>
+        <p:nvSpPr>
+          <p:cNvPr id="40" name="CuadroTexto 39"/>
+          <p:cNvSpPr txBox="1"/>
+          <p:nvPr/>
+        </p:nvSpPr>
+        <p:spPr>
+          <a:xfrm>
+            <a:off x="506223" y="4935307"/>
+            <a:ext cx="699693" cy="246221"/>
+          </a:xfrm>
+          <a:prstGeom prst="rect">
+            <a:avLst/>
+          </a:prstGeom>
+          <a:noFill/>
+        </p:spPr>
+        <p:txBody>
+          <a:bodyPr wrap="none" rtlCol="0">
+            <a:spAutoFit/>
+          </a:bodyPr>
+          <a:lstStyle/>
+          <a:p>
+            <a:r>
+              <a:rPr lang="en-GB" sz="1000" dirty="0" smtClean="0"/>
+              <a:t>Hardware</a:t>
+            </a:r>
+            <a:endParaRPr lang="en-GB" sz="1000" dirty="0"/>
+          </a:p>
+        </p:txBody>
+      </p:sp>
+      <p:sp>
+        <p:nvSpPr>
+          <p:cNvPr id="41" name="CuadroTexto 40"/>
+          <p:cNvSpPr txBox="1"/>
+          <p:nvPr/>
+        </p:nvSpPr>
+        <p:spPr>
+          <a:xfrm>
+            <a:off x="5389026" y="40434"/>
+            <a:ext cx="651791" cy="246221"/>
+          </a:xfrm>
+          <a:prstGeom prst="rect">
+            <a:avLst/>
+          </a:prstGeom>
+          <a:noFill/>
+        </p:spPr>
+        <p:txBody>
+          <a:bodyPr wrap="none" rtlCol="0">
+            <a:spAutoFit/>
+          </a:bodyPr>
+          <a:lstStyle/>
+          <a:p>
+            <a:r>
+              <a:rPr lang="en-GB" sz="1000" dirty="0" smtClean="0"/>
+              <a:t>Software</a:t>
+            </a:r>
+          </a:p>
+        </p:txBody>
+      </p:sp>
+      <p:sp>
+        <p:nvSpPr>
+          <p:cNvPr id="42" name="CuadroTexto 41"/>
+          <p:cNvSpPr txBox="1"/>
+          <p:nvPr/>
+        </p:nvSpPr>
+        <p:spPr>
+          <a:xfrm>
+            <a:off x="6564635" y="4647079"/>
+            <a:ext cx="845905" cy="246221"/>
+          </a:xfrm>
+          <a:prstGeom prst="rect">
+            <a:avLst/>
+          </a:prstGeom>
+          <a:noFill/>
+        </p:spPr>
+        <p:txBody>
+          <a:bodyPr wrap="none" rtlCol="0">
+            <a:spAutoFit/>
+          </a:bodyPr>
+          <a:lstStyle/>
+          <a:p>
+            <a:r>
+              <a:rPr lang="en-GB" sz="1000" dirty="0" smtClean="0"/>
+              <a:t>C. Resources</a:t>
+            </a:r>
+          </a:p>
+        </p:txBody>
+      </p:sp>
+      <p:cxnSp>
+        <p:nvCxnSpPr>
+          <p:cNvPr id="44" name="Conector recto 45"/>
+          <p:cNvCxnSpPr>
+            <a:stCxn id="211" idx="3"/>
+            <a:endCxn id="216" idx="1"/>
+          </p:cNvCxnSpPr>
+          <p:nvPr/>
+        </p:nvCxnSpPr>
+        <p:spPr>
+          <a:xfrm>
+            <a:off x="6367297" y="3439923"/>
+            <a:ext cx="347626" cy="6350"/>
+          </a:xfrm>
+          <a:prstGeom prst="line">
+            <a:avLst/>
+          </a:prstGeom>
+          <a:ln w="12700" cmpd="sng">
+            <a:solidFill>
+              <a:srgbClr val="000000"/>
+            </a:solidFill>
+            <a:headEnd type="triangle"/>
+          </a:ln>
+          <a:effectLst/>
+        </p:spPr>
+        <p:style>
+          <a:lnRef idx="2">
+            <a:schemeClr val="accent1"/>
+          </a:lnRef>
+          <a:fillRef idx="0">
+            <a:schemeClr val="accent1"/>
+          </a:fillRef>
+          <a:effectRef idx="1">
+            <a:schemeClr val="accent1"/>
+          </a:effectRef>
+          <a:fontRef idx="minor">
+            <a:schemeClr val="tx1"/>
+          </a:fontRef>
+        </p:style>
+      </p:cxnSp>
+      <p:cxnSp>
+        <p:nvCxnSpPr>
+          <p:cNvPr id="45" name="Elbow Connector 84"/>
+          <p:cNvCxnSpPr>
+            <a:stCxn id="12" idx="2"/>
+            <a:endCxn id="14" idx="0"/>
+          </p:cNvCxnSpPr>
+          <p:nvPr/>
+        </p:nvCxnSpPr>
+        <p:spPr>
+          <a:xfrm rot="16200000" flipH="1">
+            <a:off x="6503068" y="1011092"/>
+            <a:ext cx="302801" cy="1030742"/>
+          </a:xfrm>
+          <a:prstGeom prst="bentConnector3">
+            <a:avLst>
+              <a:gd name="adj1" fmla="val 50000"/>
+            </a:avLst>
+          </a:prstGeom>
+          <a:ln w="12700" cmpd="sng">
+            <a:solidFill>
+              <a:schemeClr val="tx1"/>
+            </a:solidFill>
+            <a:headEnd type="none"/>
+            <a:tailEnd type="triangle"/>
+          </a:ln>
+          <a:effectLst/>
+        </p:spPr>
+        <p:style>
+          <a:lnRef idx="2">
+            <a:schemeClr val="accent1"/>
+          </a:lnRef>
+          <a:fillRef idx="0">
+            <a:schemeClr val="accent1"/>
+          </a:fillRef>
+          <a:effectRef idx="1">
+            <a:schemeClr val="accent1"/>
+          </a:effectRef>
+          <a:fontRef idx="minor">
+            <a:schemeClr val="tx1"/>
+          </a:fontRef>
+        </p:style>
+      </p:cxnSp>
+      <p:cxnSp>
+        <p:nvCxnSpPr>
+          <p:cNvPr id="46" name="Elbow Connector 85"/>
+          <p:cNvCxnSpPr>
+            <a:stCxn id="11" idx="2"/>
+            <a:endCxn id="14" idx="0"/>
+          </p:cNvCxnSpPr>
+          <p:nvPr/>
+        </p:nvCxnSpPr>
+        <p:spPr>
+          <a:xfrm rot="5400000">
+            <a:off x="7593543" y="951359"/>
+            <a:ext cx="302801" cy="1150208"/>
+          </a:xfrm>
+          <a:prstGeom prst="bentConnector3">
+            <a:avLst>
+              <a:gd name="adj1" fmla="val 50000"/>
+            </a:avLst>
+          </a:prstGeom>
+          <a:ln w="12700" cmpd="sng">
+            <a:solidFill>
+              <a:schemeClr val="tx1"/>
+            </a:solidFill>
+            <a:headEnd type="none"/>
+            <a:tailEnd type="triangle"/>
+          </a:ln>
+          <a:effectLst/>
+        </p:spPr>
+        <p:style>
+          <a:lnRef idx="2">
+            <a:schemeClr val="accent1"/>
+          </a:lnRef>
+          <a:fillRef idx="0">
+            <a:schemeClr val="accent1"/>
+          </a:fillRef>
+          <a:effectRef idx="1">
+            <a:schemeClr val="accent1"/>
+          </a:effectRef>
+          <a:fontRef idx="minor">
+            <a:schemeClr val="tx1"/>
+          </a:fontRef>
+        </p:style>
+      </p:cxnSp>
+      <p:cxnSp>
+        <p:nvCxnSpPr>
+          <p:cNvPr id="47" name="Conector recto 45"/>
+          <p:cNvCxnSpPr>
+            <a:stCxn id="14" idx="0"/>
+            <a:endCxn id="13" idx="2"/>
+          </p:cNvCxnSpPr>
+          <p:nvPr/>
+        </p:nvCxnSpPr>
+        <p:spPr>
+          <a:xfrm flipV="1">
+            <a:off x="7169839" y="1375063"/>
+            <a:ext cx="0" cy="302801"/>
+          </a:xfrm>
+          <a:prstGeom prst="line">
+            <a:avLst/>
+          </a:prstGeom>
+          <a:ln w="12700" cmpd="sng">
+            <a:solidFill>
+              <a:srgbClr val="000000"/>
+            </a:solidFill>
+            <a:headEnd type="triangle"/>
+          </a:ln>
+          <a:effectLst/>
+        </p:spPr>
+        <p:style>
+          <a:lnRef idx="2">
+            <a:schemeClr val="accent1"/>
+          </a:lnRef>
+          <a:fillRef idx="0">
+            <a:schemeClr val="accent1"/>
+          </a:fillRef>
+          <a:effectRef idx="1">
+            <a:schemeClr val="accent1"/>
+          </a:effectRef>
+          <a:fontRef idx="minor">
+            <a:schemeClr val="tx1"/>
+          </a:fontRef>
+        </p:style>
+      </p:cxnSp>
+      <p:cxnSp>
+        <p:nvCxnSpPr>
+          <p:cNvPr id="48" name="Elbow Connector 105"/>
+          <p:cNvCxnSpPr>
+            <a:stCxn id="27" idx="3"/>
+            <a:endCxn id="21" idx="1"/>
+          </p:cNvCxnSpPr>
+          <p:nvPr/>
+        </p:nvCxnSpPr>
+        <p:spPr>
+          <a:xfrm>
+            <a:off x="1124392" y="5431714"/>
+            <a:ext cx="276973" cy="231352"/>
+          </a:xfrm>
+          <a:prstGeom prst="bentConnector3">
+            <a:avLst>
+              <a:gd name="adj1" fmla="val 50000"/>
+            </a:avLst>
+          </a:prstGeom>
+          <a:ln w="12700" cmpd="sng">
+            <a:solidFill>
+              <a:schemeClr val="tx1"/>
+            </a:solidFill>
+            <a:headEnd type="none"/>
+            <a:tailEnd type="triangle"/>
+          </a:ln>
+          <a:effectLst/>
+        </p:spPr>
+        <p:style>
+          <a:lnRef idx="2">
+            <a:schemeClr val="accent1"/>
+          </a:lnRef>
+          <a:fillRef idx="0">
+            <a:schemeClr val="accent1"/>
+          </a:fillRef>
+          <a:effectRef idx="1">
+            <a:schemeClr val="accent1"/>
+          </a:effectRef>
+          <a:fontRef idx="minor">
+            <a:schemeClr val="tx1"/>
+          </a:fontRef>
+        </p:style>
+      </p:cxnSp>
+      <p:cxnSp>
+        <p:nvCxnSpPr>
+          <p:cNvPr id="49" name="Elbow Connector 107"/>
+          <p:cNvCxnSpPr>
+            <a:stCxn id="29" idx="3"/>
+            <a:endCxn id="21" idx="1"/>
+          </p:cNvCxnSpPr>
+          <p:nvPr/>
+        </p:nvCxnSpPr>
+        <p:spPr>
+          <a:xfrm flipV="1">
+            <a:off x="1124392" y="5663067"/>
+            <a:ext cx="276973" cy="234409"/>
+          </a:xfrm>
+          <a:prstGeom prst="bentConnector3">
+            <a:avLst>
+              <a:gd name="adj1" fmla="val 50000"/>
+            </a:avLst>
+          </a:prstGeom>
+          <a:ln w="12700" cmpd="sng">
+            <a:solidFill>
+              <a:schemeClr val="tx1"/>
+            </a:solidFill>
+            <a:headEnd type="none"/>
+            <a:tailEnd type="triangle"/>
+          </a:ln>
+          <a:effectLst/>
+        </p:spPr>
+        <p:style>
+          <a:lnRef idx="2">
+            <a:schemeClr val="accent1"/>
+          </a:lnRef>
+          <a:fillRef idx="0">
+            <a:schemeClr val="accent1"/>
+          </a:fillRef>
+          <a:effectRef idx="1">
+            <a:schemeClr val="accent1"/>
+          </a:effectRef>
+          <a:fontRef idx="minor">
+            <a:schemeClr val="tx1"/>
+          </a:fontRef>
+        </p:style>
+      </p:cxnSp>
+      <p:cxnSp>
+        <p:nvCxnSpPr>
+          <p:cNvPr id="50" name="Conector recto 115"/>
+          <p:cNvCxnSpPr>
+            <a:stCxn id="28" idx="3"/>
+            <a:endCxn id="21" idx="1"/>
+          </p:cNvCxnSpPr>
+          <p:nvPr/>
+        </p:nvCxnSpPr>
+        <p:spPr>
+          <a:xfrm flipV="1">
+            <a:off x="1124392" y="5663066"/>
+            <a:ext cx="276973" cy="198"/>
+          </a:xfrm>
+          <a:prstGeom prst="line">
+            <a:avLst/>
+          </a:prstGeom>
+          <a:ln w="12700" cmpd="sng">
+            <a:solidFill>
+              <a:srgbClr val="000000"/>
+            </a:solidFill>
+            <a:headEnd type="none"/>
+            <a:tailEnd type="triangle"/>
+          </a:ln>
+          <a:effectLst/>
+        </p:spPr>
+        <p:style>
+          <a:lnRef idx="2">
+            <a:schemeClr val="accent1"/>
+          </a:lnRef>
+          <a:fillRef idx="0">
+            <a:schemeClr val="accent1"/>
+          </a:fillRef>
+          <a:effectRef idx="1">
+            <a:schemeClr val="accent1"/>
+          </a:effectRef>
+          <a:fontRef idx="minor">
+            <a:schemeClr val="tx1"/>
+          </a:fontRef>
+        </p:style>
+      </p:cxnSp>
+      <p:cxnSp>
+        <p:nvCxnSpPr>
+          <p:cNvPr id="51" name="Elbow Connector 110"/>
+          <p:cNvCxnSpPr>
+            <a:stCxn id="32" idx="3"/>
+            <a:endCxn id="22" idx="1"/>
+          </p:cNvCxnSpPr>
+          <p:nvPr/>
+        </p:nvCxnSpPr>
+        <p:spPr>
+          <a:xfrm flipV="1">
+            <a:off x="1115498" y="6444617"/>
+            <a:ext cx="285867" cy="231551"/>
+          </a:xfrm>
+          <a:prstGeom prst="bentConnector3">
+            <a:avLst>
+              <a:gd name="adj1" fmla="val 50000"/>
+            </a:avLst>
+          </a:prstGeom>
+          <a:ln w="12700" cmpd="sng">
+            <a:solidFill>
+              <a:schemeClr val="tx1"/>
+            </a:solidFill>
+            <a:headEnd type="none"/>
+            <a:tailEnd type="triangle"/>
+          </a:ln>
+          <a:effectLst/>
+        </p:spPr>
+        <p:style>
+          <a:lnRef idx="2">
+            <a:schemeClr val="accent1"/>
+          </a:lnRef>
+          <a:fillRef idx="0">
+            <a:schemeClr val="accent1"/>
+          </a:fillRef>
+          <a:effectRef idx="1">
+            <a:schemeClr val="accent1"/>
+          </a:effectRef>
+          <a:fontRef idx="minor">
+            <a:schemeClr val="tx1"/>
+          </a:fontRef>
+        </p:style>
+      </p:cxnSp>
+      <p:cxnSp>
+        <p:nvCxnSpPr>
+          <p:cNvPr id="52" name="Elbow Connector 111"/>
+          <p:cNvCxnSpPr>
+            <a:stCxn id="30" idx="3"/>
+            <a:endCxn id="22" idx="1"/>
+          </p:cNvCxnSpPr>
+          <p:nvPr/>
+        </p:nvCxnSpPr>
+        <p:spPr>
+          <a:xfrm>
+            <a:off x="1115498" y="6210407"/>
+            <a:ext cx="285867" cy="234210"/>
+          </a:xfrm>
+          <a:prstGeom prst="bentConnector3">
+            <a:avLst>
+              <a:gd name="adj1" fmla="val 50000"/>
+            </a:avLst>
+          </a:prstGeom>
+          <a:ln w="12700" cmpd="sng">
+            <a:solidFill>
+              <a:schemeClr val="tx1"/>
+            </a:solidFill>
+            <a:headEnd type="none"/>
+            <a:tailEnd type="triangle"/>
+          </a:ln>
+          <a:effectLst/>
+        </p:spPr>
+        <p:style>
+          <a:lnRef idx="2">
+            <a:schemeClr val="accent1"/>
+          </a:lnRef>
+          <a:fillRef idx="0">
+            <a:schemeClr val="accent1"/>
+          </a:fillRef>
+          <a:effectRef idx="1">
+            <a:schemeClr val="accent1"/>
+          </a:effectRef>
+          <a:fontRef idx="minor">
+            <a:schemeClr val="tx1"/>
+          </a:fontRef>
+        </p:style>
+      </p:cxnSp>
+      <p:sp>
+        <p:nvSpPr>
+          <p:cNvPr id="53" name="Rectángulo 96"/>
+          <p:cNvSpPr/>
+          <p:nvPr/>
+        </p:nvSpPr>
+        <p:spPr>
+          <a:xfrm>
+            <a:off x="634368" y="3015299"/>
+            <a:ext cx="823295" cy="142763"/>
+          </a:xfrm>
+          <a:prstGeom prst="rect">
+            <a:avLst/>
+          </a:prstGeom>
+          <a:solidFill>
+            <a:schemeClr val="accent2">
+              <a:lumMod val="20000"/>
+              <a:lumOff val="80000"/>
+            </a:schemeClr>
+          </a:solidFill>
+          <a:ln>
+            <a:solidFill>
+              <a:schemeClr val="tx1"/>
+            </a:solidFill>
+          </a:ln>
+          <a:effectLst/>
+        </p:spPr>
+        <p:style>
+          <a:lnRef idx="1">
+            <a:schemeClr val="accent1"/>
+          </a:lnRef>
+          <a:fillRef idx="3">
+            <a:schemeClr val="accent1"/>
+          </a:fillRef>
+          <a:effectRef idx="2">
+            <a:schemeClr val="accent1"/>
+          </a:effectRef>
+          <a:fontRef idx="minor">
+            <a:schemeClr val="lt1"/>
+          </a:fontRef>
+        </p:style>
+        <p:txBody>
+          <a:bodyPr rtlCol="0" anchor="ctr"/>
+          <a:lstStyle/>
+          <a:p>
+            <a:pPr algn="ctr"/>
+            <a:r>
+              <a:rPr lang="en-GB" sz="900" dirty="0" smtClean="0">
+                <a:solidFill>
+                  <a:schemeClr val="tx1"/>
+                </a:solidFill>
+              </a:rPr>
+              <a:t>Requirement</a:t>
+            </a:r>
+          </a:p>
+        </p:txBody>
+      </p:sp>
+      <p:cxnSp>
+        <p:nvCxnSpPr>
+          <p:cNvPr id="54" name="Elbow Connector 69"/>
+          <p:cNvCxnSpPr>
+            <a:stCxn id="7" idx="2"/>
+            <a:endCxn id="56" idx="0"/>
+          </p:cNvCxnSpPr>
+          <p:nvPr/>
+        </p:nvCxnSpPr>
+        <p:spPr>
+          <a:xfrm rot="16200000" flipH="1">
+            <a:off x="1453197" y="1767500"/>
+            <a:ext cx="397707" cy="1212071"/>
+          </a:xfrm>
+          <a:prstGeom prst="bentConnector3">
+            <a:avLst>
+              <a:gd name="adj1" fmla="val 50000"/>
+            </a:avLst>
+          </a:prstGeom>
+          <a:ln w="12700" cmpd="sng">
+            <a:solidFill>
+              <a:schemeClr val="tx1"/>
+            </a:solidFill>
+            <a:headEnd type="none"/>
+            <a:tailEnd type="triangle"/>
+          </a:ln>
+          <a:effectLst/>
+        </p:spPr>
+        <p:style>
+          <a:lnRef idx="2">
+            <a:schemeClr val="accent1"/>
+          </a:lnRef>
+          <a:fillRef idx="0">
+            <a:schemeClr val="accent1"/>
+          </a:fillRef>
+          <a:effectRef idx="1">
+            <a:schemeClr val="accent1"/>
+          </a:effectRef>
+          <a:fontRef idx="minor">
+            <a:schemeClr val="tx1"/>
+          </a:fontRef>
+        </p:style>
+      </p:cxnSp>
+      <p:sp>
+        <p:nvSpPr>
+          <p:cNvPr id="55" name="CuadroTexto 14"/>
+          <p:cNvSpPr txBox="1"/>
+          <p:nvPr/>
+        </p:nvSpPr>
+        <p:spPr>
+          <a:xfrm>
+            <a:off x="1457661" y="2609198"/>
+            <a:ext cx="365908" cy="246221"/>
+          </a:xfrm>
+          <a:prstGeom prst="rect">
+            <a:avLst/>
+          </a:prstGeom>
+          <a:noFill/>
+        </p:spPr>
+        <p:txBody>
+          <a:bodyPr wrap="square" rtlCol="0">
+            <a:spAutoFit/>
+          </a:bodyPr>
+          <a:lstStyle/>
+          <a:p>
+            <a:pPr algn="ctr"/>
+            <a:r>
+              <a:rPr lang="en-GB" sz="1000" dirty="0" smtClean="0"/>
+              <a:t>…</a:t>
+            </a:r>
+            <a:endParaRPr lang="en-GB" sz="1000" dirty="0"/>
+          </a:p>
+        </p:txBody>
+      </p:sp>
+      <p:sp>
+        <p:nvSpPr>
+          <p:cNvPr id="56" name="Rectángulo 5"/>
+          <p:cNvSpPr/>
+          <p:nvPr/>
+        </p:nvSpPr>
+        <p:spPr>
+          <a:xfrm>
+            <a:off x="1846439" y="2572390"/>
+            <a:ext cx="823295" cy="308735"/>
+          </a:xfrm>
+          <a:prstGeom prst="rect">
+            <a:avLst/>
+          </a:prstGeom>
+          <a:solidFill>
+            <a:schemeClr val="accent2">
+              <a:lumMod val="20000"/>
+              <a:lumOff val="80000"/>
+            </a:schemeClr>
+          </a:solidFill>
+          <a:ln>
+            <a:solidFill>
+              <a:schemeClr val="tx1"/>
+            </a:solidFill>
+          </a:ln>
+          <a:effectLst/>
+        </p:spPr>
+        <p:style>
+          <a:lnRef idx="1">
+            <a:schemeClr val="accent1"/>
+          </a:lnRef>
+          <a:fillRef idx="3">
+            <a:schemeClr val="accent1"/>
+          </a:fillRef>
+          <a:effectRef idx="2">
+            <a:schemeClr val="accent1"/>
+          </a:effectRef>
+          <a:fontRef idx="minor">
+            <a:schemeClr val="lt1"/>
+          </a:fontRef>
+        </p:style>
+        <p:txBody>
+          <a:bodyPr rtlCol="0" anchor="ctr"/>
+          <a:lstStyle/>
+          <a:p>
+            <a:pPr algn="ctr"/>
+            <a:r>
+              <a:rPr lang="en-GB" sz="1000" dirty="0" err="1" smtClean="0">
+                <a:solidFill>
+                  <a:schemeClr val="tx1"/>
+                </a:solidFill>
+              </a:rPr>
+              <a:t>mDiff</a:t>
+            </a:r>
+            <a:r>
+              <a:rPr lang="en-GB" sz="1000" dirty="0" smtClean="0">
+                <a:solidFill>
+                  <a:schemeClr val="tx1"/>
+                </a:solidFill>
+              </a:rPr>
+              <a:t> WF</a:t>
+            </a:r>
+            <a:endParaRPr lang="en-GB" sz="1000" dirty="0">
+              <a:solidFill>
+                <a:schemeClr val="tx1"/>
+              </a:solidFill>
+            </a:endParaRPr>
+          </a:p>
+        </p:txBody>
+      </p:sp>
+      <p:sp>
+        <p:nvSpPr>
+          <p:cNvPr id="57" name="Rectángulo 96"/>
+          <p:cNvSpPr/>
+          <p:nvPr/>
+        </p:nvSpPr>
+        <p:spPr>
+          <a:xfrm>
+            <a:off x="1846439" y="3015299"/>
+            <a:ext cx="823295" cy="142763"/>
+          </a:xfrm>
+          <a:prstGeom prst="rect">
+            <a:avLst/>
+          </a:prstGeom>
+          <a:solidFill>
+            <a:schemeClr val="accent2">
+              <a:lumMod val="20000"/>
+              <a:lumOff val="80000"/>
+            </a:schemeClr>
+          </a:solidFill>
+          <a:ln>
+            <a:solidFill>
+              <a:schemeClr val="tx1"/>
+            </a:solidFill>
+          </a:ln>
+          <a:effectLst/>
+        </p:spPr>
+        <p:style>
+          <a:lnRef idx="1">
+            <a:schemeClr val="accent1"/>
+          </a:lnRef>
+          <a:fillRef idx="3">
+            <a:schemeClr val="accent1"/>
+          </a:fillRef>
+          <a:effectRef idx="2">
+            <a:schemeClr val="accent1"/>
+          </a:effectRef>
+          <a:fontRef idx="minor">
+            <a:schemeClr val="lt1"/>
+          </a:fontRef>
+        </p:style>
+        <p:txBody>
+          <a:bodyPr rtlCol="0" anchor="ctr"/>
+          <a:lstStyle/>
+          <a:p>
+            <a:pPr algn="ctr"/>
+            <a:r>
+              <a:rPr lang="en-GB" sz="900" dirty="0" smtClean="0">
+                <a:solidFill>
+                  <a:schemeClr val="tx1"/>
+                </a:solidFill>
+              </a:rPr>
+              <a:t>Requirement</a:t>
+            </a:r>
+          </a:p>
+        </p:txBody>
+      </p:sp>
+      <p:cxnSp>
+        <p:nvCxnSpPr>
+          <p:cNvPr id="58" name="Conector recto 115"/>
+          <p:cNvCxnSpPr>
+            <a:stCxn id="8" idx="2"/>
+            <a:endCxn id="53" idx="0"/>
+          </p:cNvCxnSpPr>
+          <p:nvPr/>
+        </p:nvCxnSpPr>
+        <p:spPr>
+          <a:xfrm>
+            <a:off x="1046014" y="2881123"/>
+            <a:ext cx="0" cy="134175"/>
+          </a:xfrm>
+          <a:prstGeom prst="line">
+            <a:avLst/>
+          </a:prstGeom>
+          <a:ln w="12700" cmpd="sng">
+            <a:solidFill>
+              <a:srgbClr val="000000"/>
+            </a:solidFill>
+            <a:headEnd type="none"/>
+            <a:tailEnd type="triangle"/>
+          </a:ln>
+          <a:effectLst/>
+        </p:spPr>
+        <p:style>
+          <a:lnRef idx="2">
+            <a:schemeClr val="accent1"/>
+          </a:lnRef>
+          <a:fillRef idx="0">
+            <a:schemeClr val="accent1"/>
+          </a:fillRef>
+          <a:effectRef idx="1">
+            <a:schemeClr val="accent1"/>
+          </a:effectRef>
+          <a:fontRef idx="minor">
+            <a:schemeClr val="tx1"/>
+          </a:fontRef>
+        </p:style>
+      </p:cxnSp>
+      <p:cxnSp>
+        <p:nvCxnSpPr>
+          <p:cNvPr id="59" name="Conector recto 115"/>
+          <p:cNvCxnSpPr>
+            <a:stCxn id="56" idx="2"/>
+            <a:endCxn id="57" idx="0"/>
+          </p:cNvCxnSpPr>
+          <p:nvPr/>
+        </p:nvCxnSpPr>
+        <p:spPr>
+          <a:xfrm>
+            <a:off x="2258085" y="2881125"/>
+            <a:ext cx="0" cy="134175"/>
+          </a:xfrm>
+          <a:prstGeom prst="line">
+            <a:avLst/>
+          </a:prstGeom>
+          <a:ln w="12700" cmpd="sng">
+            <a:solidFill>
+              <a:srgbClr val="000000"/>
+            </a:solidFill>
+            <a:headEnd type="none"/>
+            <a:tailEnd type="triangle"/>
+          </a:ln>
+          <a:effectLst/>
+        </p:spPr>
+        <p:style>
+          <a:lnRef idx="2">
+            <a:schemeClr val="accent1"/>
+          </a:lnRef>
+          <a:fillRef idx="0">
+            <a:schemeClr val="accent1"/>
+          </a:fillRef>
+          <a:effectRef idx="1">
+            <a:schemeClr val="accent1"/>
+          </a:effectRef>
+          <a:fontRef idx="minor">
+            <a:schemeClr val="tx1"/>
+          </a:fontRef>
+        </p:style>
+      </p:cxnSp>
+      <p:cxnSp>
+        <p:nvCxnSpPr>
+          <p:cNvPr id="60" name="Elbow Connector 79"/>
+          <p:cNvCxnSpPr>
+            <a:stCxn id="10" idx="2"/>
+            <a:endCxn id="11" idx="0"/>
+          </p:cNvCxnSpPr>
+          <p:nvPr/>
+        </p:nvCxnSpPr>
+        <p:spPr>
+          <a:xfrm rot="16200000" flipH="1">
+            <a:off x="7593700" y="339981"/>
+            <a:ext cx="302486" cy="1150208"/>
+          </a:xfrm>
+          <a:prstGeom prst="bentConnector3">
+            <a:avLst>
+              <a:gd name="adj1" fmla="val 50000"/>
+            </a:avLst>
+          </a:prstGeom>
+          <a:ln w="12700" cmpd="sng">
+            <a:solidFill>
+              <a:schemeClr val="tx1"/>
+            </a:solidFill>
+            <a:headEnd type="none"/>
+            <a:tailEnd type="triangle"/>
+          </a:ln>
+          <a:effectLst/>
+        </p:spPr>
+        <p:style>
+          <a:lnRef idx="2">
+            <a:schemeClr val="accent1"/>
+          </a:lnRef>
+          <a:fillRef idx="0">
+            <a:schemeClr val="accent1"/>
+          </a:fillRef>
+          <a:effectRef idx="1">
+            <a:schemeClr val="accent1"/>
+          </a:effectRef>
+          <a:fontRef idx="minor">
+            <a:schemeClr val="tx1"/>
+          </a:fontRef>
+        </p:style>
+      </p:cxnSp>
+      <p:cxnSp>
+        <p:nvCxnSpPr>
+          <p:cNvPr id="61" name="Elbow Connector 83"/>
+          <p:cNvCxnSpPr>
+            <a:stCxn id="10" idx="2"/>
+            <a:endCxn id="12" idx="0"/>
+          </p:cNvCxnSpPr>
+          <p:nvPr/>
+        </p:nvCxnSpPr>
+        <p:spPr>
+          <a:xfrm rot="5400000">
+            <a:off x="6503225" y="399714"/>
+            <a:ext cx="302486" cy="1030742"/>
+          </a:xfrm>
+          <a:prstGeom prst="bentConnector3">
+            <a:avLst>
+              <a:gd name="adj1" fmla="val 50000"/>
+            </a:avLst>
+          </a:prstGeom>
+          <a:ln w="12700" cmpd="sng">
+            <a:solidFill>
+              <a:schemeClr val="tx1"/>
+            </a:solidFill>
+            <a:headEnd type="none"/>
+            <a:tailEnd type="triangle"/>
+          </a:ln>
+          <a:effectLst/>
+        </p:spPr>
+        <p:style>
+          <a:lnRef idx="2">
+            <a:schemeClr val="accent1"/>
+          </a:lnRef>
+          <a:fillRef idx="0">
+            <a:schemeClr val="accent1"/>
+          </a:fillRef>
+          <a:effectRef idx="1">
+            <a:schemeClr val="accent1"/>
+          </a:effectRef>
+          <a:fontRef idx="minor">
+            <a:schemeClr val="tx1"/>
+          </a:fontRef>
+        </p:style>
+      </p:cxnSp>
+      <p:cxnSp>
+        <p:nvCxnSpPr>
+          <p:cNvPr id="62" name="Conector recto 45"/>
+          <p:cNvCxnSpPr>
+            <a:stCxn id="13" idx="0"/>
+            <a:endCxn id="10" idx="2"/>
+          </p:cNvCxnSpPr>
+          <p:nvPr/>
+        </p:nvCxnSpPr>
+        <p:spPr>
+          <a:xfrm flipV="1">
+            <a:off x="7169839" y="763841"/>
+            <a:ext cx="0" cy="302486"/>
+          </a:xfrm>
+          <a:prstGeom prst="line">
+            <a:avLst/>
+          </a:prstGeom>
+          <a:ln w="12700" cmpd="sng">
+            <a:solidFill>
+              <a:srgbClr val="000000"/>
+            </a:solidFill>
+            <a:headEnd type="triangle"/>
+          </a:ln>
+          <a:effectLst/>
+        </p:spPr>
+        <p:style>
+          <a:lnRef idx="2">
+            <a:schemeClr val="accent1"/>
+          </a:lnRef>
+          <a:fillRef idx="0">
+            <a:schemeClr val="accent1"/>
+          </a:fillRef>
+          <a:effectRef idx="1">
+            <a:schemeClr val="accent1"/>
+          </a:effectRef>
+          <a:fontRef idx="minor">
+            <a:schemeClr val="tx1"/>
+          </a:fontRef>
+        </p:style>
+      </p:cxnSp>
+      <p:cxnSp>
+        <p:nvCxnSpPr>
+          <p:cNvPr id="63" name="Elbow Connector 88"/>
+          <p:cNvCxnSpPr>
+            <a:stCxn id="15" idx="3"/>
+            <a:endCxn id="17" idx="3"/>
+          </p:cNvCxnSpPr>
+          <p:nvPr/>
+        </p:nvCxnSpPr>
+        <p:spPr>
+          <a:xfrm>
+            <a:off x="8886114" y="1839279"/>
+            <a:ext cx="7854" cy="812543"/>
+          </a:xfrm>
+          <a:prstGeom prst="bentConnector3">
+            <a:avLst>
+              <a:gd name="adj1" fmla="val 3010619"/>
+            </a:avLst>
+          </a:prstGeom>
+          <a:ln w="12700" cmpd="sng">
+            <a:solidFill>
+              <a:schemeClr val="tx1"/>
+            </a:solidFill>
+            <a:headEnd type="none"/>
+            <a:tailEnd type="triangle"/>
+          </a:ln>
+          <a:effectLst/>
+        </p:spPr>
+        <p:style>
+          <a:lnRef idx="2">
+            <a:schemeClr val="accent1"/>
+          </a:lnRef>
+          <a:fillRef idx="0">
+            <a:schemeClr val="accent1"/>
+          </a:fillRef>
+          <a:effectRef idx="1">
+            <a:schemeClr val="accent1"/>
+          </a:effectRef>
+          <a:fontRef idx="minor">
+            <a:schemeClr val="tx1"/>
+          </a:fontRef>
+        </p:style>
+      </p:cxnSp>
+      <p:cxnSp>
+        <p:nvCxnSpPr>
+          <p:cNvPr id="65" name="Conector recto 115"/>
+          <p:cNvCxnSpPr>
+            <a:stCxn id="113" idx="1"/>
+            <a:endCxn id="66" idx="3"/>
+          </p:cNvCxnSpPr>
+          <p:nvPr/>
+        </p:nvCxnSpPr>
+        <p:spPr>
+          <a:xfrm flipH="1" flipV="1">
+            <a:off x="2819643" y="2020315"/>
+            <a:ext cx="356170" cy="1"/>
+          </a:xfrm>
+          <a:prstGeom prst="line">
+            <a:avLst/>
+          </a:prstGeom>
+          <a:ln w="12700" cmpd="sng">
+            <a:solidFill>
+              <a:srgbClr val="000000"/>
+            </a:solidFill>
+            <a:headEnd type="none"/>
+            <a:tailEnd type="triangle"/>
+          </a:ln>
+          <a:effectLst/>
+        </p:spPr>
+        <p:style>
+          <a:lnRef idx="2">
+            <a:schemeClr val="accent1"/>
+          </a:lnRef>
+          <a:fillRef idx="0">
+            <a:schemeClr val="accent1"/>
+          </a:fillRef>
+          <a:effectRef idx="1">
+            <a:schemeClr val="accent1"/>
+          </a:effectRef>
+          <a:fontRef idx="minor">
+            <a:schemeClr val="tx1"/>
+          </a:fontRef>
+        </p:style>
+      </p:cxnSp>
+      <p:sp>
+        <p:nvSpPr>
+          <p:cNvPr id="66" name="Rectángulo 96"/>
+          <p:cNvSpPr/>
+          <p:nvPr/>
+        </p:nvSpPr>
+        <p:spPr>
+          <a:xfrm>
+            <a:off x="1846439" y="1865948"/>
+            <a:ext cx="973204" cy="308733"/>
+          </a:xfrm>
+          <a:prstGeom prst="rect">
+            <a:avLst/>
+          </a:prstGeom>
+          <a:solidFill>
+            <a:schemeClr val="accent6">
+              <a:lumMod val="20000"/>
+              <a:lumOff val="80000"/>
+            </a:schemeClr>
+          </a:solidFill>
+          <a:ln>
+            <a:solidFill>
+              <a:schemeClr val="tx1"/>
+            </a:solidFill>
+          </a:ln>
+          <a:effectLst/>
+        </p:spPr>
+        <p:style>
+          <a:lnRef idx="1">
+            <a:schemeClr val="accent1"/>
+          </a:lnRef>
+          <a:fillRef idx="3">
+            <a:schemeClr val="accent1"/>
+          </a:fillRef>
+          <a:effectRef idx="2">
+            <a:schemeClr val="accent1"/>
+          </a:effectRef>
+          <a:fontRef idx="minor">
+            <a:schemeClr val="lt1"/>
+          </a:fontRef>
+        </p:style>
+        <p:txBody>
+          <a:bodyPr rtlCol="0" anchor="ctr"/>
+          <a:lstStyle/>
+          <a:p>
+            <a:pPr algn="ctr"/>
+            <a:r>
+              <a:rPr lang="en-GB" sz="1000" dirty="0" smtClean="0">
+                <a:solidFill>
+                  <a:schemeClr val="tx1"/>
+                </a:solidFill>
+              </a:rPr>
+              <a:t>WMS</a:t>
+            </a:r>
+          </a:p>
+          <a:p>
+            <a:pPr algn="ctr"/>
+            <a:r>
+              <a:rPr lang="en-GB" sz="1000" dirty="0" smtClean="0">
+                <a:solidFill>
+                  <a:schemeClr val="tx1"/>
+                </a:solidFill>
+              </a:rPr>
+              <a:t>requirements</a:t>
+            </a:r>
+          </a:p>
+        </p:txBody>
+      </p:sp>
+      <p:cxnSp>
+        <p:nvCxnSpPr>
+          <p:cNvPr id="67" name="Conector recto 115"/>
+          <p:cNvCxnSpPr>
+            <a:stCxn id="7" idx="2"/>
+            <a:endCxn id="8" idx="0"/>
+          </p:cNvCxnSpPr>
+          <p:nvPr/>
+        </p:nvCxnSpPr>
+        <p:spPr>
+          <a:xfrm>
+            <a:off x="1046014" y="2174682"/>
+            <a:ext cx="0" cy="397706"/>
+          </a:xfrm>
+          <a:prstGeom prst="line">
+            <a:avLst/>
+          </a:prstGeom>
+          <a:ln w="12700" cmpd="sng">
+            <a:solidFill>
+              <a:srgbClr val="000000"/>
+            </a:solidFill>
+            <a:headEnd type="none"/>
+            <a:tailEnd type="triangle"/>
+          </a:ln>
+          <a:effectLst/>
+        </p:spPr>
+        <p:style>
+          <a:lnRef idx="2">
+            <a:schemeClr val="accent1"/>
+          </a:lnRef>
+          <a:fillRef idx="0">
+            <a:schemeClr val="accent1"/>
+          </a:fillRef>
+          <a:effectRef idx="1">
+            <a:schemeClr val="accent1"/>
+          </a:effectRef>
+          <a:fontRef idx="minor">
+            <a:schemeClr val="tx1"/>
+          </a:fontRef>
+        </p:style>
+      </p:cxnSp>
+      <p:sp>
+        <p:nvSpPr>
+          <p:cNvPr id="68" name="Rectángulo 67"/>
+          <p:cNvSpPr/>
+          <p:nvPr/>
+        </p:nvSpPr>
+        <p:spPr>
+          <a:xfrm>
+            <a:off x="3213896" y="5426690"/>
+            <a:ext cx="914771" cy="463103"/>
+          </a:xfrm>
+          <a:prstGeom prst="rect">
+            <a:avLst/>
+          </a:prstGeom>
+          <a:noFill/>
+          <a:ln>
+            <a:solidFill>
+              <a:schemeClr val="tx1"/>
+            </a:solidFill>
+          </a:ln>
+          <a:effectLst/>
+        </p:spPr>
+        <p:style>
+          <a:lnRef idx="1">
+            <a:schemeClr val="accent1"/>
+          </a:lnRef>
+          <a:fillRef idx="3">
+            <a:schemeClr val="accent1"/>
+          </a:fillRef>
+          <a:effectRef idx="2">
+            <a:schemeClr val="accent1"/>
+          </a:effectRef>
+          <a:fontRef idx="minor">
+            <a:schemeClr val="lt1"/>
+          </a:fontRef>
+        </p:style>
+        <p:txBody>
+          <a:bodyPr rtlCol="0" anchor="ctr"/>
+          <a:lstStyle/>
+          <a:p>
+            <a:pPr algn="ctr"/>
+            <a:r>
+              <a:rPr lang="en-GB" sz="1000" dirty="0" smtClean="0">
+                <a:solidFill>
+                  <a:schemeClr val="tx1"/>
+                </a:solidFill>
+              </a:rPr>
+              <a:t>AWS </a:t>
+            </a:r>
+            <a:r>
+              <a:rPr lang="en-GB" sz="1000" dirty="0" smtClean="0">
+                <a:solidFill>
+                  <a:schemeClr val="tx1"/>
+                </a:solidFill>
+              </a:rPr>
+              <a:t>CentOS</a:t>
+            </a:r>
+            <a:r>
+              <a:rPr lang="en-GB" sz="1000" dirty="0" smtClean="0">
+                <a:solidFill>
+                  <a:schemeClr val="tx1"/>
+                </a:solidFill>
+              </a:rPr>
+              <a:t>6</a:t>
+            </a:r>
+          </a:p>
+          <a:p>
+            <a:pPr algn="ctr"/>
+            <a:r>
+              <a:rPr lang="en-GB" sz="1000" dirty="0" smtClean="0">
+                <a:solidFill>
+                  <a:schemeClr val="tx1"/>
+                </a:solidFill>
+              </a:rPr>
+              <a:t>40GBDisk HW</a:t>
+            </a:r>
+            <a:endParaRPr lang="en-GB" sz="1000" dirty="0" smtClean="0">
+              <a:solidFill>
+                <a:schemeClr val="tx1"/>
+              </a:solidFill>
+            </a:endParaRPr>
+          </a:p>
+        </p:txBody>
+      </p:sp>
+      <p:sp>
+        <p:nvSpPr>
+          <p:cNvPr id="69" name="Rectángulo 68"/>
+          <p:cNvSpPr/>
+          <p:nvPr/>
+        </p:nvSpPr>
+        <p:spPr>
+          <a:xfrm>
+            <a:off x="3213896" y="6284288"/>
+            <a:ext cx="914771" cy="463103"/>
+          </a:xfrm>
+          <a:prstGeom prst="rect">
+            <a:avLst/>
+          </a:prstGeom>
+          <a:noFill/>
+          <a:ln>
+            <a:solidFill>
+              <a:schemeClr val="tx1"/>
+            </a:solidFill>
+          </a:ln>
+          <a:effectLst/>
+        </p:spPr>
+        <p:style>
+          <a:lnRef idx="1">
+            <a:schemeClr val="accent1"/>
+          </a:lnRef>
+          <a:fillRef idx="3">
+            <a:schemeClr val="accent1"/>
+          </a:fillRef>
+          <a:effectRef idx="2">
+            <a:schemeClr val="accent1"/>
+          </a:effectRef>
+          <a:fontRef idx="minor">
+            <a:schemeClr val="lt1"/>
+          </a:fontRef>
+        </p:style>
+        <p:txBody>
+          <a:bodyPr rtlCol="0" anchor="ctr"/>
+          <a:lstStyle/>
+          <a:p>
+            <a:pPr algn="ctr"/>
+            <a:r>
+              <a:rPr lang="en-GB" sz="1000" dirty="0" smtClean="0">
+                <a:solidFill>
+                  <a:schemeClr val="tx1"/>
+                </a:solidFill>
+              </a:rPr>
+              <a:t>FG </a:t>
+            </a:r>
+            <a:r>
+              <a:rPr lang="en-GB" sz="1000" dirty="0" smtClean="0">
+                <a:solidFill>
+                  <a:schemeClr val="tx1"/>
+                </a:solidFill>
+              </a:rPr>
+              <a:t>CentOS6</a:t>
+            </a:r>
+          </a:p>
+          <a:p>
+            <a:pPr algn="ctr"/>
+            <a:r>
+              <a:rPr lang="en-GB" sz="1000" dirty="0" smtClean="0">
+                <a:solidFill>
+                  <a:schemeClr val="tx1"/>
+                </a:solidFill>
+              </a:rPr>
+              <a:t>40GBDisk HW</a:t>
+            </a:r>
+            <a:endParaRPr lang="en-GB" sz="1000" dirty="0" smtClean="0">
+              <a:solidFill>
+                <a:schemeClr val="tx1"/>
+              </a:solidFill>
+            </a:endParaRPr>
+          </a:p>
+        </p:txBody>
+      </p:sp>
+      <p:sp>
+        <p:nvSpPr>
+          <p:cNvPr id="70" name="Rectángulo 69"/>
+          <p:cNvSpPr/>
+          <p:nvPr/>
+        </p:nvSpPr>
+        <p:spPr>
+          <a:xfrm>
+            <a:off x="2479538" y="5349705"/>
+            <a:ext cx="457385" cy="154368"/>
+          </a:xfrm>
+          <a:prstGeom prst="rect">
+            <a:avLst/>
+          </a:prstGeom>
+          <a:noFill/>
+          <a:ln>
+            <a:solidFill>
+              <a:schemeClr val="tx1"/>
+            </a:solidFill>
+          </a:ln>
+          <a:effectLst/>
+        </p:spPr>
+        <p:style>
+          <a:lnRef idx="1">
+            <a:schemeClr val="accent1"/>
+          </a:lnRef>
+          <a:fillRef idx="3">
+            <a:schemeClr val="accent1"/>
+          </a:fillRef>
+          <a:effectRef idx="2">
+            <a:schemeClr val="accent1"/>
+          </a:effectRef>
+          <a:fontRef idx="minor">
+            <a:schemeClr val="lt1"/>
+          </a:fontRef>
+        </p:style>
+        <p:txBody>
+          <a:bodyPr rtlCol="0" anchor="ctr"/>
+          <a:lstStyle/>
+          <a:p>
+            <a:pPr algn="ctr"/>
+            <a:r>
+              <a:rPr lang="en-GB" sz="1000" dirty="0" smtClean="0">
+                <a:solidFill>
+                  <a:schemeClr val="tx1"/>
+                </a:solidFill>
+              </a:rPr>
+              <a:t>CPU</a:t>
+            </a:r>
+          </a:p>
+        </p:txBody>
+      </p:sp>
+      <p:sp>
+        <p:nvSpPr>
+          <p:cNvPr id="71" name="Rectángulo 70"/>
+          <p:cNvSpPr/>
+          <p:nvPr/>
+        </p:nvSpPr>
+        <p:spPr>
+          <a:xfrm>
+            <a:off x="2479538" y="5581255"/>
+            <a:ext cx="457385" cy="154368"/>
+          </a:xfrm>
+          <a:prstGeom prst="rect">
+            <a:avLst/>
+          </a:prstGeom>
+          <a:noFill/>
+          <a:ln>
+            <a:solidFill>
+              <a:schemeClr val="tx1"/>
+            </a:solidFill>
+          </a:ln>
+          <a:effectLst/>
+        </p:spPr>
+        <p:style>
+          <a:lnRef idx="1">
+            <a:schemeClr val="accent1"/>
+          </a:lnRef>
+          <a:fillRef idx="3">
+            <a:schemeClr val="accent1"/>
+          </a:fillRef>
+          <a:effectRef idx="2">
+            <a:schemeClr val="accent1"/>
+          </a:effectRef>
+          <a:fontRef idx="minor">
+            <a:schemeClr val="lt1"/>
+          </a:fontRef>
+        </p:style>
+        <p:txBody>
+          <a:bodyPr rtlCol="0" anchor="ctr"/>
+          <a:lstStyle/>
+          <a:p>
+            <a:pPr algn="ctr"/>
+            <a:r>
+              <a:rPr lang="en-GB" sz="1000" dirty="0" smtClean="0">
+                <a:solidFill>
+                  <a:schemeClr val="tx1"/>
+                </a:solidFill>
+              </a:rPr>
+              <a:t>RAM</a:t>
+            </a:r>
+          </a:p>
+        </p:txBody>
+      </p:sp>
+      <p:sp>
+        <p:nvSpPr>
+          <p:cNvPr id="72" name="Rectángulo 71"/>
+          <p:cNvSpPr/>
+          <p:nvPr/>
+        </p:nvSpPr>
+        <p:spPr>
+          <a:xfrm>
+            <a:off x="2479538" y="5815466"/>
+            <a:ext cx="457385" cy="154368"/>
+          </a:xfrm>
+          <a:prstGeom prst="rect">
+            <a:avLst/>
+          </a:prstGeom>
+          <a:noFill/>
+          <a:ln>
+            <a:solidFill>
+              <a:schemeClr val="tx1"/>
+            </a:solidFill>
+          </a:ln>
+          <a:effectLst/>
+        </p:spPr>
+        <p:style>
+          <a:lnRef idx="1">
+            <a:schemeClr val="accent1"/>
+          </a:lnRef>
+          <a:fillRef idx="3">
+            <a:schemeClr val="accent1"/>
+          </a:fillRef>
+          <a:effectRef idx="2">
+            <a:schemeClr val="accent1"/>
+          </a:effectRef>
+          <a:fontRef idx="minor">
+            <a:schemeClr val="lt1"/>
+          </a:fontRef>
+        </p:style>
+        <p:txBody>
+          <a:bodyPr rtlCol="0" anchor="ctr"/>
+          <a:lstStyle/>
+          <a:p>
+            <a:pPr algn="ctr"/>
+            <a:r>
+              <a:rPr lang="en-GB" sz="1000" dirty="0" smtClean="0">
+                <a:solidFill>
+                  <a:schemeClr val="tx1"/>
+                </a:solidFill>
+              </a:rPr>
+              <a:t>DISK</a:t>
+            </a:r>
+          </a:p>
+        </p:txBody>
+      </p:sp>
+      <p:sp>
+        <p:nvSpPr>
+          <p:cNvPr id="73" name="Rectángulo 72"/>
+          <p:cNvSpPr/>
+          <p:nvPr/>
+        </p:nvSpPr>
+        <p:spPr>
+          <a:xfrm>
+            <a:off x="2470646" y="6204444"/>
+            <a:ext cx="457385" cy="154368"/>
+          </a:xfrm>
+          <a:prstGeom prst="rect">
+            <a:avLst/>
+          </a:prstGeom>
+          <a:noFill/>
+          <a:ln>
+            <a:solidFill>
+              <a:schemeClr val="tx1"/>
+            </a:solidFill>
+          </a:ln>
+          <a:effectLst/>
+        </p:spPr>
+        <p:style>
+          <a:lnRef idx="1">
+            <a:schemeClr val="accent1"/>
+          </a:lnRef>
+          <a:fillRef idx="3">
+            <a:schemeClr val="accent1"/>
+          </a:fillRef>
+          <a:effectRef idx="2">
+            <a:schemeClr val="accent1"/>
+          </a:effectRef>
+          <a:fontRef idx="minor">
+            <a:schemeClr val="lt1"/>
+          </a:fontRef>
+        </p:style>
+        <p:txBody>
+          <a:bodyPr rtlCol="0" anchor="ctr"/>
+          <a:lstStyle/>
+          <a:p>
+            <a:pPr algn="ctr"/>
+            <a:r>
+              <a:rPr lang="en-GB" sz="1000" dirty="0" smtClean="0">
+                <a:solidFill>
+                  <a:schemeClr val="tx1"/>
+                </a:solidFill>
+              </a:rPr>
+              <a:t>CPU</a:t>
+            </a:r>
+          </a:p>
+        </p:txBody>
+      </p:sp>
+      <p:sp>
+        <p:nvSpPr>
+          <p:cNvPr id="74" name="Rectángulo 73"/>
+          <p:cNvSpPr/>
+          <p:nvPr/>
+        </p:nvSpPr>
+        <p:spPr>
+          <a:xfrm>
+            <a:off x="2470646" y="6435995"/>
+            <a:ext cx="457385" cy="154368"/>
+          </a:xfrm>
+          <a:prstGeom prst="rect">
+            <a:avLst/>
+          </a:prstGeom>
+          <a:noFill/>
+          <a:ln>
+            <a:solidFill>
+              <a:schemeClr val="tx1"/>
+            </a:solidFill>
+          </a:ln>
+          <a:effectLst/>
+        </p:spPr>
+        <p:style>
+          <a:lnRef idx="1">
+            <a:schemeClr val="accent1"/>
+          </a:lnRef>
+          <a:fillRef idx="3">
+            <a:schemeClr val="accent1"/>
+          </a:fillRef>
+          <a:effectRef idx="2">
+            <a:schemeClr val="accent1"/>
+          </a:effectRef>
+          <a:fontRef idx="minor">
+            <a:schemeClr val="lt1"/>
+          </a:fontRef>
+        </p:style>
+        <p:txBody>
+          <a:bodyPr rtlCol="0" anchor="ctr"/>
+          <a:lstStyle/>
+          <a:p>
+            <a:pPr algn="ctr"/>
+            <a:r>
+              <a:rPr lang="en-GB" sz="1000" dirty="0" smtClean="0">
+                <a:solidFill>
+                  <a:schemeClr val="tx1"/>
+                </a:solidFill>
+              </a:rPr>
+              <a:t>RAM</a:t>
+            </a:r>
+          </a:p>
+        </p:txBody>
+      </p:sp>
+      <p:sp>
+        <p:nvSpPr>
+          <p:cNvPr id="75" name="Rectángulo 74"/>
+          <p:cNvSpPr/>
+          <p:nvPr/>
+        </p:nvSpPr>
+        <p:spPr>
+          <a:xfrm>
+            <a:off x="2470646" y="6670206"/>
+            <a:ext cx="457385" cy="154368"/>
+          </a:xfrm>
+          <a:prstGeom prst="rect">
+            <a:avLst/>
+          </a:prstGeom>
+          <a:noFill/>
+          <a:ln>
+            <a:solidFill>
+              <a:schemeClr val="tx1"/>
+            </a:solidFill>
+          </a:ln>
+          <a:effectLst/>
+        </p:spPr>
+        <p:style>
+          <a:lnRef idx="1">
+            <a:schemeClr val="accent1"/>
+          </a:lnRef>
+          <a:fillRef idx="3">
+            <a:schemeClr val="accent1"/>
+          </a:fillRef>
+          <a:effectRef idx="2">
+            <a:schemeClr val="accent1"/>
+          </a:effectRef>
+          <a:fontRef idx="minor">
+            <a:schemeClr val="lt1"/>
+          </a:fontRef>
+        </p:style>
+        <p:txBody>
+          <a:bodyPr rtlCol="0" anchor="ctr"/>
+          <a:lstStyle/>
+          <a:p>
+            <a:pPr algn="ctr"/>
+            <a:r>
+              <a:rPr lang="en-GB" sz="1000" dirty="0" smtClean="0">
+                <a:solidFill>
+                  <a:schemeClr val="tx1"/>
+                </a:solidFill>
+              </a:rPr>
+              <a:t>DISK</a:t>
+            </a:r>
+          </a:p>
+        </p:txBody>
+      </p:sp>
+      <p:cxnSp>
+        <p:nvCxnSpPr>
+          <p:cNvPr id="76" name="Conector recto 75"/>
+          <p:cNvCxnSpPr>
+            <a:stCxn id="74" idx="3"/>
+            <a:endCxn id="69" idx="1"/>
+          </p:cNvCxnSpPr>
+          <p:nvPr/>
+        </p:nvCxnSpPr>
+        <p:spPr>
+          <a:xfrm>
+            <a:off x="2928029" y="6513179"/>
+            <a:ext cx="285867" cy="2660"/>
+          </a:xfrm>
+          <a:prstGeom prst="line">
+            <a:avLst/>
+          </a:prstGeom>
+          <a:ln w="12700" cmpd="sng">
+            <a:solidFill>
+              <a:srgbClr val="000000"/>
+            </a:solidFill>
+            <a:headEnd type="none"/>
+            <a:tailEnd type="triangle"/>
+          </a:ln>
+          <a:effectLst/>
+        </p:spPr>
+        <p:style>
+          <a:lnRef idx="2">
+            <a:schemeClr val="accent1"/>
+          </a:lnRef>
+          <a:fillRef idx="0">
+            <a:schemeClr val="accent1"/>
+          </a:fillRef>
+          <a:effectRef idx="1">
+            <a:schemeClr val="accent1"/>
+          </a:effectRef>
+          <a:fontRef idx="minor">
+            <a:schemeClr val="tx1"/>
+          </a:fontRef>
+        </p:style>
+      </p:cxnSp>
+      <p:cxnSp>
+        <p:nvCxnSpPr>
+          <p:cNvPr id="77" name="Elbow Connector 105"/>
+          <p:cNvCxnSpPr>
+            <a:stCxn id="70" idx="3"/>
+            <a:endCxn id="68" idx="1"/>
+          </p:cNvCxnSpPr>
+          <p:nvPr/>
+        </p:nvCxnSpPr>
+        <p:spPr>
+          <a:xfrm>
+            <a:off x="2936923" y="5426889"/>
+            <a:ext cx="276973" cy="231352"/>
+          </a:xfrm>
+          <a:prstGeom prst="bentConnector3">
+            <a:avLst>
+              <a:gd name="adj1" fmla="val 50000"/>
+            </a:avLst>
+          </a:prstGeom>
+          <a:ln w="12700" cmpd="sng">
+            <a:solidFill>
+              <a:schemeClr val="tx1"/>
+            </a:solidFill>
+            <a:headEnd type="none"/>
+            <a:tailEnd type="triangle"/>
+          </a:ln>
+          <a:effectLst/>
+        </p:spPr>
+        <p:style>
+          <a:lnRef idx="2">
+            <a:schemeClr val="accent1"/>
+          </a:lnRef>
+          <a:fillRef idx="0">
+            <a:schemeClr val="accent1"/>
+          </a:fillRef>
+          <a:effectRef idx="1">
+            <a:schemeClr val="accent1"/>
+          </a:effectRef>
+          <a:fontRef idx="minor">
+            <a:schemeClr val="tx1"/>
+          </a:fontRef>
+        </p:style>
+      </p:cxnSp>
+      <p:cxnSp>
+        <p:nvCxnSpPr>
+          <p:cNvPr id="78" name="Elbow Connector 107"/>
+          <p:cNvCxnSpPr>
+            <a:stCxn id="72" idx="3"/>
+            <a:endCxn id="68" idx="1"/>
+          </p:cNvCxnSpPr>
+          <p:nvPr/>
+        </p:nvCxnSpPr>
+        <p:spPr>
+          <a:xfrm flipV="1">
+            <a:off x="2936923" y="5658242"/>
+            <a:ext cx="276973" cy="234409"/>
+          </a:xfrm>
+          <a:prstGeom prst="bentConnector3">
+            <a:avLst>
+              <a:gd name="adj1" fmla="val 50000"/>
+            </a:avLst>
+          </a:prstGeom>
+          <a:ln w="12700" cmpd="sng">
+            <a:solidFill>
+              <a:schemeClr val="tx1"/>
+            </a:solidFill>
+            <a:headEnd type="none"/>
+            <a:tailEnd type="triangle"/>
+          </a:ln>
+          <a:effectLst/>
+        </p:spPr>
+        <p:style>
+          <a:lnRef idx="2">
+            <a:schemeClr val="accent1"/>
+          </a:lnRef>
+          <a:fillRef idx="0">
+            <a:schemeClr val="accent1"/>
+          </a:fillRef>
+          <a:effectRef idx="1">
+            <a:schemeClr val="accent1"/>
+          </a:effectRef>
+          <a:fontRef idx="minor">
+            <a:schemeClr val="tx1"/>
+          </a:fontRef>
+        </p:style>
+      </p:cxnSp>
+      <p:cxnSp>
+        <p:nvCxnSpPr>
+          <p:cNvPr id="79" name="Conector recto 115"/>
+          <p:cNvCxnSpPr>
+            <a:stCxn id="71" idx="3"/>
+            <a:endCxn id="68" idx="1"/>
+          </p:cNvCxnSpPr>
+          <p:nvPr/>
+        </p:nvCxnSpPr>
+        <p:spPr>
+          <a:xfrm flipV="1">
+            <a:off x="2936923" y="5658241"/>
+            <a:ext cx="276973" cy="198"/>
+          </a:xfrm>
+          <a:prstGeom prst="line">
+            <a:avLst/>
+          </a:prstGeom>
+          <a:ln w="12700" cmpd="sng">
+            <a:solidFill>
+              <a:srgbClr val="000000"/>
+            </a:solidFill>
+            <a:headEnd type="none"/>
+            <a:tailEnd type="triangle"/>
+          </a:ln>
+          <a:effectLst/>
+        </p:spPr>
+        <p:style>
+          <a:lnRef idx="2">
+            <a:schemeClr val="accent1"/>
+          </a:lnRef>
+          <a:fillRef idx="0">
+            <a:schemeClr val="accent1"/>
+          </a:fillRef>
+          <a:effectRef idx="1">
+            <a:schemeClr val="accent1"/>
+          </a:effectRef>
+          <a:fontRef idx="minor">
+            <a:schemeClr val="tx1"/>
+          </a:fontRef>
+        </p:style>
+      </p:cxnSp>
+      <p:cxnSp>
+        <p:nvCxnSpPr>
+          <p:cNvPr id="80" name="Elbow Connector 110"/>
+          <p:cNvCxnSpPr>
+            <a:stCxn id="75" idx="3"/>
+            <a:endCxn id="69" idx="1"/>
+          </p:cNvCxnSpPr>
+          <p:nvPr/>
+        </p:nvCxnSpPr>
+        <p:spPr>
+          <a:xfrm flipV="1">
+            <a:off x="2928029" y="6515839"/>
+            <a:ext cx="285867" cy="231551"/>
+          </a:xfrm>
+          <a:prstGeom prst="bentConnector3">
+            <a:avLst>
+              <a:gd name="adj1" fmla="val 50000"/>
+            </a:avLst>
+          </a:prstGeom>
+          <a:ln w="12700" cmpd="sng">
+            <a:solidFill>
+              <a:schemeClr val="tx1"/>
+            </a:solidFill>
+            <a:headEnd type="none"/>
+            <a:tailEnd type="triangle"/>
+          </a:ln>
+          <a:effectLst/>
+        </p:spPr>
+        <p:style>
+          <a:lnRef idx="2">
+            <a:schemeClr val="accent1"/>
+          </a:lnRef>
+          <a:fillRef idx="0">
+            <a:schemeClr val="accent1"/>
+          </a:fillRef>
+          <a:effectRef idx="1">
+            <a:schemeClr val="accent1"/>
+          </a:effectRef>
+          <a:fontRef idx="minor">
+            <a:schemeClr val="tx1"/>
+          </a:fontRef>
+        </p:style>
+      </p:cxnSp>
+      <p:cxnSp>
+        <p:nvCxnSpPr>
+          <p:cNvPr id="81" name="Elbow Connector 111"/>
+          <p:cNvCxnSpPr>
+            <a:stCxn id="73" idx="3"/>
+            <a:endCxn id="69" idx="1"/>
+          </p:cNvCxnSpPr>
+          <p:nvPr/>
+        </p:nvCxnSpPr>
+        <p:spPr>
+          <a:xfrm>
+            <a:off x="2928029" y="6281628"/>
+            <a:ext cx="285867" cy="234210"/>
+          </a:xfrm>
+          <a:prstGeom prst="bentConnector3">
+            <a:avLst>
+              <a:gd name="adj1" fmla="val 50000"/>
+            </a:avLst>
+          </a:prstGeom>
+          <a:ln w="12700" cmpd="sng">
+            <a:solidFill>
+              <a:schemeClr val="tx1"/>
+            </a:solidFill>
+            <a:headEnd type="none"/>
+            <a:tailEnd type="triangle"/>
+          </a:ln>
+          <a:effectLst/>
+        </p:spPr>
+        <p:style>
+          <a:lnRef idx="2">
+            <a:schemeClr val="accent1"/>
+          </a:lnRef>
+          <a:fillRef idx="0">
+            <a:schemeClr val="accent1"/>
+          </a:fillRef>
+          <a:effectRef idx="1">
+            <a:schemeClr val="accent1"/>
+          </a:effectRef>
+          <a:fontRef idx="minor">
+            <a:schemeClr val="tx1"/>
+          </a:fontRef>
+        </p:style>
+      </p:cxnSp>
+      <p:sp>
+        <p:nvSpPr>
+          <p:cNvPr id="82" name="Rectángulo 81"/>
+          <p:cNvSpPr/>
+          <p:nvPr/>
+        </p:nvSpPr>
+        <p:spPr>
+          <a:xfrm>
+            <a:off x="6672082" y="6597114"/>
+            <a:ext cx="970312" cy="308735"/>
+          </a:xfrm>
+          <a:prstGeom prst="rect">
+            <a:avLst/>
+          </a:prstGeom>
+          <a:noFill/>
+          <a:ln>
+            <a:solidFill>
+              <a:schemeClr val="tx1"/>
+            </a:solidFill>
+          </a:ln>
+          <a:effectLst/>
+        </p:spPr>
+        <p:style>
+          <a:lnRef idx="1">
+            <a:schemeClr val="accent1"/>
+          </a:lnRef>
+          <a:fillRef idx="3">
+            <a:schemeClr val="accent1"/>
+          </a:fillRef>
+          <a:effectRef idx="2">
+            <a:schemeClr val="accent1"/>
+          </a:effectRef>
+          <a:fontRef idx="minor">
+            <a:schemeClr val="lt1"/>
+          </a:fontRef>
+        </p:style>
+        <p:txBody>
+          <a:bodyPr rtlCol="0" anchor="ctr"/>
+          <a:lstStyle/>
+          <a:p>
+            <a:pPr algn="ctr"/>
+            <a:r>
+              <a:rPr lang="en-GB" sz="1000" dirty="0" smtClean="0">
+                <a:solidFill>
+                  <a:schemeClr val="tx1"/>
+                </a:solidFill>
+              </a:rPr>
+              <a:t>AWS </a:t>
+            </a:r>
+            <a:r>
+              <a:rPr lang="en-GB" sz="1000" dirty="0" err="1" smtClean="0">
+                <a:solidFill>
+                  <a:schemeClr val="tx1"/>
+                </a:solidFill>
+              </a:rPr>
+              <a:t>CentOS</a:t>
+            </a:r>
+            <a:r>
+              <a:rPr lang="en-GB" sz="1000" dirty="0" smtClean="0">
+                <a:solidFill>
+                  <a:schemeClr val="tx1"/>
+                </a:solidFill>
+              </a:rPr>
+              <a:t> </a:t>
+            </a:r>
+            <a:r>
+              <a:rPr lang="en-GB" sz="1000" dirty="0" smtClean="0">
+                <a:solidFill>
+                  <a:schemeClr val="tx1"/>
+                </a:solidFill>
+              </a:rPr>
+              <a:t>6</a:t>
+            </a:r>
+          </a:p>
+          <a:p>
+            <a:pPr algn="ctr"/>
+            <a:r>
+              <a:rPr lang="en-GB" sz="1000" dirty="0" smtClean="0">
+                <a:solidFill>
+                  <a:schemeClr val="tx1"/>
+                </a:solidFill>
+              </a:rPr>
+              <a:t>40GB disk  </a:t>
+            </a:r>
+            <a:endParaRPr lang="en-GB" sz="1000" dirty="0" smtClean="0">
+              <a:solidFill>
+                <a:schemeClr val="tx1"/>
+              </a:solidFill>
+            </a:endParaRPr>
+          </a:p>
+        </p:txBody>
+      </p:sp>
+      <p:sp>
+        <p:nvSpPr>
+          <p:cNvPr id="83" name="Rectángulo 82"/>
+          <p:cNvSpPr/>
+          <p:nvPr/>
+        </p:nvSpPr>
+        <p:spPr>
+          <a:xfrm>
+            <a:off x="7701200" y="6597114"/>
+            <a:ext cx="1040316" cy="308735"/>
+          </a:xfrm>
+          <a:prstGeom prst="rect">
+            <a:avLst/>
+          </a:prstGeom>
+          <a:noFill/>
+          <a:ln>
+            <a:solidFill>
+              <a:schemeClr val="tx1"/>
+            </a:solidFill>
+          </a:ln>
+          <a:effectLst/>
+        </p:spPr>
+        <p:style>
+          <a:lnRef idx="1">
+            <a:schemeClr val="accent1"/>
+          </a:lnRef>
+          <a:fillRef idx="3">
+            <a:schemeClr val="accent1"/>
+          </a:fillRef>
+          <a:effectRef idx="2">
+            <a:schemeClr val="accent1"/>
+          </a:effectRef>
+          <a:fontRef idx="minor">
+            <a:schemeClr val="lt1"/>
+          </a:fontRef>
+        </p:style>
+        <p:txBody>
+          <a:bodyPr rtlCol="0" anchor="ctr"/>
+          <a:lstStyle/>
+          <a:p>
+            <a:pPr algn="ctr"/>
+            <a:r>
+              <a:rPr lang="en-GB" sz="1000" dirty="0" smtClean="0">
+                <a:solidFill>
+                  <a:schemeClr val="tx1"/>
+                </a:solidFill>
+              </a:rPr>
+              <a:t>FG </a:t>
+            </a:r>
+            <a:r>
+              <a:rPr lang="en-GB" sz="1000" dirty="0" err="1" smtClean="0">
+                <a:solidFill>
+                  <a:schemeClr val="tx1"/>
+                </a:solidFill>
+              </a:rPr>
+              <a:t>CentOS</a:t>
+            </a:r>
+            <a:r>
+              <a:rPr lang="en-GB" sz="1000" dirty="0" smtClean="0">
+                <a:solidFill>
+                  <a:schemeClr val="tx1"/>
+                </a:solidFill>
+              </a:rPr>
+              <a:t> </a:t>
+            </a:r>
+            <a:r>
+              <a:rPr lang="en-GB" sz="1000" dirty="0" smtClean="0">
+                <a:solidFill>
+                  <a:schemeClr val="tx1"/>
+                </a:solidFill>
+              </a:rPr>
+              <a:t>6</a:t>
+            </a:r>
+          </a:p>
+          <a:p>
+            <a:pPr algn="ctr"/>
+            <a:r>
+              <a:rPr lang="en-GB" sz="1000" dirty="0" smtClean="0">
+                <a:solidFill>
+                  <a:schemeClr val="tx1"/>
+                </a:solidFill>
+              </a:rPr>
+              <a:t>40GB disk</a:t>
+            </a:r>
+            <a:endParaRPr lang="en-GB" sz="1000" dirty="0" smtClean="0">
+              <a:solidFill>
+                <a:schemeClr val="tx1"/>
+              </a:solidFill>
+            </a:endParaRPr>
+          </a:p>
+        </p:txBody>
+      </p:sp>
+      <p:sp>
+        <p:nvSpPr>
+          <p:cNvPr id="87" name="Rectángulo 86"/>
+          <p:cNvSpPr/>
+          <p:nvPr/>
+        </p:nvSpPr>
+        <p:spPr>
+          <a:xfrm>
+            <a:off x="641432" y="1288098"/>
+            <a:ext cx="844468" cy="356552"/>
+          </a:xfrm>
+          <a:prstGeom prst="rect">
+            <a:avLst/>
+          </a:prstGeom>
+          <a:solidFill>
+            <a:schemeClr val="accent3">
+              <a:lumMod val="20000"/>
+              <a:lumOff val="80000"/>
+            </a:schemeClr>
+          </a:solidFill>
+          <a:ln>
+            <a:solidFill>
+              <a:schemeClr val="tx1"/>
+            </a:solidFill>
+          </a:ln>
+          <a:effectLst/>
+        </p:spPr>
+        <p:style>
+          <a:lnRef idx="1">
+            <a:schemeClr val="accent1"/>
+          </a:lnRef>
+          <a:fillRef idx="3">
+            <a:schemeClr val="accent1"/>
+          </a:fillRef>
+          <a:effectRef idx="2">
+            <a:schemeClr val="accent1"/>
+          </a:effectRef>
+          <a:fontRef idx="minor">
+            <a:schemeClr val="lt1"/>
+          </a:fontRef>
+        </p:style>
+        <p:txBody>
+          <a:bodyPr rtlCol="0" anchor="ctr"/>
+          <a:lstStyle/>
+          <a:p>
+            <a:pPr algn="ctr"/>
+            <a:r>
+              <a:rPr lang="en-GB" sz="1000" b="1" dirty="0" err="1" smtClean="0">
+                <a:solidFill>
+                  <a:schemeClr val="tx1"/>
+                </a:solidFill>
+              </a:rPr>
+              <a:t>Epigenomics</a:t>
+            </a:r>
+            <a:r>
+              <a:rPr lang="en-GB" sz="1000" b="1" dirty="0" smtClean="0">
+                <a:solidFill>
+                  <a:schemeClr val="tx1"/>
+                </a:solidFill>
+              </a:rPr>
+              <a:t> WF</a:t>
+            </a:r>
+            <a:endParaRPr lang="en-GB" sz="1000" b="1" dirty="0">
+              <a:solidFill>
+                <a:schemeClr val="tx1"/>
+              </a:solidFill>
+            </a:endParaRPr>
+          </a:p>
+        </p:txBody>
+      </p:sp>
+      <p:cxnSp>
+        <p:nvCxnSpPr>
+          <p:cNvPr id="88" name="Elbow Connector 69"/>
+          <p:cNvCxnSpPr>
+            <a:stCxn id="87" idx="3"/>
+            <a:endCxn id="66" idx="0"/>
+          </p:cNvCxnSpPr>
+          <p:nvPr/>
+        </p:nvCxnSpPr>
+        <p:spPr>
+          <a:xfrm>
+            <a:off x="1485900" y="1466374"/>
+            <a:ext cx="847141" cy="399574"/>
+          </a:xfrm>
+          <a:prstGeom prst="bentConnector2">
+            <a:avLst/>
+          </a:prstGeom>
+          <a:ln w="12700" cmpd="sng">
+            <a:solidFill>
+              <a:schemeClr val="tx1"/>
+            </a:solidFill>
+            <a:headEnd type="none"/>
+            <a:tailEnd type="triangle"/>
+          </a:ln>
+          <a:effectLst/>
+        </p:spPr>
+        <p:style>
+          <a:lnRef idx="2">
+            <a:schemeClr val="accent1"/>
+          </a:lnRef>
+          <a:fillRef idx="0">
+            <a:schemeClr val="accent1"/>
+          </a:fillRef>
+          <a:effectRef idx="1">
+            <a:schemeClr val="accent1"/>
+          </a:effectRef>
+          <a:fontRef idx="minor">
+            <a:schemeClr val="tx1"/>
+          </a:fontRef>
+        </p:style>
+      </p:cxnSp>
+      <p:sp>
+        <p:nvSpPr>
+          <p:cNvPr id="91" name="Rectángulo 90"/>
+          <p:cNvSpPr/>
+          <p:nvPr/>
+        </p:nvSpPr>
+        <p:spPr>
+          <a:xfrm>
+            <a:off x="1631002" y="710727"/>
+            <a:ext cx="823295" cy="308735"/>
+          </a:xfrm>
+          <a:prstGeom prst="rect">
+            <a:avLst/>
+          </a:prstGeom>
+          <a:solidFill>
+            <a:schemeClr val="accent3">
+              <a:lumMod val="20000"/>
+              <a:lumOff val="80000"/>
+            </a:schemeClr>
+          </a:solidFill>
+          <a:ln>
+            <a:solidFill>
+              <a:schemeClr val="tx1"/>
+            </a:solidFill>
+          </a:ln>
+          <a:effectLst/>
+        </p:spPr>
+        <p:style>
+          <a:lnRef idx="1">
+            <a:schemeClr val="accent1"/>
+          </a:lnRef>
+          <a:fillRef idx="3">
+            <a:schemeClr val="accent1"/>
+          </a:fillRef>
+          <a:effectRef idx="2">
+            <a:schemeClr val="accent1"/>
+          </a:effectRef>
+          <a:fontRef idx="minor">
+            <a:schemeClr val="lt1"/>
+          </a:fontRef>
+        </p:style>
+        <p:txBody>
+          <a:bodyPr rtlCol="0" anchor="ctr"/>
+          <a:lstStyle/>
+          <a:p>
+            <a:pPr algn="ctr"/>
+            <a:r>
+              <a:rPr lang="en-GB" sz="1000" dirty="0" err="1" smtClean="0">
+                <a:solidFill>
+                  <a:schemeClr val="tx1"/>
+                </a:solidFill>
+              </a:rPr>
+              <a:t>FastqSplit</a:t>
+            </a:r>
+            <a:r>
+              <a:rPr lang="en-GB" sz="1000" dirty="0">
+                <a:solidFill>
+                  <a:schemeClr val="tx1"/>
+                </a:solidFill>
+              </a:rPr>
+              <a:t> </a:t>
+            </a:r>
+            <a:r>
+              <a:rPr lang="en-GB" sz="1000" dirty="0" smtClean="0">
+                <a:solidFill>
+                  <a:schemeClr val="tx1"/>
+                </a:solidFill>
+              </a:rPr>
+              <a:t>WF</a:t>
+            </a:r>
+            <a:endParaRPr lang="en-GB" sz="1000" dirty="0">
+              <a:solidFill>
+                <a:schemeClr val="tx1"/>
+              </a:solidFill>
+            </a:endParaRPr>
+          </a:p>
+        </p:txBody>
+      </p:sp>
+      <p:sp>
+        <p:nvSpPr>
+          <p:cNvPr id="92" name="Rectángulo 91"/>
+          <p:cNvSpPr/>
+          <p:nvPr/>
+        </p:nvSpPr>
+        <p:spPr>
+          <a:xfrm>
+            <a:off x="649905" y="710728"/>
+            <a:ext cx="823295" cy="308735"/>
+          </a:xfrm>
+          <a:prstGeom prst="rect">
+            <a:avLst/>
+          </a:prstGeom>
+          <a:solidFill>
+            <a:schemeClr val="accent3">
+              <a:lumMod val="20000"/>
+              <a:lumOff val="80000"/>
+            </a:schemeClr>
+          </a:solidFill>
+          <a:ln>
+            <a:solidFill>
+              <a:schemeClr val="tx1"/>
+            </a:solidFill>
+          </a:ln>
+          <a:effectLst/>
+        </p:spPr>
+        <p:style>
+          <a:lnRef idx="1">
+            <a:schemeClr val="accent1"/>
+          </a:lnRef>
+          <a:fillRef idx="3">
+            <a:schemeClr val="accent1"/>
+          </a:fillRef>
+          <a:effectRef idx="2">
+            <a:schemeClr val="accent1"/>
+          </a:effectRef>
+          <a:fontRef idx="minor">
+            <a:schemeClr val="lt1"/>
+          </a:fontRef>
+        </p:style>
+        <p:txBody>
+          <a:bodyPr rtlCol="0" anchor="ctr"/>
+          <a:lstStyle/>
+          <a:p>
+            <a:pPr algn="ctr"/>
+            <a:r>
+              <a:rPr lang="en-GB" sz="1000" dirty="0" err="1" smtClean="0">
+                <a:solidFill>
+                  <a:schemeClr val="tx1"/>
+                </a:solidFill>
+              </a:rPr>
+              <a:t>SolexFilter</a:t>
+            </a:r>
+            <a:r>
+              <a:rPr lang="en-GB" sz="1000" dirty="0" smtClean="0">
+                <a:solidFill>
+                  <a:schemeClr val="tx1"/>
+                </a:solidFill>
+              </a:rPr>
+              <a:t> </a:t>
+            </a:r>
+            <a:r>
+              <a:rPr lang="en-GB" sz="1000" dirty="0" smtClean="0">
+                <a:solidFill>
+                  <a:schemeClr val="tx1"/>
+                </a:solidFill>
+              </a:rPr>
+              <a:t>WF</a:t>
+            </a:r>
+            <a:endParaRPr lang="en-GB" sz="1000" dirty="0">
+              <a:solidFill>
+                <a:schemeClr val="tx1"/>
+              </a:solidFill>
+            </a:endParaRPr>
+          </a:p>
+        </p:txBody>
+      </p:sp>
+      <p:cxnSp>
+        <p:nvCxnSpPr>
+          <p:cNvPr id="93" name="Conector recto 115"/>
+          <p:cNvCxnSpPr>
+            <a:stCxn id="87" idx="0"/>
+            <a:endCxn id="92" idx="2"/>
+          </p:cNvCxnSpPr>
+          <p:nvPr/>
+        </p:nvCxnSpPr>
+        <p:spPr>
+          <a:xfrm flipH="1" flipV="1">
+            <a:off x="1061553" y="1019463"/>
+            <a:ext cx="2113" cy="268635"/>
+          </a:xfrm>
+          <a:prstGeom prst="line">
+            <a:avLst/>
+          </a:prstGeom>
+          <a:ln w="12700" cmpd="sng">
+            <a:solidFill>
+              <a:srgbClr val="000000"/>
+            </a:solidFill>
+            <a:headEnd type="none"/>
+            <a:tailEnd type="triangle"/>
+          </a:ln>
+          <a:effectLst/>
+        </p:spPr>
+        <p:style>
+          <a:lnRef idx="2">
+            <a:schemeClr val="accent1"/>
+          </a:lnRef>
+          <a:fillRef idx="0">
+            <a:schemeClr val="accent1"/>
+          </a:fillRef>
+          <a:effectRef idx="1">
+            <a:schemeClr val="accent1"/>
+          </a:effectRef>
+          <a:fontRef idx="minor">
+            <a:schemeClr val="tx1"/>
+          </a:fontRef>
+        </p:style>
+      </p:cxnSp>
+      <p:cxnSp>
+        <p:nvCxnSpPr>
+          <p:cNvPr id="96" name="Elbow Connector 69"/>
+          <p:cNvCxnSpPr>
+            <a:stCxn id="87" idx="0"/>
+            <a:endCxn id="91" idx="2"/>
+          </p:cNvCxnSpPr>
+          <p:nvPr/>
+        </p:nvCxnSpPr>
+        <p:spPr>
+          <a:xfrm rot="5400000" flipH="1" flipV="1">
+            <a:off x="1418840" y="664288"/>
+            <a:ext cx="268636" cy="978984"/>
+          </a:xfrm>
+          <a:prstGeom prst="bentConnector3">
+            <a:avLst>
+              <a:gd name="adj1" fmla="val 50000"/>
+            </a:avLst>
+          </a:prstGeom>
+          <a:ln w="12700" cmpd="sng">
+            <a:solidFill>
+              <a:schemeClr val="tx1"/>
+            </a:solidFill>
+            <a:headEnd type="none"/>
+            <a:tailEnd type="triangle"/>
+          </a:ln>
+          <a:effectLst/>
+        </p:spPr>
+        <p:style>
+          <a:lnRef idx="2">
+            <a:schemeClr val="accent1"/>
+          </a:lnRef>
+          <a:fillRef idx="0">
+            <a:schemeClr val="accent1"/>
+          </a:fillRef>
+          <a:effectRef idx="1">
+            <a:schemeClr val="accent1"/>
+          </a:effectRef>
+          <a:fontRef idx="minor">
+            <a:schemeClr val="tx1"/>
+          </a:fontRef>
+        </p:style>
+      </p:cxnSp>
+      <p:sp>
+        <p:nvSpPr>
+          <p:cNvPr id="101" name="Rectángulo 96"/>
+          <p:cNvSpPr/>
+          <p:nvPr/>
+        </p:nvSpPr>
+        <p:spPr>
+          <a:xfrm>
+            <a:off x="647068" y="445388"/>
+            <a:ext cx="823295" cy="142763"/>
+          </a:xfrm>
+          <a:prstGeom prst="rect">
+            <a:avLst/>
+          </a:prstGeom>
+          <a:solidFill>
+            <a:schemeClr val="accent3">
+              <a:lumMod val="20000"/>
+              <a:lumOff val="80000"/>
+            </a:schemeClr>
+          </a:solidFill>
+          <a:ln>
+            <a:solidFill>
+              <a:schemeClr val="tx1"/>
+            </a:solidFill>
+          </a:ln>
+          <a:effectLst/>
+        </p:spPr>
+        <p:style>
+          <a:lnRef idx="1">
+            <a:schemeClr val="accent1"/>
+          </a:lnRef>
+          <a:fillRef idx="3">
+            <a:schemeClr val="accent1"/>
+          </a:fillRef>
+          <a:effectRef idx="2">
+            <a:schemeClr val="accent1"/>
+          </a:effectRef>
+          <a:fontRef idx="minor">
+            <a:schemeClr val="lt1"/>
+          </a:fontRef>
+        </p:style>
+        <p:txBody>
+          <a:bodyPr rtlCol="0" anchor="ctr"/>
+          <a:lstStyle/>
+          <a:p>
+            <a:pPr algn="ctr"/>
+            <a:r>
+              <a:rPr lang="en-GB" sz="900" dirty="0" smtClean="0">
+                <a:solidFill>
+                  <a:schemeClr val="tx1"/>
+                </a:solidFill>
+              </a:rPr>
+              <a:t>Requirement</a:t>
+            </a:r>
+          </a:p>
+        </p:txBody>
+      </p:sp>
+      <p:sp>
+        <p:nvSpPr>
+          <p:cNvPr id="102" name="Rectángulo 96"/>
+          <p:cNvSpPr/>
+          <p:nvPr/>
+        </p:nvSpPr>
+        <p:spPr>
+          <a:xfrm>
+            <a:off x="1631002" y="441832"/>
+            <a:ext cx="823295" cy="142763"/>
+          </a:xfrm>
+          <a:prstGeom prst="rect">
+            <a:avLst/>
+          </a:prstGeom>
+          <a:solidFill>
+            <a:schemeClr val="accent3">
+              <a:lumMod val="20000"/>
+              <a:lumOff val="80000"/>
+            </a:schemeClr>
+          </a:solidFill>
+          <a:ln>
+            <a:solidFill>
+              <a:schemeClr val="tx1"/>
+            </a:solidFill>
+          </a:ln>
+          <a:effectLst/>
+        </p:spPr>
+        <p:style>
+          <a:lnRef idx="1">
+            <a:schemeClr val="accent1"/>
+          </a:lnRef>
+          <a:fillRef idx="3">
+            <a:schemeClr val="accent1"/>
+          </a:fillRef>
+          <a:effectRef idx="2">
+            <a:schemeClr val="accent1"/>
+          </a:effectRef>
+          <a:fontRef idx="minor">
+            <a:schemeClr val="lt1"/>
+          </a:fontRef>
+        </p:style>
+        <p:txBody>
+          <a:bodyPr rtlCol="0" anchor="ctr"/>
+          <a:lstStyle/>
+          <a:p>
+            <a:pPr algn="ctr"/>
+            <a:r>
+              <a:rPr lang="en-GB" sz="900" dirty="0" smtClean="0">
+                <a:solidFill>
+                  <a:schemeClr val="tx1"/>
+                </a:solidFill>
+              </a:rPr>
+              <a:t>Requirement</a:t>
+            </a:r>
+          </a:p>
+        </p:txBody>
+      </p:sp>
+      <p:cxnSp>
+        <p:nvCxnSpPr>
+          <p:cNvPr id="103" name="Conector recto 115"/>
+          <p:cNvCxnSpPr>
+            <a:stCxn id="92" idx="0"/>
+            <a:endCxn id="101" idx="2"/>
+          </p:cNvCxnSpPr>
+          <p:nvPr/>
+        </p:nvCxnSpPr>
+        <p:spPr>
+          <a:xfrm flipH="1" flipV="1">
+            <a:off x="1058716" y="588151"/>
+            <a:ext cx="2837" cy="122577"/>
+          </a:xfrm>
+          <a:prstGeom prst="line">
+            <a:avLst/>
+          </a:prstGeom>
+          <a:ln w="12700" cmpd="sng">
+            <a:solidFill>
+              <a:srgbClr val="000000"/>
+            </a:solidFill>
+            <a:headEnd type="none"/>
+            <a:tailEnd type="triangle"/>
+          </a:ln>
+          <a:effectLst/>
+        </p:spPr>
+        <p:style>
+          <a:lnRef idx="2">
+            <a:schemeClr val="accent1"/>
+          </a:lnRef>
+          <a:fillRef idx="0">
+            <a:schemeClr val="accent1"/>
+          </a:fillRef>
+          <a:effectRef idx="1">
+            <a:schemeClr val="accent1"/>
+          </a:effectRef>
+          <a:fontRef idx="minor">
+            <a:schemeClr val="tx1"/>
+          </a:fontRef>
+        </p:style>
+      </p:cxnSp>
+      <p:cxnSp>
+        <p:nvCxnSpPr>
+          <p:cNvPr id="106" name="Conector recto 115"/>
+          <p:cNvCxnSpPr>
+            <a:stCxn id="91" idx="0"/>
+            <a:endCxn id="102" idx="2"/>
+          </p:cNvCxnSpPr>
+          <p:nvPr/>
+        </p:nvCxnSpPr>
+        <p:spPr>
+          <a:xfrm flipV="1">
+            <a:off x="2042650" y="584595"/>
+            <a:ext cx="0" cy="126132"/>
+          </a:xfrm>
+          <a:prstGeom prst="line">
+            <a:avLst/>
+          </a:prstGeom>
+          <a:ln w="12700" cmpd="sng">
+            <a:solidFill>
+              <a:srgbClr val="000000"/>
+            </a:solidFill>
+            <a:headEnd type="none"/>
+            <a:tailEnd type="triangle"/>
+          </a:ln>
+          <a:effectLst/>
+        </p:spPr>
+        <p:style>
+          <a:lnRef idx="2">
+            <a:schemeClr val="accent1"/>
+          </a:lnRef>
+          <a:fillRef idx="0">
+            <a:schemeClr val="accent1"/>
+          </a:fillRef>
+          <a:effectRef idx="1">
+            <a:schemeClr val="accent1"/>
+          </a:effectRef>
+          <a:fontRef idx="minor">
+            <a:schemeClr val="tx1"/>
+          </a:fontRef>
+        </p:style>
+      </p:cxnSp>
+      <p:sp>
+        <p:nvSpPr>
+          <p:cNvPr id="109" name="CuadroTexto 14"/>
+          <p:cNvSpPr txBox="1"/>
+          <p:nvPr/>
+        </p:nvSpPr>
+        <p:spPr>
+          <a:xfrm>
+            <a:off x="1368761" y="722441"/>
+            <a:ext cx="365908" cy="246221"/>
+          </a:xfrm>
+          <a:prstGeom prst="rect">
+            <a:avLst/>
+          </a:prstGeom>
+          <a:noFill/>
+        </p:spPr>
+        <p:txBody>
+          <a:bodyPr wrap="square" rtlCol="0">
+            <a:spAutoFit/>
+          </a:bodyPr>
+          <a:lstStyle/>
+          <a:p>
+            <a:pPr algn="ctr"/>
+            <a:r>
+              <a:rPr lang="en-GB" sz="1000" dirty="0" smtClean="0"/>
+              <a:t>…</a:t>
+            </a:r>
+            <a:endParaRPr lang="en-GB" sz="1000" dirty="0"/>
+          </a:p>
+        </p:txBody>
+      </p:sp>
+      <p:sp>
+        <p:nvSpPr>
+          <p:cNvPr id="113" name="Rectángulo 112"/>
+          <p:cNvSpPr/>
+          <p:nvPr/>
+        </p:nvSpPr>
+        <p:spPr>
+          <a:xfrm>
+            <a:off x="3175813" y="1842040"/>
+            <a:ext cx="844468" cy="356552"/>
+          </a:xfrm>
+          <a:prstGeom prst="rect">
+            <a:avLst/>
+          </a:prstGeom>
+          <a:solidFill>
+            <a:schemeClr val="accent5">
+              <a:lumMod val="20000"/>
+              <a:lumOff val="80000"/>
+            </a:schemeClr>
+          </a:solidFill>
+          <a:ln>
+            <a:solidFill>
+              <a:schemeClr val="tx1"/>
+            </a:solidFill>
+          </a:ln>
+          <a:effectLst/>
+        </p:spPr>
+        <p:style>
+          <a:lnRef idx="1">
+            <a:schemeClr val="accent1"/>
+          </a:lnRef>
+          <a:fillRef idx="3">
+            <a:schemeClr val="accent1"/>
+          </a:fillRef>
+          <a:effectRef idx="2">
+            <a:schemeClr val="accent1"/>
+          </a:effectRef>
+          <a:fontRef idx="minor">
+            <a:schemeClr val="lt1"/>
+          </a:fontRef>
+        </p:style>
+        <p:txBody>
+          <a:bodyPr rtlCol="0" anchor="ctr"/>
+          <a:lstStyle/>
+          <a:p>
+            <a:pPr algn="ctr"/>
+            <a:r>
+              <a:rPr lang="en-GB" sz="1000" b="1" dirty="0" err="1" smtClean="0">
+                <a:solidFill>
+                  <a:schemeClr val="tx1"/>
+                </a:solidFill>
+              </a:rPr>
+              <a:t>SoyKB</a:t>
+            </a:r>
+            <a:endParaRPr lang="en-GB" sz="1000" b="1" dirty="0">
+              <a:solidFill>
+                <a:schemeClr val="tx1"/>
+              </a:solidFill>
+            </a:endParaRPr>
+          </a:p>
+          <a:p>
+            <a:pPr algn="ctr"/>
+            <a:r>
+              <a:rPr lang="en-GB" sz="1000" b="1" dirty="0" smtClean="0">
+                <a:solidFill>
+                  <a:schemeClr val="tx1"/>
+                </a:solidFill>
+              </a:rPr>
+              <a:t>WF</a:t>
+            </a:r>
+            <a:endParaRPr lang="en-GB" sz="1000" b="1" dirty="0">
+              <a:solidFill>
+                <a:schemeClr val="tx1"/>
+              </a:solidFill>
+            </a:endParaRPr>
+          </a:p>
+        </p:txBody>
+      </p:sp>
+      <p:sp>
+        <p:nvSpPr>
+          <p:cNvPr id="119" name="Rectángulo 118"/>
+          <p:cNvSpPr/>
+          <p:nvPr/>
+        </p:nvSpPr>
+        <p:spPr>
+          <a:xfrm>
+            <a:off x="2658310" y="1152780"/>
+            <a:ext cx="555603" cy="308735"/>
+          </a:xfrm>
+          <a:prstGeom prst="rect">
+            <a:avLst/>
+          </a:prstGeom>
+          <a:solidFill>
+            <a:schemeClr val="accent5">
+              <a:lumMod val="20000"/>
+              <a:lumOff val="80000"/>
+            </a:schemeClr>
+          </a:solidFill>
+          <a:ln>
+            <a:solidFill>
+              <a:schemeClr val="tx1"/>
+            </a:solidFill>
+          </a:ln>
+          <a:effectLst/>
+        </p:spPr>
+        <p:style>
+          <a:lnRef idx="1">
+            <a:schemeClr val="accent1"/>
+          </a:lnRef>
+          <a:fillRef idx="3">
+            <a:schemeClr val="accent1"/>
+          </a:fillRef>
+          <a:effectRef idx="2">
+            <a:schemeClr val="accent1"/>
+          </a:effectRef>
+          <a:fontRef idx="minor">
+            <a:schemeClr val="lt1"/>
+          </a:fontRef>
+        </p:style>
+        <p:txBody>
+          <a:bodyPr rtlCol="0" anchor="ctr"/>
+          <a:lstStyle/>
+          <a:p>
+            <a:pPr algn="ctr"/>
+            <a:r>
+              <a:rPr lang="en-GB" sz="1000" dirty="0" err="1" smtClean="0">
+                <a:solidFill>
+                  <a:schemeClr val="tx1"/>
+                </a:solidFill>
+              </a:rPr>
+              <a:t>Dedup</a:t>
+            </a:r>
+            <a:endParaRPr lang="en-GB" sz="1000" dirty="0" smtClean="0">
+              <a:solidFill>
+                <a:schemeClr val="tx1"/>
+              </a:solidFill>
+            </a:endParaRPr>
+          </a:p>
+          <a:p>
+            <a:pPr algn="ctr"/>
+            <a:r>
+              <a:rPr lang="en-GB" sz="1000" dirty="0" smtClean="0">
+                <a:solidFill>
+                  <a:schemeClr val="tx1"/>
+                </a:solidFill>
+              </a:rPr>
+              <a:t>WF</a:t>
+            </a:r>
+            <a:endParaRPr lang="en-GB" sz="1000" dirty="0">
+              <a:solidFill>
+                <a:schemeClr val="tx1"/>
+              </a:solidFill>
+            </a:endParaRPr>
+          </a:p>
+        </p:txBody>
+      </p:sp>
+      <p:sp>
+        <p:nvSpPr>
+          <p:cNvPr id="120" name="Rectángulo 119"/>
+          <p:cNvSpPr/>
+          <p:nvPr/>
+        </p:nvSpPr>
+        <p:spPr>
+          <a:xfrm>
+            <a:off x="3437154" y="1166974"/>
+            <a:ext cx="781071" cy="308735"/>
+          </a:xfrm>
+          <a:prstGeom prst="rect">
+            <a:avLst/>
+          </a:prstGeom>
+          <a:solidFill>
+            <a:schemeClr val="accent5">
+              <a:lumMod val="20000"/>
+              <a:lumOff val="80000"/>
+            </a:schemeClr>
+          </a:solidFill>
+          <a:ln>
+            <a:solidFill>
+              <a:schemeClr val="tx1"/>
+            </a:solidFill>
+          </a:ln>
+          <a:effectLst/>
+        </p:spPr>
+        <p:style>
+          <a:lnRef idx="1">
+            <a:schemeClr val="accent1"/>
+          </a:lnRef>
+          <a:fillRef idx="3">
+            <a:schemeClr val="accent1"/>
+          </a:fillRef>
+          <a:effectRef idx="2">
+            <a:schemeClr val="accent1"/>
+          </a:effectRef>
+          <a:fontRef idx="minor">
+            <a:schemeClr val="lt1"/>
+          </a:fontRef>
+        </p:style>
+        <p:txBody>
+          <a:bodyPr rtlCol="0" anchor="ctr"/>
+          <a:lstStyle/>
+          <a:p>
+            <a:pPr algn="ctr"/>
+            <a:r>
+              <a:rPr lang="en-GB" sz="1000" dirty="0" smtClean="0">
+                <a:solidFill>
+                  <a:schemeClr val="tx1"/>
+                </a:solidFill>
+              </a:rPr>
+              <a:t>Haplotype</a:t>
+            </a:r>
+          </a:p>
+          <a:p>
+            <a:pPr algn="ctr"/>
+            <a:r>
+              <a:rPr lang="en-GB" sz="1000" dirty="0" smtClean="0">
+                <a:solidFill>
+                  <a:schemeClr val="tx1"/>
+                </a:solidFill>
+              </a:rPr>
+              <a:t>WF</a:t>
+            </a:r>
+            <a:endParaRPr lang="en-GB" sz="1000" dirty="0">
+              <a:solidFill>
+                <a:schemeClr val="tx1"/>
+              </a:solidFill>
+            </a:endParaRPr>
+          </a:p>
+        </p:txBody>
+      </p:sp>
+      <p:sp>
+        <p:nvSpPr>
+          <p:cNvPr id="135" name="Rectángulo 96"/>
+          <p:cNvSpPr/>
+          <p:nvPr/>
+        </p:nvSpPr>
+        <p:spPr>
+          <a:xfrm>
+            <a:off x="2524959" y="864327"/>
+            <a:ext cx="823295" cy="142763"/>
+          </a:xfrm>
+          <a:prstGeom prst="rect">
+            <a:avLst/>
+          </a:prstGeom>
+          <a:solidFill>
+            <a:schemeClr val="accent5">
+              <a:lumMod val="20000"/>
+              <a:lumOff val="80000"/>
+            </a:schemeClr>
+          </a:solidFill>
+          <a:ln>
+            <a:solidFill>
+              <a:schemeClr val="tx1"/>
+            </a:solidFill>
+          </a:ln>
+          <a:effectLst/>
+        </p:spPr>
+        <p:style>
+          <a:lnRef idx="1">
+            <a:schemeClr val="accent1"/>
+          </a:lnRef>
+          <a:fillRef idx="3">
+            <a:schemeClr val="accent1"/>
+          </a:fillRef>
+          <a:effectRef idx="2">
+            <a:schemeClr val="accent1"/>
+          </a:effectRef>
+          <a:fontRef idx="minor">
+            <a:schemeClr val="lt1"/>
+          </a:fontRef>
+        </p:style>
+        <p:txBody>
+          <a:bodyPr rtlCol="0" anchor="ctr"/>
+          <a:lstStyle/>
+          <a:p>
+            <a:pPr algn="ctr"/>
+            <a:r>
+              <a:rPr lang="en-GB" sz="900" dirty="0" smtClean="0">
+                <a:solidFill>
+                  <a:schemeClr val="tx1"/>
+                </a:solidFill>
+              </a:rPr>
+              <a:t>Requirement</a:t>
+            </a:r>
+          </a:p>
+        </p:txBody>
+      </p:sp>
+      <p:sp>
+        <p:nvSpPr>
+          <p:cNvPr id="156" name="Rectángulo 96"/>
+          <p:cNvSpPr/>
+          <p:nvPr/>
+        </p:nvSpPr>
+        <p:spPr>
+          <a:xfrm>
+            <a:off x="3411719" y="864327"/>
+            <a:ext cx="823295" cy="142763"/>
+          </a:xfrm>
+          <a:prstGeom prst="rect">
+            <a:avLst/>
+          </a:prstGeom>
+          <a:solidFill>
+            <a:schemeClr val="accent5">
+              <a:lumMod val="20000"/>
+              <a:lumOff val="80000"/>
+            </a:schemeClr>
+          </a:solidFill>
+          <a:ln>
+            <a:solidFill>
+              <a:schemeClr val="tx1"/>
+            </a:solidFill>
+          </a:ln>
+          <a:effectLst/>
+        </p:spPr>
+        <p:style>
+          <a:lnRef idx="1">
+            <a:schemeClr val="accent1"/>
+          </a:lnRef>
+          <a:fillRef idx="3">
+            <a:schemeClr val="accent1"/>
+          </a:fillRef>
+          <a:effectRef idx="2">
+            <a:schemeClr val="accent1"/>
+          </a:effectRef>
+          <a:fontRef idx="minor">
+            <a:schemeClr val="lt1"/>
+          </a:fontRef>
+        </p:style>
+        <p:txBody>
+          <a:bodyPr rtlCol="0" anchor="ctr"/>
+          <a:lstStyle/>
+          <a:p>
+            <a:pPr algn="ctr"/>
+            <a:r>
+              <a:rPr lang="en-GB" sz="900" dirty="0" smtClean="0">
+                <a:solidFill>
+                  <a:schemeClr val="tx1"/>
+                </a:solidFill>
+              </a:rPr>
+              <a:t>Requirement</a:t>
+            </a:r>
+          </a:p>
+        </p:txBody>
+      </p:sp>
+      <p:cxnSp>
+        <p:nvCxnSpPr>
+          <p:cNvPr id="157" name="Elbow Connector 69"/>
+          <p:cNvCxnSpPr>
+            <a:stCxn id="113" idx="0"/>
+            <a:endCxn id="119" idx="2"/>
+          </p:cNvCxnSpPr>
+          <p:nvPr/>
+        </p:nvCxnSpPr>
+        <p:spPr>
+          <a:xfrm rot="16200000" flipV="1">
+            <a:off x="3076818" y="1320810"/>
+            <a:ext cx="380525" cy="661935"/>
+          </a:xfrm>
+          <a:prstGeom prst="bentConnector3">
+            <a:avLst>
+              <a:gd name="adj1" fmla="val 50000"/>
+            </a:avLst>
+          </a:prstGeom>
+          <a:ln w="12700" cmpd="sng">
+            <a:solidFill>
+              <a:schemeClr val="tx1"/>
+            </a:solidFill>
+            <a:headEnd type="none"/>
+            <a:tailEnd type="triangle"/>
+          </a:ln>
+          <a:effectLst/>
+        </p:spPr>
+        <p:style>
+          <a:lnRef idx="2">
+            <a:schemeClr val="accent1"/>
+          </a:lnRef>
+          <a:fillRef idx="0">
+            <a:schemeClr val="accent1"/>
+          </a:fillRef>
+          <a:effectRef idx="1">
+            <a:schemeClr val="accent1"/>
+          </a:effectRef>
+          <a:fontRef idx="minor">
+            <a:schemeClr val="tx1"/>
+          </a:fontRef>
+        </p:style>
+      </p:cxnSp>
+      <p:cxnSp>
+        <p:nvCxnSpPr>
+          <p:cNvPr id="160" name="Elbow Connector 69"/>
+          <p:cNvCxnSpPr>
+            <a:stCxn id="113" idx="0"/>
+            <a:endCxn id="120" idx="2"/>
+          </p:cNvCxnSpPr>
+          <p:nvPr/>
+        </p:nvCxnSpPr>
+        <p:spPr>
+          <a:xfrm rot="5400000" flipH="1" flipV="1">
+            <a:off x="3529703" y="1544054"/>
+            <a:ext cx="366331" cy="229643"/>
+          </a:xfrm>
+          <a:prstGeom prst="bentConnector3">
+            <a:avLst>
+              <a:gd name="adj1" fmla="val 51734"/>
+            </a:avLst>
+          </a:prstGeom>
+          <a:ln w="12700" cmpd="sng">
+            <a:solidFill>
+              <a:schemeClr val="tx1"/>
+            </a:solidFill>
+            <a:headEnd type="none"/>
+            <a:tailEnd type="triangle"/>
+          </a:ln>
+          <a:effectLst/>
+        </p:spPr>
+        <p:style>
+          <a:lnRef idx="2">
+            <a:schemeClr val="accent1"/>
+          </a:lnRef>
+          <a:fillRef idx="0">
+            <a:schemeClr val="accent1"/>
+          </a:fillRef>
+          <a:effectRef idx="1">
+            <a:schemeClr val="accent1"/>
+          </a:effectRef>
+          <a:fontRef idx="minor">
+            <a:schemeClr val="tx1"/>
+          </a:fontRef>
+        </p:style>
+      </p:cxnSp>
+      <p:cxnSp>
+        <p:nvCxnSpPr>
+          <p:cNvPr id="164" name="Conector recto 115"/>
+          <p:cNvCxnSpPr>
+            <a:stCxn id="119" idx="0"/>
+            <a:endCxn id="135" idx="2"/>
+          </p:cNvCxnSpPr>
+          <p:nvPr/>
+        </p:nvCxnSpPr>
+        <p:spPr>
+          <a:xfrm flipV="1">
+            <a:off x="2936112" y="1007090"/>
+            <a:ext cx="495" cy="145690"/>
+          </a:xfrm>
+          <a:prstGeom prst="line">
+            <a:avLst/>
+          </a:prstGeom>
+          <a:ln w="12700" cmpd="sng">
+            <a:solidFill>
+              <a:srgbClr val="000000"/>
+            </a:solidFill>
+            <a:headEnd type="none"/>
+            <a:tailEnd type="triangle"/>
+          </a:ln>
+          <a:effectLst/>
+        </p:spPr>
+        <p:style>
+          <a:lnRef idx="2">
+            <a:schemeClr val="accent1"/>
+          </a:lnRef>
+          <a:fillRef idx="0">
+            <a:schemeClr val="accent1"/>
+          </a:fillRef>
+          <a:effectRef idx="1">
+            <a:schemeClr val="accent1"/>
+          </a:effectRef>
+          <a:fontRef idx="minor">
+            <a:schemeClr val="tx1"/>
+          </a:fontRef>
+        </p:style>
+      </p:cxnSp>
+      <p:cxnSp>
+        <p:nvCxnSpPr>
+          <p:cNvPr id="167" name="Conector recto 115"/>
+          <p:cNvCxnSpPr>
+            <a:stCxn id="120" idx="0"/>
+            <a:endCxn id="156" idx="2"/>
+          </p:cNvCxnSpPr>
+          <p:nvPr/>
+        </p:nvCxnSpPr>
+        <p:spPr>
+          <a:xfrm flipH="1" flipV="1">
+            <a:off x="3823367" y="1007090"/>
+            <a:ext cx="4323" cy="159884"/>
+          </a:xfrm>
+          <a:prstGeom prst="line">
+            <a:avLst/>
+          </a:prstGeom>
+          <a:ln w="12700" cmpd="sng">
+            <a:solidFill>
+              <a:srgbClr val="000000"/>
+            </a:solidFill>
+            <a:headEnd type="none"/>
+            <a:tailEnd type="triangle"/>
+          </a:ln>
+          <a:effectLst/>
+        </p:spPr>
+        <p:style>
+          <a:lnRef idx="2">
+            <a:schemeClr val="accent1"/>
+          </a:lnRef>
+          <a:fillRef idx="0">
+            <a:schemeClr val="accent1"/>
+          </a:fillRef>
+          <a:effectRef idx="1">
+            <a:schemeClr val="accent1"/>
+          </a:effectRef>
+          <a:fontRef idx="minor">
+            <a:schemeClr val="tx1"/>
+          </a:fontRef>
+        </p:style>
+      </p:cxnSp>
+      <p:cxnSp>
+        <p:nvCxnSpPr>
+          <p:cNvPr id="170" name="Conector recto 115"/>
+          <p:cNvCxnSpPr>
+            <a:stCxn id="7" idx="3"/>
+            <a:endCxn id="66" idx="1"/>
+          </p:cNvCxnSpPr>
+          <p:nvPr/>
+        </p:nvCxnSpPr>
+        <p:spPr>
+          <a:xfrm flipV="1">
+            <a:off x="1457663" y="2020315"/>
+            <a:ext cx="388776" cy="1"/>
+          </a:xfrm>
+          <a:prstGeom prst="line">
+            <a:avLst/>
+          </a:prstGeom>
+          <a:ln w="12700" cmpd="sng">
+            <a:solidFill>
+              <a:srgbClr val="000000"/>
+            </a:solidFill>
+            <a:headEnd type="none"/>
+            <a:tailEnd type="triangle"/>
+          </a:ln>
+          <a:effectLst/>
+        </p:spPr>
+        <p:style>
+          <a:lnRef idx="2">
+            <a:schemeClr val="accent1"/>
+          </a:lnRef>
+          <a:fillRef idx="0">
+            <a:schemeClr val="accent1"/>
+          </a:fillRef>
+          <a:effectRef idx="1">
+            <a:schemeClr val="accent1"/>
+          </a:effectRef>
+          <a:fontRef idx="minor">
+            <a:schemeClr val="tx1"/>
+          </a:fontRef>
+        </p:style>
+      </p:cxnSp>
+      <p:cxnSp>
+        <p:nvCxnSpPr>
+          <p:cNvPr id="179" name="Elbow Connector 88"/>
+          <p:cNvCxnSpPr>
+            <a:stCxn id="15" idx="3"/>
+            <a:endCxn id="38" idx="3"/>
+          </p:cNvCxnSpPr>
+          <p:nvPr/>
+        </p:nvCxnSpPr>
+        <p:spPr>
+          <a:xfrm>
+            <a:off x="8886114" y="1839279"/>
+            <a:ext cx="7854" cy="406613"/>
+          </a:xfrm>
+          <a:prstGeom prst="bentConnector3">
+            <a:avLst>
+              <a:gd name="adj1" fmla="val 3010619"/>
+            </a:avLst>
+          </a:prstGeom>
+          <a:ln w="12700" cmpd="sng">
+            <a:solidFill>
+              <a:schemeClr val="tx1"/>
+            </a:solidFill>
+            <a:headEnd type="none"/>
+            <a:tailEnd type="triangle"/>
+          </a:ln>
+          <a:effectLst/>
+        </p:spPr>
+        <p:style>
+          <a:lnRef idx="2">
+            <a:schemeClr val="accent1"/>
+          </a:lnRef>
+          <a:fillRef idx="0">
+            <a:schemeClr val="accent1"/>
+          </a:fillRef>
+          <a:effectRef idx="1">
+            <a:schemeClr val="accent1"/>
+          </a:effectRef>
+          <a:fontRef idx="minor">
+            <a:schemeClr val="tx1"/>
+          </a:fontRef>
+        </p:style>
+      </p:cxnSp>
+      <p:cxnSp>
+        <p:nvCxnSpPr>
+          <p:cNvPr id="185" name="Elbow Connector 78"/>
+          <p:cNvCxnSpPr>
+            <a:stCxn id="17" idx="1"/>
+            <a:endCxn id="14" idx="2"/>
+          </p:cNvCxnSpPr>
+          <p:nvPr/>
+        </p:nvCxnSpPr>
+        <p:spPr>
+          <a:xfrm rot="10800000">
+            <a:off x="7169839" y="1986600"/>
+            <a:ext cx="809358" cy="665223"/>
+          </a:xfrm>
+          <a:prstGeom prst="bentConnector2">
+            <a:avLst/>
+          </a:prstGeom>
+          <a:ln w="12700" cmpd="sng">
+            <a:solidFill>
+              <a:schemeClr val="tx1"/>
+            </a:solidFill>
+            <a:headEnd type="none"/>
+            <a:tailEnd type="triangle"/>
+          </a:ln>
+          <a:effectLst/>
+        </p:spPr>
+        <p:style>
+          <a:lnRef idx="2">
+            <a:schemeClr val="accent1"/>
+          </a:lnRef>
+          <a:fillRef idx="0">
+            <a:schemeClr val="accent1"/>
+          </a:fillRef>
+          <a:effectRef idx="1">
+            <a:schemeClr val="accent1"/>
+          </a:effectRef>
+          <a:fontRef idx="minor">
+            <a:schemeClr val="tx1"/>
+          </a:fontRef>
+        </p:style>
+      </p:cxnSp>
+      <p:sp>
+        <p:nvSpPr>
+          <p:cNvPr id="191" name="Rectángulo 190"/>
+          <p:cNvSpPr/>
+          <p:nvPr/>
+        </p:nvSpPr>
+        <p:spPr>
+          <a:xfrm>
+            <a:off x="5452526" y="1677863"/>
+            <a:ext cx="914771" cy="308735"/>
+          </a:xfrm>
+          <a:prstGeom prst="rect">
+            <a:avLst/>
+          </a:prstGeom>
+          <a:solidFill>
+            <a:schemeClr val="accent5">
+              <a:lumMod val="20000"/>
+              <a:lumOff val="80000"/>
+            </a:schemeClr>
+          </a:solidFill>
+          <a:ln>
+            <a:solidFill>
+              <a:schemeClr val="tx1"/>
+            </a:solidFill>
+          </a:ln>
+          <a:effectLst/>
+        </p:spPr>
+        <p:style>
+          <a:lnRef idx="1">
+            <a:schemeClr val="accent1"/>
+          </a:lnRef>
+          <a:fillRef idx="3">
+            <a:schemeClr val="accent1"/>
+          </a:fillRef>
+          <a:effectRef idx="2">
+            <a:schemeClr val="accent1"/>
+          </a:effectRef>
+          <a:fontRef idx="minor">
+            <a:schemeClr val="lt1"/>
+          </a:fontRef>
+        </p:style>
+        <p:txBody>
+          <a:bodyPr rtlCol="0" anchor="ctr"/>
+          <a:lstStyle/>
+          <a:p>
+            <a:pPr algn="ctr"/>
+            <a:r>
+              <a:rPr lang="en-GB" sz="1000" dirty="0" err="1" smtClean="0">
+                <a:solidFill>
+                  <a:schemeClr val="tx1"/>
+                </a:solidFill>
+              </a:rPr>
+              <a:t>Sw</a:t>
+            </a:r>
+            <a:r>
+              <a:rPr lang="en-GB" sz="1000" dirty="0" smtClean="0">
+                <a:solidFill>
+                  <a:schemeClr val="tx1"/>
+                </a:solidFill>
+              </a:rPr>
+              <a:t> Bundle</a:t>
+            </a:r>
+            <a:endParaRPr lang="en-GB" sz="1000" dirty="0" smtClean="0">
+              <a:solidFill>
+                <a:schemeClr val="tx1"/>
+              </a:solidFill>
+            </a:endParaRPr>
+          </a:p>
+        </p:txBody>
+      </p:sp>
+      <p:cxnSp>
+        <p:nvCxnSpPr>
+          <p:cNvPr id="192" name="Conector recto 45"/>
+          <p:cNvCxnSpPr>
+            <a:stCxn id="14" idx="1"/>
+            <a:endCxn id="191" idx="3"/>
+          </p:cNvCxnSpPr>
+          <p:nvPr/>
+        </p:nvCxnSpPr>
+        <p:spPr>
+          <a:xfrm flipH="1" flipV="1">
+            <a:off x="6367297" y="1832231"/>
+            <a:ext cx="345156" cy="1"/>
+          </a:xfrm>
+          <a:prstGeom prst="line">
+            <a:avLst/>
+          </a:prstGeom>
+          <a:ln w="12700" cmpd="sng">
+            <a:solidFill>
+              <a:srgbClr val="000000"/>
+            </a:solidFill>
+            <a:headEnd type="triangle"/>
+          </a:ln>
+          <a:effectLst/>
+        </p:spPr>
+        <p:style>
+          <a:lnRef idx="2">
+            <a:schemeClr val="accent1"/>
+          </a:lnRef>
+          <a:fillRef idx="0">
+            <a:schemeClr val="accent1"/>
+          </a:fillRef>
+          <a:effectRef idx="1">
+            <a:schemeClr val="accent1"/>
+          </a:effectRef>
+          <a:fontRef idx="minor">
+            <a:schemeClr val="tx1"/>
+          </a:fontRef>
+        </p:style>
+      </p:cxnSp>
+      <p:cxnSp>
+        <p:nvCxnSpPr>
+          <p:cNvPr id="197" name="Elbow Connector 78"/>
+          <p:cNvCxnSpPr>
+            <a:stCxn id="196" idx="3"/>
+            <a:endCxn id="14" idx="2"/>
+          </p:cNvCxnSpPr>
+          <p:nvPr/>
+        </p:nvCxnSpPr>
+        <p:spPr>
+          <a:xfrm flipV="1">
+            <a:off x="6363824" y="1986599"/>
+            <a:ext cx="806015" cy="356488"/>
+          </a:xfrm>
+          <a:prstGeom prst="bentConnector2">
+            <a:avLst/>
+          </a:prstGeom>
+          <a:ln w="12700" cmpd="sng">
+            <a:solidFill>
+              <a:schemeClr val="tx1"/>
+            </a:solidFill>
+            <a:headEnd type="none"/>
+            <a:tailEnd type="triangle"/>
+          </a:ln>
+          <a:effectLst/>
+        </p:spPr>
+        <p:style>
+          <a:lnRef idx="2">
+            <a:schemeClr val="accent1"/>
+          </a:lnRef>
+          <a:fillRef idx="0">
+            <a:schemeClr val="accent1"/>
+          </a:fillRef>
+          <a:effectRef idx="1">
+            <a:schemeClr val="accent1"/>
+          </a:effectRef>
+          <a:fontRef idx="minor">
+            <a:schemeClr val="tx1"/>
+          </a:fontRef>
+        </p:style>
+      </p:cxnSp>
+      <p:cxnSp>
+        <p:nvCxnSpPr>
+          <p:cNvPr id="200" name="Conector recto 45"/>
+          <p:cNvCxnSpPr>
+            <a:stCxn id="191" idx="2"/>
+          </p:cNvCxnSpPr>
+          <p:nvPr/>
+        </p:nvCxnSpPr>
+        <p:spPr>
+          <a:xfrm>
+            <a:off x="5909912" y="1986598"/>
+            <a:ext cx="0" cy="740157"/>
+          </a:xfrm>
+          <a:prstGeom prst="line">
+            <a:avLst/>
+          </a:prstGeom>
+          <a:ln w="12700" cmpd="sng">
+            <a:solidFill>
+              <a:srgbClr val="000000"/>
+            </a:solidFill>
+            <a:headEnd type="triangle"/>
+          </a:ln>
+          <a:effectLst/>
+        </p:spPr>
+        <p:style>
+          <a:lnRef idx="2">
+            <a:schemeClr val="accent1"/>
+          </a:lnRef>
+          <a:fillRef idx="0">
+            <a:schemeClr val="accent1"/>
+          </a:fillRef>
+          <a:effectRef idx="1">
+            <a:schemeClr val="accent1"/>
+          </a:effectRef>
+          <a:fontRef idx="minor">
+            <a:schemeClr val="tx1"/>
+          </a:fontRef>
+        </p:style>
+      </p:cxnSp>
+      <p:sp>
+        <p:nvSpPr>
+          <p:cNvPr id="205" name="Rectángulo 204"/>
+          <p:cNvSpPr/>
+          <p:nvPr/>
+        </p:nvSpPr>
+        <p:spPr>
+          <a:xfrm>
+            <a:off x="5452526" y="2625155"/>
+            <a:ext cx="914771" cy="308735"/>
+          </a:xfrm>
+          <a:prstGeom prst="rect">
+            <a:avLst/>
+          </a:prstGeom>
+          <a:solidFill>
+            <a:schemeClr val="accent5">
+              <a:lumMod val="20000"/>
+              <a:lumOff val="80000"/>
+            </a:schemeClr>
+          </a:solidFill>
+          <a:ln>
+            <a:solidFill>
+              <a:schemeClr val="tx1"/>
+            </a:solidFill>
+          </a:ln>
+          <a:effectLst/>
+        </p:spPr>
+        <p:style>
+          <a:lnRef idx="1">
+            <a:schemeClr val="accent1"/>
+          </a:lnRef>
+          <a:fillRef idx="3">
+            <a:schemeClr val="accent1"/>
+          </a:fillRef>
+          <a:effectRef idx="2">
+            <a:schemeClr val="accent1"/>
+          </a:effectRef>
+          <a:fontRef idx="minor">
+            <a:schemeClr val="lt1"/>
+          </a:fontRef>
+        </p:style>
+        <p:txBody>
+          <a:bodyPr rtlCol="0" anchor="ctr"/>
+          <a:lstStyle/>
+          <a:p>
+            <a:pPr algn="ctr"/>
+            <a:r>
+              <a:rPr lang="en-GB" sz="1000" dirty="0" smtClean="0">
+                <a:solidFill>
+                  <a:schemeClr val="tx1"/>
+                </a:solidFill>
+              </a:rPr>
+              <a:t>BWA</a:t>
+            </a:r>
+            <a:endParaRPr lang="en-GB" sz="1000" dirty="0" smtClean="0">
+              <a:solidFill>
+                <a:schemeClr val="tx1"/>
+              </a:solidFill>
+            </a:endParaRPr>
+          </a:p>
+        </p:txBody>
+      </p:sp>
+      <p:sp>
+        <p:nvSpPr>
+          <p:cNvPr id="196" name="Rectángulo 195"/>
+          <p:cNvSpPr/>
+          <p:nvPr/>
+        </p:nvSpPr>
+        <p:spPr>
+          <a:xfrm>
+            <a:off x="5449053" y="2188719"/>
+            <a:ext cx="914771" cy="308735"/>
+          </a:xfrm>
+          <a:prstGeom prst="rect">
+            <a:avLst/>
+          </a:prstGeom>
+          <a:solidFill>
+            <a:schemeClr val="accent5">
+              <a:lumMod val="20000"/>
+              <a:lumOff val="80000"/>
+            </a:schemeClr>
+          </a:solidFill>
+          <a:ln>
+            <a:solidFill>
+              <a:schemeClr val="tx1"/>
+            </a:solidFill>
+          </a:ln>
+          <a:effectLst/>
+        </p:spPr>
+        <p:style>
+          <a:lnRef idx="1">
+            <a:schemeClr val="accent1"/>
+          </a:lnRef>
+          <a:fillRef idx="3">
+            <a:schemeClr val="accent1"/>
+          </a:fillRef>
+          <a:effectRef idx="2">
+            <a:schemeClr val="accent1"/>
+          </a:effectRef>
+          <a:fontRef idx="minor">
+            <a:schemeClr val="lt1"/>
+          </a:fontRef>
+        </p:style>
+        <p:txBody>
+          <a:bodyPr rtlCol="0" anchor="ctr"/>
+          <a:lstStyle/>
+          <a:p>
+            <a:pPr algn="ctr"/>
+            <a:r>
+              <a:rPr lang="en-GB" sz="1000" dirty="0" err="1" smtClean="0">
+                <a:solidFill>
+                  <a:schemeClr val="tx1"/>
+                </a:solidFill>
+              </a:rPr>
+              <a:t>Gtak</a:t>
+            </a:r>
+            <a:endParaRPr lang="en-GB" sz="1000" dirty="0" smtClean="0">
+              <a:solidFill>
+                <a:schemeClr val="tx1"/>
+              </a:solidFill>
+            </a:endParaRPr>
+          </a:p>
+        </p:txBody>
+      </p:sp>
+      <p:sp>
+        <p:nvSpPr>
+          <p:cNvPr id="211" name="Rectángulo 210"/>
+          <p:cNvSpPr/>
+          <p:nvPr/>
+        </p:nvSpPr>
+        <p:spPr>
+          <a:xfrm>
+            <a:off x="5452526" y="3285555"/>
+            <a:ext cx="914771" cy="308735"/>
+          </a:xfrm>
+          <a:prstGeom prst="rect">
+            <a:avLst/>
+          </a:prstGeom>
+          <a:solidFill>
+            <a:schemeClr val="accent3">
+              <a:lumMod val="20000"/>
+              <a:lumOff val="80000"/>
+            </a:schemeClr>
+          </a:solidFill>
+          <a:ln>
+            <a:solidFill>
+              <a:schemeClr val="tx1"/>
+            </a:solidFill>
+          </a:ln>
+          <a:effectLst/>
+        </p:spPr>
+        <p:style>
+          <a:lnRef idx="1">
+            <a:schemeClr val="accent1"/>
+          </a:lnRef>
+          <a:fillRef idx="3">
+            <a:schemeClr val="accent1"/>
+          </a:fillRef>
+          <a:effectRef idx="2">
+            <a:schemeClr val="accent1"/>
+          </a:effectRef>
+          <a:fontRef idx="minor">
+            <a:schemeClr val="lt1"/>
+          </a:fontRef>
+        </p:style>
+        <p:txBody>
+          <a:bodyPr rtlCol="0" anchor="ctr"/>
+          <a:lstStyle/>
+          <a:p>
+            <a:pPr algn="ctr"/>
+            <a:r>
+              <a:rPr lang="en-GB" sz="1000" dirty="0" smtClean="0">
+                <a:solidFill>
+                  <a:schemeClr val="tx1"/>
+                </a:solidFill>
+              </a:rPr>
+              <a:t>Perl5</a:t>
+            </a:r>
+            <a:endParaRPr lang="en-GB" sz="1000" dirty="0" smtClean="0">
+              <a:solidFill>
+                <a:schemeClr val="tx1"/>
+              </a:solidFill>
+            </a:endParaRPr>
+          </a:p>
+        </p:txBody>
+      </p:sp>
       <p:sp>
         <p:nvSpPr>
           <p:cNvPr id="214" name="CuadroTexto 213"/>
@@ -8531,7 +14473,7 @@
         </p:nvSpPr>
         <p:spPr>
           <a:xfrm>
-            <a:off x="649905" y="3780855"/>
+            <a:off x="1370346" y="7336855"/>
             <a:ext cx="3566059" cy="461665"/>
           </a:xfrm>
           <a:prstGeom prst="rect">
@@ -8560,12 +14502,8 @@
               <a:buChar char="•"/>
             </a:pPr>
             <a:r>
-              <a:rPr lang="en-GB" sz="1200" smtClean="0"/>
-              <a:t>Should </a:t>
-            </a:r>
-            <a:r>
               <a:rPr lang="en-GB" sz="1200" dirty="0" smtClean="0"/>
-              <a:t>we add </a:t>
+              <a:t>Should we add </a:t>
             </a:r>
             <a:r>
               <a:rPr lang="en-GB" sz="1200" dirty="0" err="1" smtClean="0"/>
@@ -8579,10 +14517,753 @@
           </a:p>
         </p:txBody>
       </p:sp>
+      <p:sp>
+        <p:nvSpPr>
+          <p:cNvPr id="215" name="Rectángulo 214"/>
+          <p:cNvSpPr/>
+          <p:nvPr/>
+        </p:nvSpPr>
+        <p:spPr>
+          <a:xfrm>
+            <a:off x="5452526" y="4242520"/>
+            <a:ext cx="914771" cy="308735"/>
+          </a:xfrm>
+          <a:prstGeom prst="rect">
+            <a:avLst/>
+          </a:prstGeom>
+          <a:solidFill>
+            <a:schemeClr val="accent3">
+              <a:lumMod val="20000"/>
+              <a:lumOff val="80000"/>
+            </a:schemeClr>
+          </a:solidFill>
+          <a:ln>
+            <a:solidFill>
+              <a:schemeClr val="tx1"/>
+            </a:solidFill>
+          </a:ln>
+          <a:effectLst/>
+        </p:spPr>
+        <p:style>
+          <a:lnRef idx="1">
+            <a:schemeClr val="accent1"/>
+          </a:lnRef>
+          <a:fillRef idx="3">
+            <a:schemeClr val="accent1"/>
+          </a:fillRef>
+          <a:effectRef idx="2">
+            <a:schemeClr val="accent1"/>
+          </a:effectRef>
+          <a:fontRef idx="minor">
+            <a:schemeClr val="lt1"/>
+          </a:fontRef>
+        </p:style>
+        <p:txBody>
+          <a:bodyPr rtlCol="0" anchor="ctr"/>
+          <a:lstStyle/>
+          <a:p>
+            <a:pPr algn="ctr"/>
+            <a:r>
+              <a:rPr lang="en-GB" sz="1000" dirty="0" smtClean="0">
+                <a:solidFill>
+                  <a:schemeClr val="tx1"/>
+                </a:solidFill>
+              </a:rPr>
+              <a:t>MAQ Index</a:t>
+            </a:r>
+            <a:endParaRPr lang="en-GB" sz="1000" dirty="0" smtClean="0">
+              <a:solidFill>
+                <a:schemeClr val="tx1"/>
+              </a:solidFill>
+            </a:endParaRPr>
+          </a:p>
+        </p:txBody>
+      </p:sp>
+      <p:sp>
+        <p:nvSpPr>
+          <p:cNvPr id="217" name="Rectángulo 216"/>
+          <p:cNvSpPr/>
+          <p:nvPr/>
+        </p:nvSpPr>
+        <p:spPr>
+          <a:xfrm>
+            <a:off x="6714923" y="3783460"/>
+            <a:ext cx="914771" cy="308735"/>
+          </a:xfrm>
+          <a:prstGeom prst="rect">
+            <a:avLst/>
+          </a:prstGeom>
+          <a:solidFill>
+            <a:schemeClr val="accent3">
+              <a:lumMod val="20000"/>
+              <a:lumOff val="80000"/>
+            </a:schemeClr>
+          </a:solidFill>
+          <a:ln>
+            <a:solidFill>
+              <a:schemeClr val="tx1"/>
+            </a:solidFill>
+          </a:ln>
+          <a:effectLst/>
+        </p:spPr>
+        <p:style>
+          <a:lnRef idx="1">
+            <a:schemeClr val="accent1"/>
+          </a:lnRef>
+          <a:fillRef idx="3">
+            <a:schemeClr val="accent1"/>
+          </a:fillRef>
+          <a:effectRef idx="2">
+            <a:schemeClr val="accent1"/>
+          </a:effectRef>
+          <a:fontRef idx="minor">
+            <a:schemeClr val="lt1"/>
+          </a:fontRef>
+        </p:style>
+        <p:txBody>
+          <a:bodyPr rtlCol="0" anchor="ctr"/>
+          <a:lstStyle/>
+          <a:p>
+            <a:pPr algn="ctr"/>
+            <a:r>
+              <a:rPr lang="en-GB" sz="1000" dirty="0" smtClean="0">
+                <a:solidFill>
+                  <a:schemeClr val="tx1"/>
+                </a:solidFill>
+              </a:rPr>
+              <a:t>SOL2SANGER</a:t>
+            </a:r>
+            <a:endParaRPr lang="en-GB" sz="1000" dirty="0" smtClean="0">
+              <a:solidFill>
+                <a:schemeClr val="tx1"/>
+              </a:solidFill>
+            </a:endParaRPr>
+          </a:p>
+        </p:txBody>
+      </p:sp>
+      <p:cxnSp>
+        <p:nvCxnSpPr>
+          <p:cNvPr id="218" name="Elbow Connector 78"/>
+          <p:cNvCxnSpPr>
+            <a:stCxn id="211" idx="0"/>
+            <a:endCxn id="14" idx="2"/>
+          </p:cNvCxnSpPr>
+          <p:nvPr/>
+        </p:nvCxnSpPr>
+        <p:spPr>
+          <a:xfrm rot="5400000" flipH="1" flipV="1">
+            <a:off x="5890397" y="2006114"/>
+            <a:ext cx="1298956" cy="1259927"/>
+          </a:xfrm>
+          <a:prstGeom prst="bentConnector3">
+            <a:avLst>
+              <a:gd name="adj1" fmla="val 15291"/>
+            </a:avLst>
+          </a:prstGeom>
+          <a:ln w="12700" cmpd="sng">
+            <a:solidFill>
+              <a:schemeClr val="tx1"/>
+            </a:solidFill>
+            <a:headEnd type="none"/>
+            <a:tailEnd type="triangle"/>
+          </a:ln>
+          <a:effectLst/>
+        </p:spPr>
+        <p:style>
+          <a:lnRef idx="2">
+            <a:schemeClr val="accent1"/>
+          </a:lnRef>
+          <a:fillRef idx="0">
+            <a:schemeClr val="accent1"/>
+          </a:fillRef>
+          <a:effectRef idx="1">
+            <a:schemeClr val="accent1"/>
+          </a:effectRef>
+          <a:fontRef idx="minor">
+            <a:schemeClr val="tx1"/>
+          </a:fontRef>
+        </p:style>
+      </p:cxnSp>
+      <p:cxnSp>
+        <p:nvCxnSpPr>
+          <p:cNvPr id="227" name="Conector recto 45"/>
+          <p:cNvCxnSpPr>
+            <a:stCxn id="211" idx="2"/>
+            <a:endCxn id="215" idx="0"/>
+          </p:cNvCxnSpPr>
+          <p:nvPr/>
+        </p:nvCxnSpPr>
+        <p:spPr>
+          <a:xfrm>
+            <a:off x="5909912" y="3594290"/>
+            <a:ext cx="0" cy="648230"/>
+          </a:xfrm>
+          <a:prstGeom prst="line">
+            <a:avLst/>
+          </a:prstGeom>
+          <a:ln w="12700" cmpd="sng">
+            <a:solidFill>
+              <a:srgbClr val="000000"/>
+            </a:solidFill>
+            <a:headEnd type="none"/>
+            <a:tailEnd type="none"/>
+          </a:ln>
+          <a:effectLst/>
+        </p:spPr>
+        <p:style>
+          <a:lnRef idx="2">
+            <a:schemeClr val="accent1"/>
+          </a:lnRef>
+          <a:fillRef idx="0">
+            <a:schemeClr val="accent1"/>
+          </a:fillRef>
+          <a:effectRef idx="1">
+            <a:schemeClr val="accent1"/>
+          </a:effectRef>
+          <a:fontRef idx="minor">
+            <a:schemeClr val="tx1"/>
+          </a:fontRef>
+        </p:style>
+      </p:cxnSp>
+      <p:sp>
+        <p:nvSpPr>
+          <p:cNvPr id="212" name="Rectángulo 211"/>
+          <p:cNvSpPr/>
+          <p:nvPr/>
+        </p:nvSpPr>
+        <p:spPr>
+          <a:xfrm>
+            <a:off x="5452526" y="3780855"/>
+            <a:ext cx="914771" cy="308735"/>
+          </a:xfrm>
+          <a:prstGeom prst="rect">
+            <a:avLst/>
+          </a:prstGeom>
+          <a:solidFill>
+            <a:schemeClr val="accent3">
+              <a:lumMod val="20000"/>
+              <a:lumOff val="80000"/>
+            </a:schemeClr>
+          </a:solidFill>
+          <a:ln>
+            <a:solidFill>
+              <a:schemeClr val="tx1"/>
+            </a:solidFill>
+          </a:ln>
+          <a:effectLst/>
+        </p:spPr>
+        <p:style>
+          <a:lnRef idx="1">
+            <a:schemeClr val="accent1"/>
+          </a:lnRef>
+          <a:fillRef idx="3">
+            <a:schemeClr val="accent1"/>
+          </a:fillRef>
+          <a:effectRef idx="2">
+            <a:schemeClr val="accent1"/>
+          </a:effectRef>
+          <a:fontRef idx="minor">
+            <a:schemeClr val="lt1"/>
+          </a:fontRef>
+        </p:style>
+        <p:txBody>
+          <a:bodyPr rtlCol="0" anchor="ctr"/>
+          <a:lstStyle/>
+          <a:p>
+            <a:pPr algn="ctr"/>
+            <a:r>
+              <a:rPr lang="en-GB" sz="1000" dirty="0" smtClean="0">
+                <a:solidFill>
+                  <a:schemeClr val="tx1"/>
+                </a:solidFill>
+              </a:rPr>
+              <a:t>MAQ</a:t>
+            </a:r>
+            <a:endParaRPr lang="en-GB" sz="1000" dirty="0" smtClean="0">
+              <a:solidFill>
+                <a:schemeClr val="tx1"/>
+              </a:solidFill>
+            </a:endParaRPr>
+          </a:p>
+        </p:txBody>
+      </p:sp>
+      <p:cxnSp>
+        <p:nvCxnSpPr>
+          <p:cNvPr id="233" name="Conector recto 45"/>
+          <p:cNvCxnSpPr>
+            <a:stCxn id="14" idx="2"/>
+            <a:endCxn id="217" idx="0"/>
+          </p:cNvCxnSpPr>
+          <p:nvPr/>
+        </p:nvCxnSpPr>
+        <p:spPr>
+          <a:xfrm>
+            <a:off x="7169839" y="1986599"/>
+            <a:ext cx="2470" cy="1796861"/>
+          </a:xfrm>
+          <a:prstGeom prst="line">
+            <a:avLst/>
+          </a:prstGeom>
+          <a:ln w="12700" cmpd="sng">
+            <a:solidFill>
+              <a:srgbClr val="000000"/>
+            </a:solidFill>
+            <a:headEnd type="none"/>
+            <a:tailEnd type="none"/>
+          </a:ln>
+          <a:effectLst/>
+        </p:spPr>
+        <p:style>
+          <a:lnRef idx="2">
+            <a:schemeClr val="accent1"/>
+          </a:lnRef>
+          <a:fillRef idx="0">
+            <a:schemeClr val="accent1"/>
+          </a:fillRef>
+          <a:effectRef idx="1">
+            <a:schemeClr val="accent1"/>
+          </a:effectRef>
+          <a:fontRef idx="minor">
+            <a:schemeClr val="tx1"/>
+          </a:fontRef>
+        </p:style>
+      </p:cxnSp>
+      <p:sp>
+        <p:nvSpPr>
+          <p:cNvPr id="216" name="Rectángulo 215"/>
+          <p:cNvSpPr/>
+          <p:nvPr/>
+        </p:nvSpPr>
+        <p:spPr>
+          <a:xfrm>
+            <a:off x="6714923" y="3291905"/>
+            <a:ext cx="914771" cy="308735"/>
+          </a:xfrm>
+          <a:prstGeom prst="rect">
+            <a:avLst/>
+          </a:prstGeom>
+          <a:solidFill>
+            <a:schemeClr val="accent3">
+              <a:lumMod val="20000"/>
+              <a:lumOff val="80000"/>
+            </a:schemeClr>
+          </a:solidFill>
+          <a:ln>
+            <a:solidFill>
+              <a:schemeClr val="tx1"/>
+            </a:solidFill>
+          </a:ln>
+          <a:effectLst/>
+        </p:spPr>
+        <p:style>
+          <a:lnRef idx="1">
+            <a:schemeClr val="accent1"/>
+          </a:lnRef>
+          <a:fillRef idx="3">
+            <a:schemeClr val="accent1"/>
+          </a:fillRef>
+          <a:effectRef idx="2">
+            <a:schemeClr val="accent1"/>
+          </a:effectRef>
+          <a:fontRef idx="minor">
+            <a:schemeClr val="lt1"/>
+          </a:fontRef>
+        </p:style>
+        <p:txBody>
+          <a:bodyPr rtlCol="0" anchor="ctr"/>
+          <a:lstStyle/>
+          <a:p>
+            <a:pPr algn="ctr"/>
+            <a:r>
+              <a:rPr lang="en-GB" sz="1000" dirty="0" smtClean="0">
+                <a:solidFill>
+                  <a:schemeClr val="tx1"/>
+                </a:solidFill>
+              </a:rPr>
+              <a:t>MAP</a:t>
+            </a:r>
+            <a:endParaRPr lang="en-GB" sz="1000" dirty="0" smtClean="0">
+              <a:solidFill>
+                <a:schemeClr val="tx1"/>
+              </a:solidFill>
+            </a:endParaRPr>
+          </a:p>
+        </p:txBody>
+      </p:sp>
+      <p:cxnSp>
+        <p:nvCxnSpPr>
+          <p:cNvPr id="239" name="Elbow Connector 88"/>
+          <p:cNvCxnSpPr>
+            <a:stCxn id="216" idx="1"/>
+            <a:endCxn id="215" idx="3"/>
+          </p:cNvCxnSpPr>
+          <p:nvPr/>
+        </p:nvCxnSpPr>
+        <p:spPr>
+          <a:xfrm rot="10800000" flipV="1">
+            <a:off x="6367297" y="3446272"/>
+            <a:ext cx="347626" cy="950615"/>
+          </a:xfrm>
+          <a:prstGeom prst="bentConnector3">
+            <a:avLst>
+              <a:gd name="adj1" fmla="val 50000"/>
+            </a:avLst>
+          </a:prstGeom>
+          <a:ln w="12700" cmpd="sng">
+            <a:solidFill>
+              <a:schemeClr val="tx1"/>
+            </a:solidFill>
+            <a:headEnd type="none"/>
+            <a:tailEnd type="triangle"/>
+          </a:ln>
+          <a:effectLst/>
+        </p:spPr>
+        <p:style>
+          <a:lnRef idx="2">
+            <a:schemeClr val="accent1"/>
+          </a:lnRef>
+          <a:fillRef idx="0">
+            <a:schemeClr val="accent1"/>
+          </a:fillRef>
+          <a:effectRef idx="1">
+            <a:schemeClr val="accent1"/>
+          </a:effectRef>
+          <a:fontRef idx="minor">
+            <a:schemeClr val="tx1"/>
+          </a:fontRef>
+        </p:style>
+      </p:cxnSp>
+      <p:cxnSp>
+        <p:nvCxnSpPr>
+          <p:cNvPr id="244" name="Conector recto 45"/>
+          <p:cNvCxnSpPr>
+            <a:stCxn id="212" idx="3"/>
+            <a:endCxn id="217" idx="1"/>
+          </p:cNvCxnSpPr>
+          <p:nvPr/>
+        </p:nvCxnSpPr>
+        <p:spPr>
+          <a:xfrm>
+            <a:off x="6367297" y="3935223"/>
+            <a:ext cx="347626" cy="2605"/>
+          </a:xfrm>
+          <a:prstGeom prst="line">
+            <a:avLst/>
+          </a:prstGeom>
+          <a:ln w="12700" cmpd="sng">
+            <a:solidFill>
+              <a:srgbClr val="000000"/>
+            </a:solidFill>
+            <a:headEnd type="triangle"/>
+          </a:ln>
+          <a:effectLst/>
+        </p:spPr>
+        <p:style>
+          <a:lnRef idx="2">
+            <a:schemeClr val="accent1"/>
+          </a:lnRef>
+          <a:fillRef idx="0">
+            <a:schemeClr val="accent1"/>
+          </a:fillRef>
+          <a:effectRef idx="1">
+            <a:schemeClr val="accent1"/>
+          </a:effectRef>
+          <a:fontRef idx="minor">
+            <a:schemeClr val="tx1"/>
+          </a:fontRef>
+        </p:style>
+      </p:cxnSp>
+      <p:sp>
+        <p:nvSpPr>
+          <p:cNvPr id="250" name="Rectángulo 249"/>
+          <p:cNvSpPr/>
+          <p:nvPr/>
+        </p:nvSpPr>
+        <p:spPr>
+          <a:xfrm>
+            <a:off x="7979197" y="3291905"/>
+            <a:ext cx="914771" cy="308735"/>
+          </a:xfrm>
+          <a:prstGeom prst="rect">
+            <a:avLst/>
+          </a:prstGeom>
+          <a:solidFill>
+            <a:schemeClr val="accent3">
+              <a:lumMod val="20000"/>
+              <a:lumOff val="80000"/>
+            </a:schemeClr>
+          </a:solidFill>
+          <a:ln>
+            <a:solidFill>
+              <a:schemeClr val="tx1"/>
+            </a:solidFill>
+          </a:ln>
+          <a:effectLst/>
+        </p:spPr>
+        <p:style>
+          <a:lnRef idx="1">
+            <a:schemeClr val="accent1"/>
+          </a:lnRef>
+          <a:fillRef idx="3">
+            <a:schemeClr val="accent1"/>
+          </a:fillRef>
+          <a:effectRef idx="2">
+            <a:schemeClr val="accent1"/>
+          </a:effectRef>
+          <a:fontRef idx="minor">
+            <a:schemeClr val="lt1"/>
+          </a:fontRef>
+        </p:style>
+        <p:txBody>
+          <a:bodyPr rtlCol="0" anchor="ctr"/>
+          <a:lstStyle/>
+          <a:p>
+            <a:pPr algn="ctr"/>
+            <a:r>
+              <a:rPr lang="en-GB" sz="1000" dirty="0" err="1" smtClean="0">
+                <a:solidFill>
+                  <a:schemeClr val="tx1"/>
+                </a:solidFill>
+              </a:rPr>
+              <a:t>GLibC</a:t>
+            </a:r>
+            <a:endParaRPr lang="en-GB" sz="1000" dirty="0" smtClean="0">
+              <a:solidFill>
+                <a:schemeClr val="tx1"/>
+              </a:solidFill>
+            </a:endParaRPr>
+          </a:p>
+        </p:txBody>
+      </p:sp>
+      <p:sp>
+        <p:nvSpPr>
+          <p:cNvPr id="252" name="Rectángulo 251"/>
+          <p:cNvSpPr/>
+          <p:nvPr/>
+        </p:nvSpPr>
+        <p:spPr>
+          <a:xfrm>
+            <a:off x="7979197" y="3780855"/>
+            <a:ext cx="914771" cy="308735"/>
+          </a:xfrm>
+          <a:prstGeom prst="rect">
+            <a:avLst/>
+          </a:prstGeom>
+          <a:solidFill>
+            <a:schemeClr val="accent3">
+              <a:lumMod val="20000"/>
+              <a:lumOff val="80000"/>
+            </a:schemeClr>
+          </a:solidFill>
+          <a:ln>
+            <a:solidFill>
+              <a:schemeClr val="tx1"/>
+            </a:solidFill>
+          </a:ln>
+          <a:effectLst/>
+        </p:spPr>
+        <p:style>
+          <a:lnRef idx="1">
+            <a:schemeClr val="accent1"/>
+          </a:lnRef>
+          <a:fillRef idx="3">
+            <a:schemeClr val="accent1"/>
+          </a:fillRef>
+          <a:effectRef idx="2">
+            <a:schemeClr val="accent1"/>
+          </a:effectRef>
+          <a:fontRef idx="minor">
+            <a:schemeClr val="lt1"/>
+          </a:fontRef>
+        </p:style>
+        <p:txBody>
+          <a:bodyPr rtlCol="0" anchor="ctr"/>
+          <a:lstStyle/>
+          <a:p>
+            <a:pPr algn="ctr"/>
+            <a:r>
+              <a:rPr lang="en-GB" sz="1000" dirty="0" err="1" smtClean="0">
+                <a:solidFill>
+                  <a:schemeClr val="tx1"/>
+                </a:solidFill>
+              </a:rPr>
+              <a:t>LibStd</a:t>
+            </a:r>
+            <a:endParaRPr lang="en-GB" sz="1000" dirty="0" smtClean="0">
+              <a:solidFill>
+                <a:schemeClr val="tx1"/>
+              </a:solidFill>
+            </a:endParaRPr>
+          </a:p>
+        </p:txBody>
+      </p:sp>
+      <p:cxnSp>
+        <p:nvCxnSpPr>
+          <p:cNvPr id="255" name="Conector recto 45"/>
+          <p:cNvCxnSpPr>
+            <a:stCxn id="250" idx="1"/>
+            <a:endCxn id="216" idx="3"/>
+          </p:cNvCxnSpPr>
+          <p:nvPr/>
+        </p:nvCxnSpPr>
+        <p:spPr>
+          <a:xfrm flipH="1">
+            <a:off x="7629694" y="3446273"/>
+            <a:ext cx="349503" cy="0"/>
+          </a:xfrm>
+          <a:prstGeom prst="line">
+            <a:avLst/>
+          </a:prstGeom>
+          <a:ln w="12700" cmpd="sng">
+            <a:solidFill>
+              <a:srgbClr val="000000"/>
+            </a:solidFill>
+            <a:headEnd type="triangle"/>
+          </a:ln>
+          <a:effectLst/>
+        </p:spPr>
+        <p:style>
+          <a:lnRef idx="2">
+            <a:schemeClr val="accent1"/>
+          </a:lnRef>
+          <a:fillRef idx="0">
+            <a:schemeClr val="accent1"/>
+          </a:fillRef>
+          <a:effectRef idx="1">
+            <a:schemeClr val="accent1"/>
+          </a:effectRef>
+          <a:fontRef idx="minor">
+            <a:schemeClr val="tx1"/>
+          </a:fontRef>
+        </p:style>
+      </p:cxnSp>
+      <p:cxnSp>
+        <p:nvCxnSpPr>
+          <p:cNvPr id="258" name="Conector recto 45"/>
+          <p:cNvCxnSpPr>
+            <a:stCxn id="252" idx="1"/>
+            <a:endCxn id="217" idx="3"/>
+          </p:cNvCxnSpPr>
+          <p:nvPr/>
+        </p:nvCxnSpPr>
+        <p:spPr>
+          <a:xfrm flipH="1">
+            <a:off x="7629694" y="3935223"/>
+            <a:ext cx="349503" cy="2605"/>
+          </a:xfrm>
+          <a:prstGeom prst="line">
+            <a:avLst/>
+          </a:prstGeom>
+          <a:ln w="12700" cmpd="sng">
+            <a:solidFill>
+              <a:srgbClr val="000000"/>
+            </a:solidFill>
+            <a:headEnd type="triangle"/>
+          </a:ln>
+          <a:effectLst/>
+        </p:spPr>
+        <p:style>
+          <a:lnRef idx="2">
+            <a:schemeClr val="accent1"/>
+          </a:lnRef>
+          <a:fillRef idx="0">
+            <a:schemeClr val="accent1"/>
+          </a:fillRef>
+          <a:effectRef idx="1">
+            <a:schemeClr val="accent1"/>
+          </a:effectRef>
+          <a:fontRef idx="minor">
+            <a:schemeClr val="tx1"/>
+          </a:fontRef>
+        </p:style>
+      </p:cxnSp>
+      <p:cxnSp>
+        <p:nvCxnSpPr>
+          <p:cNvPr id="261" name="Elbow Connector 78"/>
+          <p:cNvCxnSpPr>
+            <a:stCxn id="250" idx="0"/>
+            <a:endCxn id="14" idx="2"/>
+          </p:cNvCxnSpPr>
+          <p:nvPr/>
+        </p:nvCxnSpPr>
+        <p:spPr>
+          <a:xfrm rot="16200000" flipV="1">
+            <a:off x="7150558" y="2005880"/>
+            <a:ext cx="1305306" cy="1266744"/>
+          </a:xfrm>
+          <a:prstGeom prst="bentConnector3">
+            <a:avLst>
+              <a:gd name="adj1" fmla="val 15461"/>
+            </a:avLst>
+          </a:prstGeom>
+          <a:ln w="12700" cmpd="sng">
+            <a:solidFill>
+              <a:schemeClr val="tx1"/>
+            </a:solidFill>
+            <a:headEnd type="none"/>
+            <a:tailEnd type="triangle"/>
+          </a:ln>
+          <a:effectLst/>
+        </p:spPr>
+        <p:style>
+          <a:lnRef idx="2">
+            <a:schemeClr val="accent1"/>
+          </a:lnRef>
+          <a:fillRef idx="0">
+            <a:schemeClr val="accent1"/>
+          </a:fillRef>
+          <a:effectRef idx="1">
+            <a:schemeClr val="accent1"/>
+          </a:effectRef>
+          <a:fontRef idx="minor">
+            <a:schemeClr val="tx1"/>
+          </a:fontRef>
+        </p:style>
+      </p:cxnSp>
+      <p:cxnSp>
+        <p:nvCxnSpPr>
+          <p:cNvPr id="121" name="Conector recto 45"/>
+          <p:cNvCxnSpPr>
+            <a:stCxn id="13" idx="3"/>
+            <a:endCxn id="11" idx="1"/>
+          </p:cNvCxnSpPr>
+          <p:nvPr/>
+        </p:nvCxnSpPr>
+        <p:spPr>
+          <a:xfrm>
+            <a:off x="7627224" y="1220696"/>
+            <a:ext cx="235437" cy="0"/>
+          </a:xfrm>
+          <a:prstGeom prst="line">
+            <a:avLst/>
+          </a:prstGeom>
+          <a:ln w="12700" cmpd="sng">
+            <a:solidFill>
+              <a:srgbClr val="000000"/>
+            </a:solidFill>
+            <a:headEnd type="triangle"/>
+          </a:ln>
+          <a:effectLst/>
+        </p:spPr>
+        <p:style>
+          <a:lnRef idx="2">
+            <a:schemeClr val="accent1"/>
+          </a:lnRef>
+          <a:fillRef idx="0">
+            <a:schemeClr val="accent1"/>
+          </a:fillRef>
+          <a:effectRef idx="1">
+            <a:schemeClr val="accent1"/>
+          </a:effectRef>
+          <a:fontRef idx="minor">
+            <a:schemeClr val="tx1"/>
+          </a:fontRef>
+        </p:style>
+      </p:cxnSp>
     </p:spTree>
     <p:extLst>
       <p:ext uri="{BB962C8B-B14F-4D97-AF65-F5344CB8AC3E}">
-        <p14:creationId xmlns:p14="http://schemas.microsoft.com/office/powerpoint/2010/main" val="2122940281"/>
+        <p14:creationId xmlns:p14="http://schemas.microsoft.com/office/powerpoint/2010/main" val="3060076244"/>
       </p:ext>
     </p:extLst>
   </p:cSld>
